--- a/Programming with C#/4. C# High-Quality Code/01. Code Formatting/Code Formatting.pptx
+++ b/Programming with C#/4. C# High-Quality Code/01. Code Formatting/Code Formatting.pptx
@@ -317,7 +317,7 @@
             <a:fld id="{3BF7C7B5-275F-4D1F-9AB4-9255447DBC73}" type="datetimeFigureOut">
               <a:rPr lang="en-US"/>
               <a:pPr/>
-              <a:t>09.04.2013</a:t>
+              <a:t>12/9/2019</a:t>
             </a:fld>
             <a:endParaRPr lang="en-US" dirty="0"/>
           </a:p>
@@ -548,7 +548,7 @@
             <a:fld id="{9B46F231-FB2B-4655-A644-E2477325E686}" type="datetimeFigureOut">
               <a:rPr lang="en-US"/>
               <a:pPr/>
-              <a:t>09.04.2013</a:t>
+              <a:t>12/9/2019</a:t>
             </a:fld>
             <a:endParaRPr lang="en-US" dirty="0"/>
           </a:p>
@@ -624,38 +624,37 @@
           <a:p>
             <a:pPr lvl="0"/>
             <a:r>
-              <a:rPr lang="en-US" noProof="0" smtClean="0"/>
+              <a:rPr lang="en-US" noProof="0"/>
               <a:t>Click to edit Master text styles</a:t>
             </a:r>
           </a:p>
           <a:p>
             <a:pPr lvl="1"/>
             <a:r>
-              <a:rPr lang="en-US" noProof="0" smtClean="0"/>
+              <a:rPr lang="en-US" noProof="0"/>
               <a:t>Second level</a:t>
             </a:r>
           </a:p>
           <a:p>
             <a:pPr lvl="2"/>
             <a:r>
-              <a:rPr lang="en-US" noProof="0" smtClean="0"/>
+              <a:rPr lang="en-US" noProof="0"/>
               <a:t>Third level</a:t>
             </a:r>
           </a:p>
           <a:p>
             <a:pPr lvl="3"/>
             <a:r>
-              <a:rPr lang="en-US" noProof="0" smtClean="0"/>
+              <a:rPr lang="en-US" noProof="0"/>
               <a:t>Fourth level</a:t>
             </a:r>
           </a:p>
           <a:p>
             <a:pPr lvl="4"/>
             <a:r>
-              <a:rPr lang="en-US" noProof="0" smtClean="0"/>
+              <a:rPr lang="en-US" noProof="0"/>
               <a:t>Fifth level</a:t>
             </a:r>
-            <a:endParaRPr lang="en-US" noProof="0"/>
           </a:p>
         </p:txBody>
       </p:sp>
@@ -1038,10 +1037,9 @@
           </a:lstStyle>
           <a:p>
             <a:r>
-              <a:rPr lang="en-US" dirty="0" smtClean="0"/>
+              <a:rPr lang="en-US" dirty="0"/>
               <a:t>Presentation Title</a:t>
             </a:r>
-            <a:endParaRPr lang="en-US" dirty="0"/>
           </a:p>
         </p:txBody>
       </p:sp>
@@ -1102,10 +1100,9 @@
           </a:lstStyle>
           <a:p>
             <a:r>
-              <a:rPr lang="en-US" dirty="0" smtClean="0"/>
+              <a:rPr lang="en-US" dirty="0"/>
               <a:t>Presentation Subtitle</a:t>
             </a:r>
-            <a:endParaRPr lang="en-US" dirty="0"/>
           </a:p>
         </p:txBody>
       </p:sp>
@@ -1208,10 +1205,9 @@
           <a:p>
             <a:pPr lvl="0"/>
             <a:r>
-              <a:rPr lang="en-US" dirty="0" smtClean="0"/>
+              <a:rPr lang="en-US" dirty="0"/>
               <a:t>Author Name</a:t>
             </a:r>
-            <a:endParaRPr lang="en-US" dirty="0"/>
           </a:p>
         </p:txBody>
       </p:sp>
@@ -1287,7 +1283,7 @@
               <a:buNone/>
             </a:pPr>
             <a:r>
-              <a:rPr lang="en-US" sz="1800" b="1" dirty="0" smtClean="0">
+              <a:rPr lang="en-US" sz="1800" b="1" dirty="0">
                 <a:solidFill>
                   <a:srgbClr val="0EFE58"/>
                 </a:solidFill>
@@ -1301,18 +1297,6 @@
               </a:rPr>
               <a:t>Company Name</a:t>
             </a:r>
-            <a:endParaRPr lang="en-US" sz="1800" b="1" dirty="0">
-              <a:solidFill>
-                <a:srgbClr val="0EFE58"/>
-              </a:solidFill>
-              <a:effectLst>
-                <a:outerShdw blurRad="38100" dist="38100" dir="2700000" algn="tl">
-                  <a:srgbClr val="000000">
-                    <a:alpha val="43137"/>
-                  </a:srgbClr>
-                </a:outerShdw>
-              </a:effectLst>
-            </a:endParaRPr>
           </a:p>
         </p:txBody>
       </p:sp>
@@ -1369,7 +1353,7 @@
           <a:p>
             <a:pPr algn="l"/>
             <a:r>
-              <a:rPr lang="en-US" sz="1600" b="1" dirty="0" smtClean="0">
+              <a:rPr lang="en-US" sz="1600" b="1" dirty="0">
                 <a:solidFill>
                   <a:schemeClr val="tx1">
                     <a:lumMod val="50000"/>
@@ -1385,20 +1369,6 @@
               </a:rPr>
               <a:t>Company Web Site</a:t>
             </a:r>
-            <a:endParaRPr lang="en-US" sz="1600" b="1" dirty="0">
-              <a:solidFill>
-                <a:schemeClr val="tx1">
-                  <a:lumMod val="50000"/>
-                </a:schemeClr>
-              </a:solidFill>
-              <a:effectLst>
-                <a:outerShdw blurRad="38100" dist="38100" dir="2700000" algn="tl">
-                  <a:srgbClr val="000000">
-                    <a:alpha val="43137"/>
-                  </a:srgbClr>
-                </a:outerShdw>
-              </a:effectLst>
-            </a:endParaRPr>
           </a:p>
         </p:txBody>
       </p:sp>
@@ -1457,10 +1427,9 @@
           <a:p>
             <a:pPr lvl="0"/>
             <a:r>
-              <a:rPr lang="en-US" dirty="0" smtClean="0"/>
+              <a:rPr lang="en-US" dirty="0"/>
               <a:t>Position</a:t>
             </a:r>
-            <a:endParaRPr lang="en-US" dirty="0"/>
           </a:p>
         </p:txBody>
       </p:sp>
@@ -1519,7 +1488,7 @@
           <a:p>
             <a:pPr lvl="0"/>
             <a:r>
-              <a:rPr lang="en-US" smtClean="0"/>
+              <a:rPr lang="en-US"/>
               <a:t>Web Site</a:t>
             </a:r>
             <a:endParaRPr lang="en-US" dirty="0"/>
@@ -1555,10 +1524,9 @@
           </a:lstStyle>
           <a:p>
             <a:r>
-              <a:rPr lang="en-US" dirty="0" smtClean="0"/>
+              <a:rPr lang="en-US" dirty="0"/>
               <a:t>Insert a Picture Here</a:t>
             </a:r>
-            <a:endParaRPr lang="en-US" dirty="0"/>
           </a:p>
         </p:txBody>
       </p:sp>
@@ -1567,13 +1535,6 @@
   <p:clrMapOvr>
     <a:masterClrMapping/>
   </p:clrMapOvr>
-  <p:timing>
-    <p:tnLst>
-      <p:par>
-        <p:cTn id="1" dur="indefinite" restart="never" nodeType="tmRoot"/>
-      </p:par>
-    </p:tnLst>
-  </p:timing>
 </p:sldLayout>
 </file>
 
@@ -1651,10 +1612,9 @@
           </a:lstStyle>
           <a:p>
             <a:r>
-              <a:rPr lang="en-US" dirty="0" smtClean="0"/>
+              <a:rPr lang="en-US" dirty="0"/>
               <a:t>Slide Title</a:t>
             </a:r>
-            <a:endParaRPr lang="en-US" dirty="0"/>
           </a:p>
         </p:txBody>
       </p:sp>
@@ -1791,38 +1751,37 @@
           <a:p>
             <a:pPr lvl="0"/>
             <a:r>
-              <a:rPr lang="en-US" dirty="0" smtClean="0"/>
+              <a:rPr lang="en-US" dirty="0"/>
               <a:t>First Level</a:t>
             </a:r>
           </a:p>
           <a:p>
             <a:pPr lvl="1"/>
             <a:r>
-              <a:rPr lang="en-US" dirty="0" smtClean="0"/>
+              <a:rPr lang="en-US" dirty="0"/>
               <a:t>Second level</a:t>
             </a:r>
           </a:p>
           <a:p>
             <a:pPr lvl="2"/>
             <a:r>
-              <a:rPr lang="en-US" dirty="0" smtClean="0"/>
+              <a:rPr lang="en-US" dirty="0"/>
               <a:t>Third level</a:t>
             </a:r>
           </a:p>
           <a:p>
             <a:pPr lvl="3"/>
             <a:r>
-              <a:rPr lang="en-US" dirty="0" smtClean="0"/>
+              <a:rPr lang="en-US" dirty="0"/>
               <a:t>Fourth level</a:t>
             </a:r>
           </a:p>
           <a:p>
             <a:pPr lvl="4"/>
             <a:r>
-              <a:rPr lang="en-US" dirty="0" smtClean="0"/>
+              <a:rPr lang="en-US" dirty="0"/>
               <a:t>Fifth level</a:t>
             </a:r>
-            <a:endParaRPr lang="en-US" dirty="0"/>
           </a:p>
         </p:txBody>
       </p:sp>
@@ -1872,13 +1831,6 @@
   <p:clrMapOvr>
     <a:masterClrMapping/>
   </p:clrMapOvr>
-  <p:timing>
-    <p:tnLst>
-      <p:par>
-        <p:cTn id="1" dur="indefinite" restart="never" nodeType="tmRoot"/>
-      </p:par>
-    </p:tnLst>
-  </p:timing>
 </p:sldLayout>
 </file>
 
@@ -1941,10 +1893,9 @@
           </a:lstStyle>
           <a:p>
             <a:r>
-              <a:rPr lang="en-US" dirty="0" smtClean="0"/>
+              <a:rPr lang="en-US" dirty="0"/>
               <a:t>Slide Title</a:t>
             </a:r>
-            <a:endParaRPr lang="en-US" dirty="0"/>
           </a:p>
         </p:txBody>
       </p:sp>
@@ -2111,7 +2062,7 @@
               <a:defRPr/>
             </a:pPr>
             <a:r>
-              <a:rPr kumimoji="0" lang="en-US" sz="3200" b="1" i="0" u="none" strike="noStrike" kern="1200" cap="none" spc="0" normalizeH="0" baseline="0" noProof="0" dirty="0" smtClean="0">
+              <a:rPr kumimoji="0" lang="en-US" sz="3200" b="1" i="0" u="none" strike="noStrike" kern="1200" cap="none" spc="0" normalizeH="0" baseline="0" noProof="0" dirty="0">
                 <a:ln>
                   <a:noFill/>
                 </a:ln>
@@ -2195,65 +2146,65 @@
           <a:p>
             <a:pPr lvl="0"/>
             <a:r>
-              <a:rPr lang="en-US" noProof="1" smtClean="0"/>
+              <a:rPr lang="en-US" noProof="1"/>
               <a:t>Enter source code here</a:t>
             </a:r>
           </a:p>
           <a:p>
             <a:pPr lvl="0"/>
-            <a:endParaRPr lang="en-US" noProof="1" smtClean="0"/>
+            <a:endParaRPr lang="en-US" noProof="1"/>
           </a:p>
           <a:p>
             <a:pPr lvl="0"/>
-            <a:endParaRPr lang="en-US" noProof="1" smtClean="0"/>
+            <a:endParaRPr lang="en-US" noProof="1"/>
           </a:p>
           <a:p>
             <a:pPr lvl="0"/>
-            <a:endParaRPr lang="en-US" noProof="1" smtClean="0"/>
+            <a:endParaRPr lang="en-US" noProof="1"/>
           </a:p>
           <a:p>
             <a:pPr lvl="0"/>
-            <a:endParaRPr lang="en-US" noProof="1" smtClean="0"/>
+            <a:endParaRPr lang="en-US" noProof="1"/>
           </a:p>
           <a:p>
             <a:pPr lvl="0"/>
-            <a:endParaRPr lang="en-US" noProof="1" smtClean="0"/>
+            <a:endParaRPr lang="en-US" noProof="1"/>
           </a:p>
           <a:p>
             <a:pPr lvl="0"/>
-            <a:endParaRPr lang="en-US" noProof="1" smtClean="0"/>
+            <a:endParaRPr lang="en-US" noProof="1"/>
           </a:p>
           <a:p>
             <a:pPr lvl="0"/>
-            <a:endParaRPr lang="en-US" noProof="1" smtClean="0"/>
+            <a:endParaRPr lang="en-US" noProof="1"/>
           </a:p>
           <a:p>
             <a:pPr lvl="0"/>
-            <a:endParaRPr lang="en-US" noProof="1" smtClean="0"/>
+            <a:endParaRPr lang="en-US" noProof="1"/>
           </a:p>
           <a:p>
             <a:pPr lvl="0"/>
-            <a:endParaRPr lang="en-US" noProof="1" smtClean="0"/>
+            <a:endParaRPr lang="en-US" noProof="1"/>
           </a:p>
           <a:p>
             <a:pPr lvl="0"/>
-            <a:endParaRPr lang="en-US" noProof="1" smtClean="0"/>
+            <a:endParaRPr lang="en-US" noProof="1"/>
           </a:p>
           <a:p>
             <a:pPr lvl="0"/>
-            <a:endParaRPr lang="en-US" noProof="1" smtClean="0"/>
+            <a:endParaRPr lang="en-US" noProof="1"/>
           </a:p>
           <a:p>
             <a:pPr lvl="0"/>
-            <a:endParaRPr lang="en-US" noProof="1" smtClean="0"/>
+            <a:endParaRPr lang="en-US" noProof="1"/>
           </a:p>
           <a:p>
             <a:pPr lvl="0"/>
-            <a:endParaRPr lang="en-US" noProof="1" smtClean="0"/>
+            <a:endParaRPr lang="en-US" noProof="1"/>
           </a:p>
           <a:p>
             <a:pPr lvl="0"/>
-            <a:endParaRPr lang="en-US" noProof="1" smtClean="0"/>
+            <a:endParaRPr lang="en-US" noProof="1"/>
           </a:p>
         </p:txBody>
       </p:sp>
@@ -2370,10 +2321,9 @@
           </a:lstStyle>
           <a:p>
             <a:r>
-              <a:rPr lang="en-US" dirty="0" smtClean="0"/>
+              <a:rPr lang="en-US" dirty="0"/>
               <a:t>Section Title</a:t>
             </a:r>
-            <a:endParaRPr lang="en-US" dirty="0"/>
           </a:p>
         </p:txBody>
       </p:sp>
@@ -2458,10 +2408,9 @@
           </a:lstStyle>
           <a:p>
             <a:r>
-              <a:rPr lang="en-US" dirty="0" smtClean="0"/>
+              <a:rPr lang="en-US" dirty="0"/>
               <a:t>Section Subtitle</a:t>
             </a:r>
-            <a:endParaRPr lang="en-US" dirty="0"/>
           </a:p>
         </p:txBody>
       </p:sp>
@@ -2470,13 +2419,6 @@
   <p:clrMapOvr>
     <a:masterClrMapping/>
   </p:clrMapOvr>
-  <p:timing>
-    <p:tnLst>
-      <p:par>
-        <p:cTn id="1" dur="indefinite" restart="never" nodeType="tmRoot"/>
-      </p:par>
-    </p:tnLst>
-  </p:timing>
 </p:sldLayout>
 </file>
 
@@ -2545,7 +2487,7 @@
             <a:p>
               <a:pPr lvl="0"/>
               <a:r>
-                <a:rPr lang="bg-BG" sz="200" noProof="1" smtClean="0">
+                <a:rPr lang="bg-BG" sz="200" noProof="1">
                   <a:ln w="0">
                     <a:noFill/>
                   </a:ln>
@@ -2556,15 +2498,6 @@
                 </a:rPr>
                 <a:t>форум програмиране, форум уеб дизайн</a:t>
               </a:r>
-              <a:endParaRPr lang="bg-BG" sz="200" noProof="1">
-                <a:ln w="0">
-                  <a:noFill/>
-                </a:ln>
-                <a:solidFill>
-                  <a:schemeClr val="bg1"/>
-                </a:solidFill>
-                <a:effectLst/>
-              </a:endParaRPr>
             </a:p>
           </p:txBody>
         </p:sp>
@@ -2598,7 +2531,7 @@
                 </a:lnSpc>
               </a:pPr>
               <a:r>
-                <a:rPr lang="bg-BG" sz="200" kern="1200" noProof="1" smtClean="0">
+                <a:rPr lang="bg-BG" sz="200" kern="1200" noProof="1">
                   <a:ln w="0">
                     <a:noFill/>
                   </a:ln>
@@ -2612,18 +2545,6 @@
                 </a:rPr>
                 <a:t>курсове и уроци по програмиране, уеб дизайн – безплатно</a:t>
               </a:r>
-              <a:endParaRPr lang="bg-BG" sz="200" kern="1200" noProof="1">
-                <a:ln w="0">
-                  <a:noFill/>
-                </a:ln>
-                <a:solidFill>
-                  <a:schemeClr val="bg1"/>
-                </a:solidFill>
-                <a:effectLst/>
-                <a:latin typeface="Corbel" pitchFamily="34" charset="0"/>
-                <a:ea typeface="+mn-ea"/>
-                <a:cs typeface="+mn-cs"/>
-              </a:endParaRPr>
             </a:p>
           </p:txBody>
         </p:sp>
@@ -2652,7 +2573,7 @@
             <a:lstStyle/>
             <a:p>
               <a:r>
-                <a:rPr lang="bg-BG" sz="200" kern="1200" noProof="1" smtClean="0">
+                <a:rPr lang="bg-BG" sz="200" kern="1200" noProof="1">
                   <a:ln w="0">
                     <a:noFill/>
                   </a:ln>
@@ -2666,18 +2587,6 @@
                 </a:rPr>
                 <a:t>програмиране за деца – безплатни курсове и уроци</a:t>
               </a:r>
-              <a:endParaRPr lang="bg-BG" sz="200" kern="1200" noProof="1">
-                <a:ln w="0">
-                  <a:noFill/>
-                </a:ln>
-                <a:solidFill>
-                  <a:schemeClr val="bg1"/>
-                </a:solidFill>
-                <a:effectLst/>
-                <a:latin typeface="Corbel" pitchFamily="34" charset="0"/>
-                <a:ea typeface="+mn-ea"/>
-                <a:cs typeface="+mn-cs"/>
-              </a:endParaRPr>
             </a:p>
           </p:txBody>
         </p:sp>
@@ -2714,7 +2623,7 @@
             <a:p>
               <a:pPr lvl="0" algn="l"/>
               <a:r>
-                <a:rPr lang="bg-BG" sz="200" noProof="1" smtClean="0">
+                <a:rPr lang="bg-BG" sz="200" noProof="1">
                   <a:ln w="0">
                     <a:noFill/>
                   </a:ln>
@@ -2725,15 +2634,6 @@
                 </a:rPr>
                 <a:t>безплатен SEO курс - оптимизация за търсачки</a:t>
               </a:r>
-              <a:endParaRPr lang="bg-BG" sz="200" noProof="1">
-                <a:ln w="0">
-                  <a:noFill/>
-                </a:ln>
-                <a:solidFill>
-                  <a:schemeClr val="bg1"/>
-                </a:solidFill>
-                <a:effectLst/>
-              </a:endParaRPr>
             </a:p>
           </p:txBody>
         </p:sp>
@@ -2770,7 +2670,7 @@
             <a:p>
               <a:pPr lvl="0"/>
               <a:r>
-                <a:rPr lang="bg-BG" sz="200" noProof="1" smtClean="0">
+                <a:rPr lang="bg-BG" sz="200" noProof="1">
                   <a:ln w="0">
                     <a:noFill/>
                   </a:ln>
@@ -2781,15 +2681,6 @@
                 </a:rPr>
                 <a:t>уроци по уеб дизайн, HTML, CSS, JavaScript, Photoshop</a:t>
               </a:r>
-              <a:endParaRPr lang="bg-BG" sz="200" noProof="1">
-                <a:ln w="0">
-                  <a:noFill/>
-                </a:ln>
-                <a:solidFill>
-                  <a:schemeClr val="bg1"/>
-                </a:solidFill>
-                <a:effectLst/>
-              </a:endParaRPr>
             </a:p>
           </p:txBody>
         </p:sp>
@@ -2819,7 +2710,7 @@
             <a:p>
               <a:pPr algn="l"/>
               <a:r>
-                <a:rPr lang="bg-BG" sz="200" kern="1200" noProof="1" smtClean="0">
+                <a:rPr lang="bg-BG" sz="200" kern="1200" noProof="1">
                   <a:ln w="0">
                     <a:noFill/>
                   </a:ln>
@@ -2833,18 +2724,6 @@
                 </a:rPr>
                 <a:t>уроци по програмиране и уеб дизайн за ученици</a:t>
               </a:r>
-              <a:endParaRPr lang="bg-BG" sz="200" kern="1200" noProof="1">
-                <a:ln w="0">
-                  <a:noFill/>
-                </a:ln>
-                <a:solidFill>
-                  <a:schemeClr val="bg1"/>
-                </a:solidFill>
-                <a:effectLst/>
-                <a:latin typeface="Corbel" pitchFamily="34" charset="0"/>
-                <a:ea typeface="+mn-ea"/>
-                <a:cs typeface="+mn-cs"/>
-              </a:endParaRPr>
             </a:p>
           </p:txBody>
         </p:sp>
@@ -2881,7 +2760,7 @@
             <a:p>
               <a:pPr lvl="0"/>
               <a:r>
-                <a:rPr lang="bg-BG" sz="200" noProof="1" smtClean="0">
+                <a:rPr lang="bg-BG" sz="200" noProof="1">
                   <a:ln w="0">
                     <a:noFill/>
                   </a:ln>
@@ -2892,15 +2771,6 @@
                 </a:rPr>
                 <a:t>ASP.NET MVC курс – HTML, SQL, C#, .NET, ASP.NET MVC</a:t>
               </a:r>
-              <a:endParaRPr lang="bg-BG" sz="200" noProof="1">
-                <a:ln w="0">
-                  <a:noFill/>
-                </a:ln>
-                <a:solidFill>
-                  <a:schemeClr val="bg1"/>
-                </a:solidFill>
-                <a:effectLst/>
-              </a:endParaRPr>
             </a:p>
           </p:txBody>
         </p:sp>
@@ -2929,7 +2799,7 @@
             <a:lstStyle/>
             <a:p>
               <a:r>
-                <a:rPr lang="bg-BG" sz="200" kern="1200" noProof="1" smtClean="0">
+                <a:rPr lang="bg-BG" sz="200" kern="1200" noProof="1">
                   <a:ln w="0">
                     <a:noFill/>
                   </a:ln>
@@ -2943,18 +2813,6 @@
                 </a:rPr>
                 <a:t>безплатен курс "Разработка на софтуер в cloud среда"</a:t>
               </a:r>
-              <a:endParaRPr lang="bg-BG" sz="200" kern="1200" noProof="1">
-                <a:ln w="0">
-                  <a:noFill/>
-                </a:ln>
-                <a:solidFill>
-                  <a:schemeClr val="bg1"/>
-                </a:solidFill>
-                <a:effectLst/>
-                <a:latin typeface="Corbel" pitchFamily="34" charset="0"/>
-                <a:ea typeface="+mn-ea"/>
-                <a:cs typeface="+mn-cs"/>
-              </a:endParaRPr>
             </a:p>
           </p:txBody>
         </p:sp>
@@ -2991,7 +2849,7 @@
             <a:p>
               <a:pPr lvl="0"/>
               <a:r>
-                <a:rPr lang="bg-BG" sz="200" noProof="1" smtClean="0">
+                <a:rPr lang="bg-BG" sz="200" noProof="1">
                   <a:ln w="0">
                     <a:noFill/>
                   </a:ln>
@@ -3002,15 +2860,6 @@
                 </a:rPr>
                 <a:t>BG Coder - онлайн състезателна система - online judge</a:t>
               </a:r>
-              <a:endParaRPr lang="bg-BG" sz="200" noProof="1">
-                <a:ln w="0">
-                  <a:noFill/>
-                </a:ln>
-                <a:solidFill>
-                  <a:schemeClr val="bg1"/>
-                </a:solidFill>
-                <a:effectLst/>
-              </a:endParaRPr>
             </a:p>
           </p:txBody>
         </p:sp>
@@ -3047,7 +2896,7 @@
             <a:p>
               <a:pPr lvl="0"/>
               <a:r>
-                <a:rPr lang="bg-BG" sz="200" noProof="1" smtClean="0">
+                <a:rPr lang="bg-BG" sz="200" noProof="1">
                   <a:ln w="0">
                     <a:noFill/>
                   </a:ln>
@@ -3058,15 +2907,6 @@
                 </a:rPr>
                 <a:t>курсове и уроци по програмиране, книги – безплатно от Наков</a:t>
               </a:r>
-              <a:endParaRPr lang="bg-BG" sz="200" noProof="1">
-                <a:ln w="0">
-                  <a:noFill/>
-                </a:ln>
-                <a:solidFill>
-                  <a:schemeClr val="bg1"/>
-                </a:solidFill>
-                <a:effectLst/>
-              </a:endParaRPr>
             </a:p>
           </p:txBody>
         </p:sp>
@@ -3095,7 +2935,7 @@
             <a:lstStyle/>
             <a:p>
               <a:r>
-                <a:rPr lang="bg-BG" sz="200" kern="1200" noProof="1" smtClean="0">
+                <a:rPr lang="bg-BG" sz="200" kern="1200" noProof="1">
                   <a:ln w="0">
                     <a:noFill/>
                   </a:ln>
@@ -3109,18 +2949,6 @@
                 </a:rPr>
                 <a:t>безплатен курс "Качествен програмен код"</a:t>
               </a:r>
-              <a:endParaRPr lang="bg-BG" sz="200" kern="1200" noProof="1">
-                <a:ln w="0">
-                  <a:noFill/>
-                </a:ln>
-                <a:solidFill>
-                  <a:schemeClr val="bg1"/>
-                </a:solidFill>
-                <a:effectLst/>
-                <a:latin typeface="Corbel" pitchFamily="34" charset="0"/>
-                <a:ea typeface="+mn-ea"/>
-                <a:cs typeface="+mn-cs"/>
-              </a:endParaRPr>
             </a:p>
           </p:txBody>
         </p:sp>
@@ -3157,7 +2985,7 @@
             <a:p>
               <a:pPr lvl="0"/>
               <a:r>
-                <a:rPr lang="bg-BG" sz="200" noProof="1" smtClean="0">
+                <a:rPr lang="bg-BG" sz="200" noProof="1">
                   <a:ln w="0">
                     <a:noFill/>
                   </a:ln>
@@ -3168,15 +2996,6 @@
                 </a:rPr>
                 <a:t>алго академия – състезателно програмиране, състезания</a:t>
               </a:r>
-              <a:endParaRPr lang="bg-BG" sz="200" noProof="1">
-                <a:ln w="0">
-                  <a:noFill/>
-                </a:ln>
-                <a:solidFill>
-                  <a:schemeClr val="bg1"/>
-                </a:solidFill>
-                <a:effectLst/>
-              </a:endParaRPr>
             </a:p>
           </p:txBody>
         </p:sp>
@@ -3213,7 +3032,7 @@
             <a:p>
               <a:pPr lvl="0"/>
               <a:r>
-                <a:rPr lang="bg-BG" sz="200" noProof="1" smtClean="0">
+                <a:rPr lang="bg-BG" sz="200" noProof="1">
                   <a:ln w="0">
                     <a:noFill/>
                   </a:ln>
@@ -3224,15 +3043,6 @@
                 </a:rPr>
                 <a:t>ASP.NET курс - уеб програмиране, бази данни, C#, .NET, ASP.NET</a:t>
               </a:r>
-              <a:endParaRPr lang="bg-BG" sz="200" noProof="1">
-                <a:ln w="0">
-                  <a:noFill/>
-                </a:ln>
-                <a:solidFill>
-                  <a:schemeClr val="bg1"/>
-                </a:solidFill>
-                <a:effectLst/>
-              </a:endParaRPr>
             </a:p>
           </p:txBody>
         </p:sp>
@@ -3269,7 +3079,7 @@
             <a:p>
               <a:pPr lvl="0" algn="l"/>
               <a:r>
-                <a:rPr lang="bg-BG" sz="200" noProof="1" smtClean="0">
+                <a:rPr lang="bg-BG" sz="200" noProof="1">
                   <a:ln w="0">
                     <a:noFill/>
                   </a:ln>
@@ -3281,7 +3091,7 @@
                 <a:t>курсове и уроци по </a:t>
               </a:r>
               <a:r>
-                <a:rPr lang="bg-BG" sz="200" kern="1200" noProof="1" smtClean="0">
+                <a:rPr lang="bg-BG" sz="200" kern="1200" noProof="1">
                   <a:ln w="0">
                     <a:noFill/>
                   </a:ln>
@@ -3295,18 +3105,6 @@
                 </a:rPr>
                 <a:t>програмиране – Телерик академия</a:t>
               </a:r>
-              <a:endParaRPr lang="bg-BG" sz="200" kern="1200" noProof="1">
-                <a:ln w="0">
-                  <a:noFill/>
-                </a:ln>
-                <a:solidFill>
-                  <a:schemeClr val="bg1"/>
-                </a:solidFill>
-                <a:effectLst/>
-                <a:latin typeface="Corbel" pitchFamily="34" charset="0"/>
-                <a:ea typeface="+mn-ea"/>
-                <a:cs typeface="+mn-cs"/>
-              </a:endParaRPr>
             </a:p>
           </p:txBody>
         </p:sp>
@@ -3343,7 +3141,7 @@
             <a:p>
               <a:pPr lvl="0"/>
               <a:r>
-                <a:rPr lang="bg-BG" sz="200" noProof="1" smtClean="0">
+                <a:rPr lang="bg-BG" sz="200" noProof="1">
                   <a:ln w="0">
                     <a:noFill/>
                   </a:ln>
@@ -3354,15 +3152,6 @@
                 </a:rPr>
                 <a:t>курс мобилни приложения с iPhone, Android, WP7, PhoneGap</a:t>
               </a:r>
-              <a:endParaRPr lang="bg-BG" sz="200" noProof="1">
-                <a:ln w="0">
-                  <a:noFill/>
-                </a:ln>
-                <a:solidFill>
-                  <a:schemeClr val="bg1"/>
-                </a:solidFill>
-                <a:effectLst/>
-              </a:endParaRPr>
             </a:p>
           </p:txBody>
         </p:sp>
@@ -3391,7 +3180,7 @@
             <a:lstStyle/>
             <a:p>
               <a:r>
-                <a:rPr lang="bg-BG" sz="200" kern="1200" noProof="1" smtClean="0">
+                <a:rPr lang="bg-BG" sz="200" kern="1200" noProof="1">
                   <a:ln w="0">
                     <a:noFill/>
                   </a:ln>
@@ -3405,18 +3194,6 @@
                 </a:rPr>
                 <a:t>free C# book, безплатна книга C#, книга Java, книга C#</a:t>
               </a:r>
-              <a:endParaRPr lang="bg-BG" sz="200" kern="1200" noProof="1">
-                <a:ln w="0">
-                  <a:noFill/>
-                </a:ln>
-                <a:solidFill>
-                  <a:schemeClr val="bg1"/>
-                </a:solidFill>
-                <a:effectLst/>
-                <a:latin typeface="Corbel" pitchFamily="34" charset="0"/>
-                <a:ea typeface="+mn-ea"/>
-                <a:cs typeface="+mn-cs"/>
-              </a:endParaRPr>
             </a:p>
           </p:txBody>
         </p:sp>
@@ -3460,7 +3237,7 @@
             <a:p>
               <a:pPr lvl="0"/>
               <a:r>
-                <a:rPr lang="bg-BG" sz="200" noProof="1" smtClean="0">
+                <a:rPr lang="bg-BG" sz="200" noProof="1">
                   <a:ln w="0">
                     <a:noFill/>
                   </a:ln>
@@ -3470,14 +3247,6 @@
                 </a:rPr>
                 <a:t>Дончо Минков - сайт за програмиране</a:t>
               </a:r>
-              <a:endParaRPr lang="bg-BG" sz="200" noProof="1">
-                <a:ln w="0">
-                  <a:noFill/>
-                </a:ln>
-                <a:solidFill>
-                  <a:schemeClr val="bg1"/>
-                </a:solidFill>
-              </a:endParaRPr>
             </a:p>
           </p:txBody>
         </p:sp>
@@ -3507,7 +3276,7 @@
             <a:p>
               <a:pPr algn="l"/>
               <a:r>
-                <a:rPr lang="bg-BG" sz="200" kern="1200" noProof="1" smtClean="0">
+                <a:rPr lang="bg-BG" sz="200" kern="1200" noProof="1">
                   <a:ln w="0">
                     <a:noFill/>
                   </a:ln>
@@ -3521,18 +3290,6 @@
                 </a:rPr>
                 <a:t>Николай Костов - блог за програмиране</a:t>
               </a:r>
-              <a:endParaRPr lang="bg-BG" sz="200" kern="1200" noProof="1">
-                <a:ln w="0">
-                  <a:noFill/>
-                </a:ln>
-                <a:solidFill>
-                  <a:schemeClr val="bg1"/>
-                </a:solidFill>
-                <a:effectLst/>
-                <a:latin typeface="Corbel" pitchFamily="34" charset="0"/>
-                <a:ea typeface="+mn-ea"/>
-                <a:cs typeface="+mn-cs"/>
-              </a:endParaRPr>
             </a:p>
           </p:txBody>
         </p:sp>
@@ -3576,7 +3333,7 @@
             <a:p>
               <a:pPr lvl="0"/>
               <a:r>
-                <a:rPr lang="bg-BG" sz="200" noProof="1" smtClean="0">
+                <a:rPr lang="bg-BG" sz="200" noProof="1">
                   <a:ln w="0">
                     <a:noFill/>
                   </a:ln>
@@ -3586,14 +3343,6 @@
                 </a:rPr>
                 <a:t>C# курс, програмиране, безплатно</a:t>
               </a:r>
-              <a:endParaRPr lang="bg-BG" sz="200" noProof="1">
-                <a:ln w="0">
-                  <a:noFill/>
-                </a:ln>
-                <a:solidFill>
-                  <a:schemeClr val="bg1"/>
-                </a:solidFill>
-              </a:endParaRPr>
             </a:p>
           </p:txBody>
         </p:sp>
@@ -3655,10 +3404,9 @@
           </a:lstStyle>
           <a:p>
             <a:r>
-              <a:rPr lang="en-US" dirty="0" smtClean="0"/>
+              <a:rPr lang="en-US" dirty="0"/>
               <a:t>Presentation Title</a:t>
             </a:r>
-            <a:endParaRPr lang="en-US" dirty="0"/>
           </a:p>
         </p:txBody>
       </p:sp>
@@ -3694,7 +3442,7 @@
           <a:lstStyle/>
           <a:p>
             <a:r>
-              <a:rPr lang="en-US" sz="9600" b="1" dirty="0" smtClean="0">
+              <a:rPr lang="en-US" sz="9600" b="1" dirty="0">
                 <a:solidFill>
                   <a:schemeClr val="tx1">
                     <a:lumMod val="75000"/>
@@ -3706,16 +3454,6 @@
               </a:rPr>
               <a:t>?</a:t>
             </a:r>
-            <a:endParaRPr lang="en-US" sz="9600" b="1" dirty="0">
-              <a:solidFill>
-                <a:schemeClr val="tx1">
-                  <a:lumMod val="75000"/>
-                </a:schemeClr>
-              </a:solidFill>
-              <a:effectLst>
-                <a:reflection blurRad="6350" stA="55000" endA="300" endPos="45500" dir="5400000" sy="-100000" algn="bl" rotWithShape="0"/>
-              </a:effectLst>
-            </a:endParaRPr>
           </a:p>
         </p:txBody>
       </p:sp>
@@ -3751,7 +3489,7 @@
           <a:lstStyle/>
           <a:p>
             <a:r>
-              <a:rPr lang="en-US" sz="8800" dirty="0" smtClean="0">
+              <a:rPr lang="en-US" sz="8800" dirty="0">
                 <a:solidFill>
                   <a:schemeClr val="accent5">
                     <a:lumMod val="60000"/>
@@ -3764,17 +3502,6 @@
               </a:rPr>
               <a:t>?</a:t>
             </a:r>
-            <a:endParaRPr lang="en-US" sz="8800" dirty="0">
-              <a:solidFill>
-                <a:schemeClr val="accent5">
-                  <a:lumMod val="60000"/>
-                  <a:lumOff val="40000"/>
-                </a:schemeClr>
-              </a:solidFill>
-              <a:effectLst>
-                <a:reflection blurRad="6350" stA="55000" endA="300" endPos="45500" dir="5400000" sy="-100000" algn="bl" rotWithShape="0"/>
-              </a:effectLst>
-            </a:endParaRPr>
           </a:p>
         </p:txBody>
       </p:sp>
@@ -3810,7 +3537,7 @@
           <a:lstStyle/>
           <a:p>
             <a:r>
-              <a:rPr lang="en-US" sz="11500" b="1" dirty="0" smtClean="0">
+              <a:rPr lang="en-US" sz="11500" b="1" dirty="0">
                 <a:solidFill>
                   <a:srgbClr val="FF831D"/>
                 </a:solidFill>
@@ -3820,14 +3547,6 @@
               </a:rPr>
               <a:t>?</a:t>
             </a:r>
-            <a:endParaRPr lang="en-US" sz="11500" b="1" dirty="0">
-              <a:solidFill>
-                <a:srgbClr val="FF831D"/>
-              </a:solidFill>
-              <a:effectLst>
-                <a:reflection blurRad="6350" stA="55000" endA="300" endPos="45500" dir="5400000" sy="-100000" algn="bl" rotWithShape="0"/>
-              </a:effectLst>
-            </a:endParaRPr>
           </a:p>
         </p:txBody>
       </p:sp>
@@ -3870,7 +3589,7 @@
           <a:lstStyle/>
           <a:p>
             <a:r>
-              <a:rPr lang="en-US" sz="12800" b="1" dirty="0" smtClean="0">
+              <a:rPr lang="en-US" sz="12800" b="1" dirty="0">
                 <a:ln w="11430"/>
                 <a:gradFill>
                   <a:gsLst>
@@ -3918,52 +3637,6 @@
               </a:rPr>
               <a:t>?</a:t>
             </a:r>
-            <a:endParaRPr lang="en-US" sz="12800" b="1" dirty="0">
-              <a:ln w="11430"/>
-              <a:gradFill>
-                <a:gsLst>
-                  <a:gs pos="0">
-                    <a:schemeClr val="accent6">
-                      <a:tint val="90000"/>
-                      <a:satMod val="120000"/>
-                    </a:schemeClr>
-                  </a:gs>
-                  <a:gs pos="25000">
-                    <a:schemeClr val="accent6">
-                      <a:tint val="93000"/>
-                      <a:satMod val="120000"/>
-                    </a:schemeClr>
-                  </a:gs>
-                  <a:gs pos="50000">
-                    <a:schemeClr val="accent6">
-                      <a:shade val="89000"/>
-                      <a:satMod val="110000"/>
-                    </a:schemeClr>
-                  </a:gs>
-                  <a:gs pos="75000">
-                    <a:schemeClr val="accent6">
-                      <a:tint val="93000"/>
-                      <a:satMod val="120000"/>
-                    </a:schemeClr>
-                  </a:gs>
-                  <a:gs pos="100000">
-                    <a:schemeClr val="accent6">
-                      <a:tint val="90000"/>
-                      <a:satMod val="120000"/>
-                    </a:schemeClr>
-                  </a:gs>
-                </a:gsLst>
-                <a:lin ang="5400000"/>
-              </a:gradFill>
-              <a:effectLst>
-                <a:innerShdw blurRad="63500" dist="50800" dir="8100000">
-                  <a:prstClr val="black">
-                    <a:alpha val="50000"/>
-                  </a:prstClr>
-                </a:innerShdw>
-                <a:reflection blurRad="6350" stA="55000" endA="300" endPos="45500" dir="5400000" sy="-100000" algn="bl" rotWithShape="0"/>
-              </a:effectLst>
-            </a:endParaRPr>
           </a:p>
         </p:txBody>
       </p:sp>
@@ -3999,7 +3672,7 @@
           <a:lstStyle/>
           <a:p>
             <a:r>
-              <a:rPr lang="en-US" sz="5600" dirty="0" smtClean="0">
+              <a:rPr lang="en-US" sz="5600" dirty="0">
                 <a:solidFill>
                   <a:schemeClr val="tx2">
                     <a:lumMod val="75000"/>
@@ -4011,16 +3684,6 @@
               </a:rPr>
               <a:t>?</a:t>
             </a:r>
-            <a:endParaRPr lang="en-US" sz="5600" dirty="0">
-              <a:solidFill>
-                <a:schemeClr val="tx2">
-                  <a:lumMod val="75000"/>
-                </a:schemeClr>
-              </a:solidFill>
-              <a:effectLst>
-                <a:reflection blurRad="6350" stA="55000" endA="300" endPos="45500" dir="5400000" sy="-100000" algn="bl" rotWithShape="0"/>
-              </a:effectLst>
-            </a:endParaRPr>
           </a:p>
         </p:txBody>
       </p:sp>
@@ -4056,7 +3719,7 @@
           <a:lstStyle/>
           <a:p>
             <a:r>
-              <a:rPr lang="en-US" sz="9600" dirty="0" smtClean="0">
+              <a:rPr lang="en-US" sz="9600" dirty="0">
                 <a:solidFill>
                   <a:srgbClr val="FF4A37"/>
                 </a:solidFill>
@@ -4066,14 +3729,6 @@
               </a:rPr>
               <a:t>?</a:t>
             </a:r>
-            <a:endParaRPr lang="en-US" sz="9600" dirty="0">
-              <a:solidFill>
-                <a:srgbClr val="FF4A37"/>
-              </a:solidFill>
-              <a:effectLst>
-                <a:reflection blurRad="6350" stA="60000" endA="900" endPos="60000" dist="29997" dir="5400000" sy="-100000" algn="bl" rotWithShape="0"/>
-              </a:effectLst>
-            </a:endParaRPr>
           </a:p>
         </p:txBody>
       </p:sp>
@@ -4109,7 +3764,7 @@
           <a:lstStyle/>
           <a:p>
             <a:r>
-              <a:rPr lang="en-US" sz="3600" dirty="0" smtClean="0">
+              <a:rPr lang="en-US" sz="3600" dirty="0">
                 <a:solidFill>
                   <a:schemeClr val="tx2">
                     <a:lumMod val="40000"/>
@@ -4122,17 +3777,6 @@
               </a:rPr>
               <a:t>?</a:t>
             </a:r>
-            <a:endParaRPr lang="en-US" sz="3600" dirty="0">
-              <a:solidFill>
-                <a:schemeClr val="tx2">
-                  <a:lumMod val="40000"/>
-                  <a:lumOff val="60000"/>
-                </a:schemeClr>
-              </a:solidFill>
-              <a:effectLst>
-                <a:reflection blurRad="6350" stA="55000" endA="300" endPos="45500" dir="5400000" sy="-100000" algn="bl" rotWithShape="0"/>
-              </a:effectLst>
-            </a:endParaRPr>
           </a:p>
         </p:txBody>
       </p:sp>
@@ -4168,7 +3812,7 @@
           <a:lstStyle/>
           <a:p>
             <a:r>
-              <a:rPr lang="en-US" sz="6600" dirty="0" smtClean="0">
+              <a:rPr lang="en-US" sz="6600" dirty="0">
                 <a:solidFill>
                   <a:srgbClr val="9966FF"/>
                 </a:solidFill>
@@ -4178,14 +3822,6 @@
               </a:rPr>
               <a:t>?</a:t>
             </a:r>
-            <a:endParaRPr lang="en-US" sz="6600" dirty="0">
-              <a:solidFill>
-                <a:srgbClr val="9966FF"/>
-              </a:solidFill>
-              <a:effectLst>
-                <a:reflection blurRad="6350" stA="55000" endA="300" endPos="45500" dir="5400000" sy="-100000" algn="bl" rotWithShape="0"/>
-              </a:effectLst>
-            </a:endParaRPr>
           </a:p>
         </p:txBody>
       </p:sp>
@@ -4224,7 +3860,7 @@
           <a:lstStyle/>
           <a:p>
             <a:r>
-              <a:rPr lang="en-US" sz="4400" dirty="0" smtClean="0">
+              <a:rPr lang="en-US" sz="4400" dirty="0">
                 <a:solidFill>
                   <a:srgbClr val="FF6699"/>
                 </a:solidFill>
@@ -4234,14 +3870,6 @@
               </a:rPr>
               <a:t>?</a:t>
             </a:r>
-            <a:endParaRPr lang="en-US" sz="4400" dirty="0">
-              <a:solidFill>
-                <a:srgbClr val="FF6699"/>
-              </a:solidFill>
-              <a:effectLst>
-                <a:reflection blurRad="6350" stA="55000" endA="300" endPos="45500" dir="5400000" sy="-100000" algn="bl" rotWithShape="0"/>
-              </a:effectLst>
-            </a:endParaRPr>
           </a:p>
         </p:txBody>
       </p:sp>
@@ -4277,7 +3905,7 @@
           <a:lstStyle/>
           <a:p>
             <a:r>
-              <a:rPr lang="en-US" sz="3600" dirty="0" smtClean="0">
+              <a:rPr lang="en-US" sz="3600" dirty="0">
                 <a:solidFill>
                   <a:schemeClr val="tx2">
                     <a:lumMod val="40000"/>
@@ -4290,17 +3918,6 @@
               </a:rPr>
               <a:t>?</a:t>
             </a:r>
-            <a:endParaRPr lang="en-US" sz="3600" dirty="0">
-              <a:solidFill>
-                <a:schemeClr val="tx2">
-                  <a:lumMod val="40000"/>
-                  <a:lumOff val="60000"/>
-                </a:schemeClr>
-              </a:solidFill>
-              <a:effectLst>
-                <a:reflection blurRad="6350" stA="55000" endA="300" endPos="45500" dir="5400000" sy="-100000" algn="bl" rotWithShape="0"/>
-              </a:effectLst>
-            </a:endParaRPr>
           </a:p>
         </p:txBody>
       </p:sp>
@@ -4329,7 +3946,7 @@
           <a:lstStyle/>
           <a:p>
             <a:r>
-              <a:rPr lang="en-US" sz="6000" b="1" dirty="0" smtClean="0">
+              <a:rPr lang="en-US" sz="6000" b="1" dirty="0">
                 <a:ln w="1905"/>
                 <a:gradFill>
                   <a:gsLst>
@@ -4365,40 +3982,6 @@
               </a:rPr>
               <a:t>?</a:t>
             </a:r>
-            <a:endParaRPr lang="en-US" sz="6000" b="1" dirty="0">
-              <a:ln w="1905"/>
-              <a:gradFill>
-                <a:gsLst>
-                  <a:gs pos="0">
-                    <a:schemeClr val="accent6">
-                      <a:shade val="20000"/>
-                      <a:satMod val="200000"/>
-                    </a:schemeClr>
-                  </a:gs>
-                  <a:gs pos="78000">
-                    <a:schemeClr val="accent6">
-                      <a:tint val="90000"/>
-                      <a:shade val="89000"/>
-                      <a:satMod val="220000"/>
-                    </a:schemeClr>
-                  </a:gs>
-                  <a:gs pos="100000">
-                    <a:schemeClr val="accent6">
-                      <a:tint val="12000"/>
-                      <a:satMod val="255000"/>
-                    </a:schemeClr>
-                  </a:gs>
-                </a:gsLst>
-                <a:lin ang="5400000"/>
-              </a:gradFill>
-              <a:effectLst>
-                <a:innerShdw blurRad="69850" dist="43180" dir="5400000">
-                  <a:srgbClr val="000000">
-                    <a:alpha val="65000"/>
-                  </a:srgbClr>
-                </a:innerShdw>
-              </a:effectLst>
-            </a:endParaRPr>
           </a:p>
         </p:txBody>
       </p:sp>
@@ -4434,7 +4017,7 @@
           <a:lstStyle/>
           <a:p>
             <a:r>
-              <a:rPr lang="en-US" sz="4000" dirty="0" smtClean="0">
+              <a:rPr lang="en-US" sz="4000" dirty="0">
                 <a:solidFill>
                   <a:schemeClr val="accent4">
                     <a:lumMod val="60000"/>
@@ -4447,17 +4030,6 @@
               </a:rPr>
               <a:t>?</a:t>
             </a:r>
-            <a:endParaRPr lang="en-US" sz="4000" dirty="0">
-              <a:solidFill>
-                <a:schemeClr val="accent4">
-                  <a:lumMod val="60000"/>
-                  <a:lumOff val="40000"/>
-                </a:schemeClr>
-              </a:solidFill>
-              <a:effectLst>
-                <a:reflection blurRad="6350" stA="55000" endA="300" endPos="45500" dir="5400000" sy="-100000" algn="bl" rotWithShape="0"/>
-              </a:effectLst>
-            </a:endParaRPr>
           </a:p>
         </p:txBody>
       </p:sp>
@@ -4498,7 +4070,7 @@
           <a:lstStyle/>
           <a:p>
             <a:r>
-              <a:rPr lang="en-US" sz="4000" b="1" spc="150" dirty="0" smtClean="0">
+              <a:rPr lang="en-US" sz="4000" b="1" spc="150" dirty="0">
                 <a:ln w="11430"/>
                 <a:solidFill>
                   <a:schemeClr val="accent4">
@@ -4516,22 +4088,6 @@
               </a:rPr>
               <a:t>?</a:t>
             </a:r>
-            <a:endParaRPr lang="en-US" sz="4000" b="1" spc="150" dirty="0">
-              <a:ln w="11430"/>
-              <a:solidFill>
-                <a:schemeClr val="accent4">
-                  <a:lumMod val="60000"/>
-                  <a:lumOff val="40000"/>
-                </a:schemeClr>
-              </a:solidFill>
-              <a:effectLst>
-                <a:outerShdw blurRad="25400" algn="tl" rotWithShape="0">
-                  <a:srgbClr val="000000">
-                    <a:alpha val="43000"/>
-                  </a:srgbClr>
-                </a:outerShdw>
-              </a:effectLst>
-            </a:endParaRPr>
           </a:p>
         </p:txBody>
       </p:sp>
@@ -4560,7 +4116,7 @@
           <a:lstStyle/>
           <a:p>
             <a:r>
-              <a:rPr lang="en-US" sz="3600" b="1" dirty="0" smtClean="0">
+              <a:rPr lang="en-US" sz="3600" b="1" dirty="0">
                 <a:ln w="19050">
                   <a:solidFill>
                     <a:schemeClr val="accent4">
@@ -4649,7 +4205,7 @@
           <a:lstStyle/>
           <a:p>
             <a:r>
-              <a:rPr lang="en-US" sz="4400" dirty="0" smtClean="0">
+              <a:rPr lang="en-US" sz="4400" dirty="0">
                 <a:ln>
                   <a:solidFill>
                     <a:schemeClr val="accent2">
@@ -4670,25 +4226,6 @@
               </a:rPr>
               <a:t>?</a:t>
             </a:r>
-            <a:endParaRPr lang="en-US" sz="4400" dirty="0">
-              <a:ln>
-                <a:solidFill>
-                  <a:schemeClr val="accent2">
-                    <a:lumMod val="40000"/>
-                    <a:lumOff val="60000"/>
-                  </a:schemeClr>
-                </a:solidFill>
-              </a:ln>
-              <a:solidFill>
-                <a:schemeClr val="accent6">
-                  <a:lumMod val="60000"/>
-                  <a:lumOff val="40000"/>
-                </a:schemeClr>
-              </a:solidFill>
-              <a:effectLst>
-                <a:reflection blurRad="6350" stA="55000" endA="300" endPos="45500" dir="5400000" sy="-100000" algn="bl" rotWithShape="0"/>
-              </a:effectLst>
-            </a:endParaRPr>
           </a:p>
         </p:txBody>
       </p:sp>
@@ -4724,7 +4261,7 @@
           <a:lstStyle/>
           <a:p>
             <a:r>
-              <a:rPr lang="en-US" sz="2800" dirty="0" smtClean="0">
+              <a:rPr lang="en-US" sz="2800" dirty="0">
                 <a:ln>
                   <a:solidFill>
                     <a:schemeClr val="tx1">
@@ -4744,24 +4281,6 @@
               </a:rPr>
               <a:t>?</a:t>
             </a:r>
-            <a:endParaRPr lang="en-US" sz="2800" dirty="0">
-              <a:ln>
-                <a:solidFill>
-                  <a:schemeClr val="tx1">
-                    <a:lumMod val="75000"/>
-                  </a:schemeClr>
-                </a:solidFill>
-              </a:ln>
-              <a:solidFill>
-                <a:schemeClr val="accent4">
-                  <a:lumMod val="60000"/>
-                  <a:lumOff val="40000"/>
-                </a:schemeClr>
-              </a:solidFill>
-              <a:effectLst>
-                <a:reflection blurRad="6350" stA="55000" endA="300" endPos="45500" dir="5400000" sy="-100000" algn="bl" rotWithShape="0"/>
-              </a:effectLst>
-            </a:endParaRPr>
           </a:p>
         </p:txBody>
       </p:sp>
@@ -4797,7 +4316,7 @@
           <a:lstStyle/>
           <a:p>
             <a:r>
-              <a:rPr lang="en-US" sz="2800" b="1" dirty="0" smtClean="0">
+              <a:rPr lang="en-US" sz="2800" b="1" dirty="0">
                 <a:ln w="31550" cmpd="sng">
                   <a:solidFill>
                     <a:schemeClr val="tx2">
@@ -4880,7 +4399,7 @@
           <a:lstStyle/>
           <a:p>
             <a:r>
-              <a:rPr lang="en-US" sz="3200" dirty="0" smtClean="0">
+              <a:rPr lang="en-US" sz="3200" dirty="0">
                 <a:ln>
                   <a:solidFill>
                     <a:schemeClr val="accent1">
@@ -4901,25 +4420,6 @@
               </a:rPr>
               <a:t>?</a:t>
             </a:r>
-            <a:endParaRPr lang="en-US" sz="3200" dirty="0">
-              <a:ln>
-                <a:solidFill>
-                  <a:schemeClr val="accent1">
-                    <a:lumMod val="40000"/>
-                    <a:lumOff val="60000"/>
-                  </a:schemeClr>
-                </a:solidFill>
-              </a:ln>
-              <a:solidFill>
-                <a:schemeClr val="accent4">
-                  <a:lumMod val="60000"/>
-                  <a:lumOff val="40000"/>
-                </a:schemeClr>
-              </a:solidFill>
-              <a:effectLst>
-                <a:reflection blurRad="6350" stA="55000" endA="300" endPos="45500" dir="5400000" sy="-100000" algn="bl" rotWithShape="0"/>
-              </a:effectLst>
-            </a:endParaRPr>
           </a:p>
         </p:txBody>
       </p:sp>
@@ -4977,7 +4477,7 @@
               <a:buNone/>
             </a:pPr>
             <a:r>
-              <a:rPr lang="en-US" sz="7600" b="1" spc="150" noProof="0" dirty="0" smtClean="0">
+              <a:rPr lang="en-US" sz="7600" b="1" spc="150" noProof="0" dirty="0">
                 <a:ln w="11430"/>
                 <a:solidFill>
                   <a:schemeClr val="tx1">
@@ -5048,10 +4548,9 @@
           <a:p>
             <a:pPr lvl="0"/>
             <a:r>
-              <a:rPr lang="en-US" dirty="0" smtClean="0"/>
+              <a:rPr lang="en-US" dirty="0"/>
               <a:t>Course web site URL</a:t>
             </a:r>
-            <a:endParaRPr lang="en-US" dirty="0"/>
           </a:p>
         </p:txBody>
       </p:sp>
@@ -5092,7 +4591,7 @@
               </a:lnSpc>
             </a:pPr>
             <a:r>
-              <a:rPr lang="en-US" sz="12000" b="1" dirty="0" smtClean="0">
+              <a:rPr lang="en-US" sz="12000" b="1" dirty="0">
                 <a:solidFill>
                   <a:srgbClr val="FFBF8B"/>
                 </a:solidFill>
@@ -5103,15 +4602,6 @@
               </a:rPr>
               <a:t>?</a:t>
             </a:r>
-            <a:endParaRPr lang="en-US" sz="12000" b="1" dirty="0">
-              <a:solidFill>
-                <a:srgbClr val="FFBF8B"/>
-              </a:solidFill>
-              <a:effectLst>
-                <a:reflection blurRad="6350" stA="55000" endA="300" endPos="45500" dir="5400000" sy="-100000" algn="bl" rotWithShape="0"/>
-              </a:effectLst>
-              <a:latin typeface="Cambria" pitchFamily="18" charset="0"/>
-            </a:endParaRPr>
           </a:p>
         </p:txBody>
       </p:sp>
@@ -5120,13 +4610,6 @@
   <p:clrMapOvr>
     <a:masterClrMapping/>
   </p:clrMapOvr>
-  <p:timing>
-    <p:tnLst>
-      <p:par>
-        <p:cTn id="1" dur="indefinite" restart="never" nodeType="tmRoot"/>
-      </p:par>
-    </p:tnLst>
-  </p:timing>
 </p:sldLayout>
 </file>
 
@@ -5392,13 +4875,6 @@
     <p:sldLayoutId id="2147483689" r:id="rId4"/>
     <p:sldLayoutId id="2147483703" r:id="rId5"/>
   </p:sldLayoutIdLst>
-  <p:timing>
-    <p:tnLst>
-      <p:par>
-        <p:cTn id="1" dur="indefinite" restart="never" nodeType="tmRoot"/>
-      </p:par>
-    </p:tnLst>
-  </p:timing>
   <p:hf hdr="0" ftr="0" dt="0"/>
   <p:txStyles>
     <p:titleStyle>
@@ -5952,38 +5428,6 @@
       </p:sp>
       <p:sp>
         <p:nvSpPr>
-          <p:cNvPr id="14" name="Text Placeholder 4"/>
-          <p:cNvSpPr>
-            <a:spLocks noGrp="1"/>
-          </p:cNvSpPr>
-          <p:nvPr>
-            <p:ph type="body" sz="quarter" idx="10"/>
-          </p:nvPr>
-        </p:nvSpPr>
-        <p:spPr>
-          <a:xfrm>
-            <a:off x="419099" y="4495800"/>
-            <a:ext cx="3853295" cy="533400"/>
-          </a:xfrm>
-        </p:spPr>
-        <p:txBody>
-          <a:bodyPr/>
-          <a:lstStyle/>
-          <a:p>
-            <a:r>
-              <a:rPr lang="en-US" dirty="0" smtClean="0"/>
-              <a:t>Nikolay </a:t>
-            </a:r>
-            <a:r>
-              <a:rPr lang="en-US" dirty="0" err="1" smtClean="0"/>
-              <a:t>Kostov</a:t>
-            </a:r>
-            <a:endParaRPr lang="en-US" dirty="0"/>
-          </a:p>
-        </p:txBody>
-      </p:sp>
-      <p:sp>
-        <p:nvSpPr>
           <p:cNvPr id="15" name="Text Placeholder 5"/>
           <p:cNvSpPr>
             <a:spLocks noGrp="1"/>
@@ -6003,10 +5447,9 @@
           <a:lstStyle/>
           <a:p>
             <a:r>
-              <a:rPr lang="en-US" dirty="0" smtClean="0"/>
+              <a:rPr lang="en-US" dirty="0"/>
               <a:t>Telerik Software Academy</a:t>
             </a:r>
-            <a:endParaRPr lang="en-US" dirty="0"/>
           </a:p>
         </p:txBody>
       </p:sp>
@@ -6031,81 +5474,15 @@
           <a:lstStyle/>
           <a:p>
             <a:r>
-              <a:rPr lang="en-US" dirty="0" smtClean="0">
+              <a:rPr lang="en-US" dirty="0">
                 <a:hlinkClick r:id="rId3"/>
               </a:rPr>
               <a:t>academy.telerik.com</a:t>
             </a:r>
             <a:r>
-              <a:rPr lang="en-US" dirty="0" smtClean="0"/>
+              <a:rPr lang="en-US" dirty="0"/>
               <a:t>   </a:t>
             </a:r>
-            <a:endParaRPr lang="en-US" dirty="0"/>
-          </a:p>
-        </p:txBody>
-      </p:sp>
-      <p:sp>
-        <p:nvSpPr>
-          <p:cNvPr id="4" name="Text Placeholder 3"/>
-          <p:cNvSpPr>
-            <a:spLocks noGrp="1"/>
-          </p:cNvSpPr>
-          <p:nvPr>
-            <p:ph type="body" sz="quarter" idx="13"/>
-          </p:nvPr>
-        </p:nvSpPr>
-        <p:spPr>
-          <a:xfrm>
-            <a:off x="431800" y="4914781"/>
-            <a:ext cx="3838864" cy="800219"/>
-          </a:xfrm>
-        </p:spPr>
-        <p:txBody>
-          <a:bodyPr/>
-          <a:lstStyle/>
-          <a:p>
-            <a:r>
-              <a:rPr lang="en-US" dirty="0" smtClean="0"/>
-              <a:t>Senior Software Developer</a:t>
-            </a:r>
-            <a:br>
-              <a:rPr lang="en-US" dirty="0" smtClean="0"/>
-            </a:br>
-            <a:r>
-              <a:rPr lang="en-US" dirty="0" smtClean="0"/>
-              <a:t>and Technical Trainer</a:t>
-            </a:r>
-            <a:endParaRPr lang="en-US" dirty="0"/>
-          </a:p>
-        </p:txBody>
-      </p:sp>
-      <p:sp>
-        <p:nvSpPr>
-          <p:cNvPr id="6" name="Text Placeholder 5"/>
-          <p:cNvSpPr>
-            <a:spLocks noGrp="1"/>
-          </p:cNvSpPr>
-          <p:nvPr>
-            <p:ph type="body" sz="quarter" idx="14"/>
-          </p:nvPr>
-        </p:nvSpPr>
-        <p:spPr>
-          <a:xfrm>
-            <a:off x="457200" y="5650468"/>
-            <a:ext cx="3810000" cy="369332"/>
-          </a:xfrm>
-        </p:spPr>
-        <p:txBody>
-          <a:bodyPr/>
-          <a:lstStyle/>
-          <a:p>
-            <a:r>
-              <a:rPr lang="en-US" sz="1800" dirty="0" smtClean="0">
-                <a:hlinkClick r:id="rId4"/>
-              </a:rPr>
-              <a:t>http://Nikolay.IT</a:t>
-            </a:r>
-            <a:endParaRPr lang="en-US" sz="1800" dirty="0"/>
           </a:p>
         </p:txBody>
       </p:sp>
@@ -6118,7 +5495,7 @@
           <p:nvPr/>
         </p:nvPicPr>
         <p:blipFill>
-          <a:blip r:embed="rId5">
+          <a:blip r:embed="rId4">
             <a:extLst>
               <a:ext uri="{28A0092B-C50C-407E-A947-70E740481C1C}">
                 <a14:useLocalDpi xmlns:a14="http://schemas.microsoft.com/office/drawing/2010/main"/>
@@ -6176,7 +5553,7 @@
       <p:pic>
         <p:nvPicPr>
           <p:cNvPr id="19" name="Picture 18">
-            <a:hlinkClick r:id="rId6"/>
+            <a:hlinkClick r:id="rId5"/>
           </p:cNvPr>
           <p:cNvPicPr>
             <a:picLocks noChangeAspect="1"/>
@@ -6184,7 +5561,7 @@
           <p:nvPr/>
         </p:nvPicPr>
         <p:blipFill>
-          <a:blip r:embed="rId7" cstate="screen">
+          <a:blip r:embed="rId6" cstate="screen">
             <a:extLst>
               <a:ext uri="{28A0092B-C50C-407E-A947-70E740481C1C}">
                 <a14:useLocalDpi xmlns:a14="http://schemas.microsoft.com/office/drawing/2010/main"/>
@@ -6214,7 +5591,7 @@
           <p:nvPr/>
         </p:nvPicPr>
         <p:blipFill>
-          <a:blip r:embed="rId8">
+          <a:blip r:embed="rId7">
             <a:extLst>
               <a:ext uri="{28A0092B-C50C-407E-A947-70E740481C1C}">
                 <a14:useLocalDpi xmlns:a14="http://schemas.microsoft.com/office/drawing/2010/main" val="0"/>
@@ -6255,7 +5632,7 @@
           <p:nvPr/>
         </p:nvPicPr>
         <p:blipFill>
-          <a:blip r:embed="rId9" cstate="screen"/>
+          <a:blip r:embed="rId8" cstate="screen"/>
           <a:srcRect/>
           <a:stretch>
             <a:fillRect/>
@@ -6286,7 +5663,7 @@
           <p:nvPr/>
         </p:nvPicPr>
         <p:blipFill>
-          <a:blip r:embed="rId10">
+          <a:blip r:embed="rId9">
             <a:duotone>
               <a:prstClr val="black"/>
               <a:schemeClr val="tx2">
@@ -6299,7 +5676,7 @@
             <a:extLst>
               <a:ext uri="{BEBA8EAE-BF5A-486C-A8C5-ECC9F3942E4B}">
                 <a14:imgProps xmlns:a14="http://schemas.microsoft.com/office/drawing/2010/main">
-                  <a14:imgLayer r:embed="rId11">
+                  <a14:imgLayer r:embed="rId10">
                     <a14:imgEffect>
                       <a14:brightnessContrast bright="20000" contrast="-40000"/>
                     </a14:imgEffect>
@@ -6336,18 +5713,86 @@
           </a:extLst>
         </p:spPr>
       </p:pic>
+      <p:sp>
+        <p:nvSpPr>
+          <p:cNvPr id="7" name="Platshållare för text 6">
+            <a:extLst>
+              <a:ext uri="{FF2B5EF4-FFF2-40B4-BE49-F238E27FC236}">
+                <a16:creationId xmlns:a16="http://schemas.microsoft.com/office/drawing/2014/main" id="{AB3632AF-49FB-4207-B06B-DF6961A6F500}"/>
+              </a:ext>
+            </a:extLst>
+          </p:cNvPr>
+          <p:cNvSpPr>
+            <a:spLocks noGrp="1"/>
+          </p:cNvSpPr>
+          <p:nvPr>
+            <p:ph type="body" sz="quarter" idx="10"/>
+          </p:nvPr>
+        </p:nvSpPr>
+        <p:spPr/>
+        <p:txBody>
+          <a:bodyPr/>
+          <a:lstStyle/>
+          <a:p>
+            <a:endParaRPr lang="sv-SE"/>
+          </a:p>
+        </p:txBody>
+      </p:sp>
+      <p:sp>
+        <p:nvSpPr>
+          <p:cNvPr id="9" name="Platshållare för text 8">
+            <a:extLst>
+              <a:ext uri="{FF2B5EF4-FFF2-40B4-BE49-F238E27FC236}">
+                <a16:creationId xmlns:a16="http://schemas.microsoft.com/office/drawing/2014/main" id="{6E8C60F5-1C78-4775-BB1B-D099CBC37B13}"/>
+              </a:ext>
+            </a:extLst>
+          </p:cNvPr>
+          <p:cNvSpPr>
+            <a:spLocks noGrp="1"/>
+          </p:cNvSpPr>
+          <p:nvPr>
+            <p:ph type="body" sz="quarter" idx="13"/>
+          </p:nvPr>
+        </p:nvSpPr>
+        <p:spPr/>
+        <p:txBody>
+          <a:bodyPr/>
+          <a:lstStyle/>
+          <a:p>
+            <a:endParaRPr lang="sv-SE"/>
+          </a:p>
+        </p:txBody>
+      </p:sp>
+      <p:sp>
+        <p:nvSpPr>
+          <p:cNvPr id="11" name="Platshållare för text 10">
+            <a:extLst>
+              <a:ext uri="{FF2B5EF4-FFF2-40B4-BE49-F238E27FC236}">
+                <a16:creationId xmlns:a16="http://schemas.microsoft.com/office/drawing/2014/main" id="{CD0F7DC7-E92A-4CDE-93C2-F5103283F4A7}"/>
+              </a:ext>
+            </a:extLst>
+          </p:cNvPr>
+          <p:cNvSpPr>
+            <a:spLocks noGrp="1"/>
+          </p:cNvSpPr>
+          <p:nvPr>
+            <p:ph type="body" sz="quarter" idx="14"/>
+          </p:nvPr>
+        </p:nvSpPr>
+        <p:spPr/>
+        <p:txBody>
+          <a:bodyPr/>
+          <a:lstStyle/>
+          <a:p>
+            <a:endParaRPr lang="sv-SE"/>
+          </a:p>
+        </p:txBody>
+      </p:sp>
     </p:spTree>
   </p:cSld>
   <p:clrMapOvr>
     <a:masterClrMapping/>
   </p:clrMapOvr>
-  <p:timing>
-    <p:tnLst>
-      <p:par>
-        <p:cTn id="1" dur="indefinite" restart="never" nodeType="tmRoot"/>
-      </p:par>
-    </p:tnLst>
-  </p:timing>
 </p:sld>
 </file>
 
@@ -6384,10 +5829,9 @@
           <a:lstStyle/>
           <a:p>
             <a:r>
-              <a:rPr lang="en-US" sz="3800" dirty="0" smtClean="0"/>
+              <a:rPr lang="en-US" sz="3800" dirty="0"/>
               <a:t>Brackets in Methods Declaration</a:t>
             </a:r>
-            <a:endParaRPr lang="en-US" sz="3800" dirty="0"/>
           </a:p>
         </p:txBody>
       </p:sp>
@@ -6412,7 +5856,7 @@
               </a:lnSpc>
             </a:pPr>
             <a:r>
-              <a:rPr lang="en-US" dirty="0" smtClean="0"/>
+              <a:rPr lang="en-US" dirty="0"/>
               <a:t>Brackets in the method declaration should be formatted as follows:</a:t>
             </a:r>
           </a:p>
@@ -6422,7 +5866,7 @@
                 <a:spcPct val="100000"/>
               </a:lnSpc>
             </a:pPr>
-            <a:endParaRPr lang="en-US" dirty="0" smtClean="0"/>
+            <a:endParaRPr lang="en-US" dirty="0"/>
           </a:p>
           <a:p>
             <a:pPr>
@@ -6431,7 +5875,7 @@
               </a:lnSpc>
             </a:pPr>
             <a:r>
-              <a:rPr lang="en-US" dirty="0" smtClean="0"/>
+              <a:rPr lang="en-US" dirty="0"/>
               <a:t>Don't  use spaces between the brackets:</a:t>
             </a:r>
           </a:p>
@@ -6441,7 +5885,7 @@
                 <a:spcPct val="100000"/>
               </a:lnSpc>
             </a:pPr>
-            <a:endParaRPr lang="en-US" dirty="0" smtClean="0"/>
+            <a:endParaRPr lang="en-US" dirty="0"/>
           </a:p>
           <a:p>
             <a:pPr>
@@ -6449,7 +5893,7 @@
                 <a:spcPct val="100000"/>
               </a:lnSpc>
             </a:pPr>
-            <a:endParaRPr lang="en-US" dirty="0" smtClean="0"/>
+            <a:endParaRPr lang="en-US" dirty="0"/>
           </a:p>
           <a:p>
             <a:pPr>
@@ -6458,11 +5902,11 @@
               </a:lnSpc>
             </a:pPr>
             <a:r>
-              <a:rPr lang="en-US" dirty="0" smtClean="0"/>
+              <a:rPr lang="en-US" dirty="0"/>
               <a:t>The same applies for </a:t>
             </a:r>
             <a:r>
-              <a:rPr lang="en-US" dirty="0" smtClean="0">
+              <a:rPr lang="en-US" dirty="0">
                 <a:solidFill>
                   <a:schemeClr val="accent5">
                     <a:lumMod val="20000"/>
@@ -6475,11 +5919,11 @@
               <a:t>if</a:t>
             </a:r>
             <a:r>
-              <a:rPr lang="en-US" dirty="0" smtClean="0"/>
+              <a:rPr lang="en-US" dirty="0"/>
               <a:t>-conditions and </a:t>
             </a:r>
             <a:r>
-              <a:rPr lang="en-US" dirty="0" smtClean="0">
+              <a:rPr lang="en-US" dirty="0">
                 <a:solidFill>
                   <a:schemeClr val="accent5">
                     <a:lumMod val="20000"/>
@@ -6492,10 +5936,9 @@
               <a:t>for</a:t>
             </a:r>
             <a:r>
-              <a:rPr lang="en-US" dirty="0" smtClean="0"/>
+              <a:rPr lang="en-US" dirty="0"/>
               <a:t>-loops:</a:t>
             </a:r>
-            <a:endParaRPr lang="en-US" dirty="0"/>
           </a:p>
         </p:txBody>
       </p:sp>
@@ -6579,7 +6022,7 @@
               <a:buSzPct val="70000"/>
             </a:pPr>
             <a:r>
-              <a:rPr lang="en-US" sz="1900" b="1" noProof="1" smtClean="0">
+              <a:rPr lang="en-US" sz="1900" b="1" noProof="1">
                 <a:solidFill>
                   <a:srgbClr val="8CF4F2"/>
                 </a:solidFill>
@@ -6649,7 +6092,7 @@
               <a:buSzPct val="70000"/>
             </a:pPr>
             <a:r>
-              <a:rPr lang="en-US" sz="1900" b="1" noProof="1" smtClean="0">
+              <a:rPr lang="en-US" sz="1900" b="1" noProof="1">
                 <a:solidFill>
                   <a:schemeClr val="accent2">
                     <a:lumMod val="40000"/>
@@ -6722,7 +6165,7 @@
               <a:buSzPct val="70000"/>
             </a:pPr>
             <a:r>
-              <a:rPr lang="en-US" sz="1900" b="1" noProof="1" smtClean="0">
+              <a:rPr lang="en-US" sz="1900" b="1" noProof="1">
                 <a:solidFill>
                   <a:schemeClr val="accent2">
                     <a:lumMod val="40000"/>
@@ -6795,7 +6238,7 @@
               <a:buSzPct val="70000"/>
             </a:pPr>
             <a:r>
-              <a:rPr lang="en-US" sz="1900" b="1" noProof="1" smtClean="0">
+              <a:rPr lang="en-US" sz="1900" b="1" noProof="1">
                 <a:solidFill>
                   <a:srgbClr val="8CF4F2"/>
                 </a:solidFill>
@@ -6922,13 +6365,6 @@
   <p:clrMapOvr>
     <a:masterClrMapping/>
   </p:clrMapOvr>
-  <p:timing>
-    <p:tnLst>
-      <p:par>
-        <p:cTn id="1" dur="indefinite" restart="never" nodeType="tmRoot"/>
-      </p:par>
-    </p:tnLst>
-  </p:timing>
 </p:sld>
 </file>
 
@@ -6965,10 +6401,9 @@
           <a:lstStyle/>
           <a:p>
             <a:r>
-              <a:rPr lang="en-US" dirty="0" smtClean="0"/>
+              <a:rPr lang="en-US" dirty="0"/>
               <a:t>Separating Parameters</a:t>
             </a:r>
-            <a:endParaRPr lang="en-US" dirty="0"/>
           </a:p>
         </p:txBody>
       </p:sp>
@@ -6998,7 +6433,7 @@
               </a:lnSpc>
             </a:pPr>
             <a:r>
-              <a:rPr lang="en-US" dirty="0" smtClean="0"/>
+              <a:rPr lang="en-US" dirty="0"/>
               <a:t>Separate method parameters by comma followed by a space</a:t>
             </a:r>
           </a:p>
@@ -7009,14 +6444,9 @@
               </a:lnSpc>
             </a:pPr>
             <a:r>
-              <a:rPr lang="en-US" dirty="0" smtClean="0"/>
-              <a:t>Don't put space before the </a:t>
-            </a:r>
-            <a:r>
               <a:rPr lang="en-US" dirty="0"/>
-              <a:t>comma</a:t>
-            </a:r>
-            <a:endParaRPr lang="en-US" dirty="0" smtClean="0"/>
+              <a:t>Don't put space before the comma</a:t>
+            </a:r>
           </a:p>
           <a:p>
             <a:pPr lvl="1">
@@ -7025,7 +6455,7 @@
               </a:lnSpc>
             </a:pPr>
             <a:r>
-              <a:rPr lang="en-US" dirty="0" smtClean="0"/>
+              <a:rPr lang="en-US" dirty="0"/>
               <a:t>Examples:</a:t>
             </a:r>
           </a:p>
@@ -7035,7 +6465,7 @@
                 <a:spcPct val="100000"/>
               </a:lnSpc>
             </a:pPr>
-            <a:endParaRPr lang="en-US" dirty="0" smtClean="0"/>
+            <a:endParaRPr lang="en-US" dirty="0"/>
           </a:p>
           <a:p>
             <a:pPr lvl="1">
@@ -7047,10 +6477,9 @@
               </a:spcBef>
             </a:pPr>
             <a:r>
-              <a:rPr lang="en-US" dirty="0" smtClean="0"/>
+              <a:rPr lang="en-US" dirty="0"/>
               <a:t>Incorrect examples:</a:t>
             </a:r>
-            <a:endParaRPr lang="en-US" dirty="0"/>
           </a:p>
         </p:txBody>
       </p:sp>
@@ -7134,7 +6563,7 @@
               <a:buSzPct val="70000"/>
             </a:pPr>
             <a:r>
-              <a:rPr lang="en-US" sz="1900" b="1" noProof="1" smtClean="0">
+              <a:rPr lang="en-US" sz="1900" b="1" noProof="1">
                 <a:solidFill>
                   <a:srgbClr val="8CF4F2"/>
                 </a:solidFill>
@@ -7204,7 +6633,7 @@
               <a:buSzPct val="70000"/>
             </a:pPr>
             <a:r>
-              <a:rPr lang="en-US" sz="1900" b="1" noProof="1" smtClean="0">
+              <a:rPr lang="en-US" sz="1900" b="1" noProof="1">
                 <a:solidFill>
                   <a:schemeClr val="accent2">
                     <a:lumMod val="40000"/>
@@ -7277,7 +6706,7 @@
               <a:buSzPct val="70000"/>
             </a:pPr>
             <a:r>
-              <a:rPr lang="en-US" sz="1900" b="1" noProof="1" smtClean="0">
+              <a:rPr lang="en-US" sz="1900" b="1" noProof="1">
                 <a:solidFill>
                   <a:schemeClr val="accent2">
                     <a:lumMod val="40000"/>
@@ -7350,7 +6779,7 @@
               <a:buSzPct val="70000"/>
             </a:pPr>
             <a:r>
-              <a:rPr lang="en-US" sz="1900" b="1" noProof="1" smtClean="0">
+              <a:rPr lang="en-US" sz="1900" b="1" noProof="1">
                 <a:solidFill>
                   <a:schemeClr val="accent2">
                     <a:lumMod val="40000"/>
@@ -7423,7 +6852,7 @@
               <a:buSzPct val="70000"/>
             </a:pPr>
             <a:r>
-              <a:rPr lang="en-US" sz="1900" b="1" noProof="1" smtClean="0">
+              <a:rPr lang="en-US" sz="1900" b="1" noProof="1">
                 <a:solidFill>
                   <a:srgbClr val="8CF4F2"/>
                 </a:solidFill>
@@ -7452,13 +6881,6 @@
   <p:clrMapOvr>
     <a:masterClrMapping/>
   </p:clrMapOvr>
-  <p:timing>
-    <p:tnLst>
-      <p:par>
-        <p:cTn id="1" dur="indefinite" restart="never" nodeType="tmRoot"/>
-      </p:par>
-    </p:tnLst>
-  </p:timing>
 </p:sld>
 </file>
 
@@ -7495,10 +6917,9 @@
           <a:lstStyle/>
           <a:p>
             <a:r>
-              <a:rPr lang="en-US" dirty="0" smtClean="0"/>
+              <a:rPr lang="en-US" dirty="0"/>
               <a:t>Empty Lines in Method Body</a:t>
             </a:r>
-            <a:endParaRPr lang="en-US" dirty="0"/>
           </a:p>
         </p:txBody>
       </p:sp>
@@ -7528,10 +6949,9 @@
               </a:lnSpc>
             </a:pPr>
             <a:r>
-              <a:rPr lang="en-US" sz="3000" dirty="0" smtClean="0"/>
+              <a:rPr lang="en-US" sz="3000" dirty="0"/>
               <a:t>Use an empty line to separate logically related sequences of lines:</a:t>
             </a:r>
-            <a:endParaRPr lang="en-US" sz="3000" dirty="0"/>
           </a:p>
         </p:txBody>
       </p:sp>
@@ -7615,7 +7035,7 @@
               <a:buSzPct val="70000"/>
             </a:pPr>
             <a:r>
-              <a:rPr lang="en-US" sz="1700" b="1" noProof="1" smtClean="0">
+              <a:rPr lang="en-US" sz="1700" b="1" noProof="1">
                 <a:solidFill>
                   <a:srgbClr val="8CF4F2"/>
                 </a:solidFill>
@@ -7646,7 +7066,7 @@
               <a:buSzPct val="70000"/>
             </a:pPr>
             <a:r>
-              <a:rPr lang="en-US" sz="1700" b="1" noProof="1" smtClean="0">
+              <a:rPr lang="en-US" sz="1700" b="1" noProof="1">
                 <a:solidFill>
                   <a:srgbClr val="8CF4F2"/>
                 </a:solidFill>
@@ -7677,7 +7097,7 @@
               <a:buSzPct val="70000"/>
             </a:pPr>
             <a:r>
-              <a:rPr lang="en-US" sz="1700" b="1" noProof="1" smtClean="0">
+              <a:rPr lang="en-US" sz="1700" b="1" noProof="1">
                 <a:solidFill>
                   <a:srgbClr val="8CF4F2"/>
                 </a:solidFill>
@@ -7707,7 +7127,7 @@
               </a:buClr>
               <a:buSzPct val="70000"/>
             </a:pPr>
-            <a:endParaRPr lang="en-US" sz="1700" b="1" noProof="1" smtClean="0">
+            <a:endParaRPr lang="en-US" sz="1700" b="1" noProof="1">
               <a:solidFill>
                 <a:srgbClr val="8CF4F2"/>
               </a:solidFill>
@@ -7736,7 +7156,7 @@
               <a:buSzPct val="70000"/>
             </a:pPr>
             <a:r>
-              <a:rPr lang="en-US" sz="1700" b="1" noProof="1" smtClean="0">
+              <a:rPr lang="en-US" sz="1700" b="1" noProof="1">
                 <a:solidFill>
                   <a:srgbClr val="8CF4F2"/>
                 </a:solidFill>
@@ -7767,7 +7187,7 @@
               <a:buSzPct val="70000"/>
             </a:pPr>
             <a:r>
-              <a:rPr lang="en-US" sz="1700" b="1" noProof="1" smtClean="0">
+              <a:rPr lang="en-US" sz="1700" b="1" noProof="1">
                 <a:solidFill>
                   <a:srgbClr val="8CF4F2"/>
                 </a:solidFill>
@@ -7798,7 +7218,7 @@
               <a:buSzPct val="70000"/>
             </a:pPr>
             <a:r>
-              <a:rPr lang="en-US" sz="1700" b="1" noProof="1" smtClean="0">
+              <a:rPr lang="en-US" sz="1700" b="1" noProof="1">
                 <a:solidFill>
                   <a:srgbClr val="8CF4F2"/>
                 </a:solidFill>
@@ -7829,7 +7249,7 @@
               <a:buSzPct val="70000"/>
             </a:pPr>
             <a:r>
-              <a:rPr lang="en-US" sz="1700" b="1" noProof="1" smtClean="0">
+              <a:rPr lang="en-US" sz="1700" b="1" noProof="1">
                 <a:solidFill>
                   <a:srgbClr val="8CF4F2"/>
                 </a:solidFill>
@@ -7860,7 +7280,7 @@
               <a:buSzPct val="70000"/>
             </a:pPr>
             <a:r>
-              <a:rPr lang="en-US" sz="1700" b="1" noProof="1" smtClean="0">
+              <a:rPr lang="en-US" sz="1700" b="1" noProof="1">
                 <a:solidFill>
                   <a:srgbClr val="8CF4F2"/>
                 </a:solidFill>
@@ -7890,7 +7310,7 @@
               </a:buClr>
               <a:buSzPct val="70000"/>
             </a:pPr>
-            <a:endParaRPr lang="en-US" sz="1700" b="1" noProof="1" smtClean="0">
+            <a:endParaRPr lang="en-US" sz="1700" b="1" noProof="1">
               <a:solidFill>
                 <a:srgbClr val="8CF4F2"/>
               </a:solidFill>
@@ -7919,7 +7339,7 @@
               <a:buSzPct val="70000"/>
             </a:pPr>
             <a:r>
-              <a:rPr lang="en-US" sz="1700" b="1" noProof="1" smtClean="0">
+              <a:rPr lang="en-US" sz="1700" b="1" noProof="1">
                 <a:solidFill>
                   <a:srgbClr val="8CF4F2"/>
                 </a:solidFill>
@@ -7950,7 +7370,7 @@
               <a:buSzPct val="70000"/>
             </a:pPr>
             <a:r>
-              <a:rPr lang="en-US" sz="1700" b="1" noProof="1" smtClean="0">
+              <a:rPr lang="en-US" sz="1700" b="1" noProof="1">
                 <a:solidFill>
                   <a:srgbClr val="8CF4F2"/>
                 </a:solidFill>
@@ -7981,7 +7401,7 @@
               <a:buSzPct val="70000"/>
             </a:pPr>
             <a:r>
-              <a:rPr lang="en-US" sz="1700" b="1" noProof="1" smtClean="0">
+              <a:rPr lang="en-US" sz="1700" b="1" noProof="1">
                 <a:solidFill>
                   <a:srgbClr val="8CF4F2"/>
                 </a:solidFill>
@@ -8012,7 +7432,7 @@
               <a:buSzPct val="70000"/>
             </a:pPr>
             <a:r>
-              <a:rPr lang="en-US" sz="1700" b="1" noProof="1" smtClean="0">
+              <a:rPr lang="en-US" sz="1700" b="1" noProof="1">
                 <a:solidFill>
                   <a:srgbClr val="8CF4F2"/>
                 </a:solidFill>
@@ -8043,7 +7463,7 @@
               <a:buSzPct val="70000"/>
             </a:pPr>
             <a:r>
-              <a:rPr lang="en-US" sz="1700" b="1" noProof="1" smtClean="0">
+              <a:rPr lang="en-US" sz="1700" b="1" noProof="1">
                 <a:solidFill>
                   <a:srgbClr val="8CF4F2"/>
                 </a:solidFill>
@@ -8073,7 +7493,7 @@
               </a:buClr>
               <a:buSzPct val="70000"/>
             </a:pPr>
-            <a:endParaRPr lang="en-US" sz="1700" b="1" noProof="1" smtClean="0">
+            <a:endParaRPr lang="en-US" sz="1700" b="1" noProof="1">
               <a:solidFill>
                 <a:srgbClr val="8CF4F2"/>
               </a:solidFill>
@@ -8102,7 +7522,7 @@
               <a:buSzPct val="70000"/>
             </a:pPr>
             <a:r>
-              <a:rPr lang="en-US" sz="1700" b="1" noProof="1" smtClean="0">
+              <a:rPr lang="en-US" sz="1700" b="1" noProof="1">
                 <a:solidFill>
                   <a:srgbClr val="8CF4F2"/>
                 </a:solidFill>
@@ -8133,7 +7553,7 @@
               <a:buSzPct val="70000"/>
             </a:pPr>
             <a:r>
-              <a:rPr lang="en-US" sz="1700" b="1" noProof="1" smtClean="0">
+              <a:rPr lang="en-US" sz="1700" b="1" noProof="1">
                 <a:solidFill>
                   <a:srgbClr val="8CF4F2"/>
                 </a:solidFill>
@@ -8206,7 +7626,7 @@
               <a:buSzPct val="70000"/>
             </a:pPr>
             <a:r>
-              <a:rPr lang="en-US" sz="2400" b="1" noProof="1" smtClean="0">
+              <a:rPr lang="en-US" sz="2400" b="1" noProof="1">
                 <a:solidFill>
                   <a:srgbClr val="F7FFE7"/>
                 </a:solidFill>
@@ -8279,7 +7699,7 @@
               <a:buSzPct val="70000"/>
             </a:pPr>
             <a:r>
-              <a:rPr lang="en-US" sz="2400" b="1" noProof="1" smtClean="0">
+              <a:rPr lang="en-US" sz="2400" b="1" noProof="1">
                 <a:solidFill>
                   <a:srgbClr val="F7FFE7"/>
                 </a:solidFill>
@@ -8352,7 +7772,7 @@
               <a:buSzPct val="70000"/>
             </a:pPr>
             <a:r>
-              <a:rPr lang="en-US" sz="2400" b="1" noProof="1" smtClean="0">
+              <a:rPr lang="en-US" sz="2400" b="1" noProof="1">
                 <a:solidFill>
                   <a:srgbClr val="F7FFE7"/>
                 </a:solidFill>
@@ -8587,10 +8007,9 @@
           <a:lstStyle/>
           <a:p>
             <a:r>
-              <a:rPr lang="en-US" dirty="0" smtClean="0"/>
+              <a:rPr lang="en-US" dirty="0"/>
               <a:t>Formatting Types</a:t>
             </a:r>
-            <a:endParaRPr lang="en-US" dirty="0"/>
           </a:p>
         </p:txBody>
       </p:sp>
@@ -8615,7 +8034,7 @@
               </a:lnSpc>
             </a:pPr>
             <a:r>
-              <a:rPr lang="en-US" dirty="0" smtClean="0"/>
+              <a:rPr lang="en-US" dirty="0"/>
               <a:t>Formatting classes / structures / interfaces / enumerations</a:t>
             </a:r>
           </a:p>
@@ -8626,7 +8045,7 @@
               </a:lnSpc>
             </a:pPr>
             <a:r>
-              <a:rPr lang="en-US" dirty="0" smtClean="0"/>
+              <a:rPr lang="en-US" dirty="0"/>
               <a:t>Indent the class body with a single [Tab]</a:t>
             </a:r>
           </a:p>
@@ -8637,7 +8056,7 @@
               </a:lnSpc>
             </a:pPr>
             <a:r>
-              <a:rPr lang="en-US" dirty="0" smtClean="0"/>
+              <a:rPr lang="en-US" dirty="0"/>
               <a:t>Use the following order of definitions:</a:t>
             </a:r>
           </a:p>
@@ -8648,7 +8067,7 @@
               </a:lnSpc>
             </a:pPr>
             <a:r>
-              <a:rPr lang="en-US" dirty="0" smtClean="0"/>
+              <a:rPr lang="en-US" dirty="0"/>
               <a:t>Constants, delegates, inner types, fields, constructors, properties, methods</a:t>
             </a:r>
           </a:p>
@@ -8659,7 +8078,7 @@
               </a:lnSpc>
             </a:pPr>
             <a:r>
-              <a:rPr lang="en-US" dirty="0" smtClean="0"/>
+              <a:rPr lang="en-US" dirty="0"/>
               <a:t>Static members, public members, protected members,  internal members, private members</a:t>
             </a:r>
           </a:p>
@@ -8670,10 +8089,9 @@
               </a:lnSpc>
             </a:pPr>
             <a:r>
-              <a:rPr lang="en-US" dirty="0" smtClean="0"/>
+              <a:rPr lang="en-US" dirty="0"/>
               <a:t>The above order of definitions is not the only possible correct one</a:t>
             </a:r>
-            <a:endParaRPr lang="en-US" dirty="0"/>
           </a:p>
         </p:txBody>
       </p:sp>
@@ -8716,13 +8134,6 @@
   <p:clrMapOvr>
     <a:masterClrMapping/>
   </p:clrMapOvr>
-  <p:timing>
-    <p:tnLst>
-      <p:par>
-        <p:cTn id="1" dur="indefinite" restart="never" nodeType="tmRoot"/>
-      </p:par>
-    </p:tnLst>
-  </p:timing>
 </p:sld>
 </file>
 
@@ -8764,10 +8175,9 @@
           <a:lstStyle/>
           <a:p>
             <a:r>
-              <a:rPr lang="en-US" dirty="0" smtClean="0"/>
+              <a:rPr lang="en-US" dirty="0"/>
               <a:t>Formatting Types – Example in C#</a:t>
             </a:r>
-            <a:endParaRPr lang="en-US" dirty="0"/>
           </a:p>
         </p:txBody>
       </p:sp>
@@ -8851,7 +8261,7 @@
               <a:buSzPct val="70000"/>
             </a:pPr>
             <a:r>
-              <a:rPr lang="en-US" sz="2200" b="1" noProof="1" smtClean="0">
+              <a:rPr lang="en-US" sz="2200" b="1" noProof="1">
                 <a:solidFill>
                   <a:srgbClr val="8CF4F2"/>
                 </a:solidFill>
@@ -8882,7 +8292,7 @@
               <a:buSzPct val="70000"/>
             </a:pPr>
             <a:r>
-              <a:rPr lang="en-US" sz="2200" b="1" noProof="1" smtClean="0">
+              <a:rPr lang="en-US" sz="2200" b="1" noProof="1">
                 <a:solidFill>
                   <a:srgbClr val="8CF4F2"/>
                 </a:solidFill>
@@ -8916,7 +8326,7 @@
               <a:buSzPct val="70000"/>
             </a:pPr>
             <a:r>
-              <a:rPr lang="en-US" sz="2200" b="1" noProof="1" smtClean="0">
+              <a:rPr lang="en-US" sz="2200" b="1" noProof="1">
                 <a:solidFill>
                   <a:srgbClr val="8CF4F2"/>
                 </a:solidFill>
@@ -8947,7 +8357,7 @@
               <a:buSzPct val="70000"/>
             </a:pPr>
             <a:r>
-              <a:rPr lang="en-US" sz="2200" b="1" noProof="1" smtClean="0">
+              <a:rPr lang="en-US" sz="2200" b="1" noProof="1">
                 <a:solidFill>
                   <a:srgbClr val="8CF4F2"/>
                 </a:solidFill>
@@ -8978,7 +8388,7 @@
               <a:buSzPct val="70000"/>
             </a:pPr>
             <a:r>
-              <a:rPr lang="en-US" sz="2200" b="1" noProof="1" smtClean="0">
+              <a:rPr lang="en-US" sz="2200" b="1" noProof="1">
                 <a:solidFill>
                   <a:srgbClr val="8CF4F2"/>
                 </a:solidFill>
@@ -9012,7 +8422,7 @@
               <a:buSzPct val="70000"/>
             </a:pPr>
             <a:r>
-              <a:rPr lang="en-US" sz="2200" b="1" noProof="1" smtClean="0">
+              <a:rPr lang="en-US" sz="2200" b="1" noProof="1">
                 <a:solidFill>
                   <a:srgbClr val="8CF4F2"/>
                 </a:solidFill>
@@ -9043,7 +8453,7 @@
               <a:buSzPct val="70000"/>
             </a:pPr>
             <a:r>
-              <a:rPr lang="en-US" sz="2200" b="1" noProof="1" smtClean="0">
+              <a:rPr lang="en-US" sz="2200" b="1" noProof="1">
                 <a:solidFill>
                   <a:srgbClr val="8CF4F2"/>
                 </a:solidFill>
@@ -9077,7 +8487,7 @@
               <a:buSzPct val="70000"/>
             </a:pPr>
             <a:r>
-              <a:rPr lang="en-US" sz="2200" b="1" noProof="1" smtClean="0">
+              <a:rPr lang="en-US" sz="2200" b="1" noProof="1">
                 <a:solidFill>
                   <a:srgbClr val="8CF4F2"/>
                 </a:solidFill>
@@ -9108,7 +8518,7 @@
               <a:buSzPct val="70000"/>
             </a:pPr>
             <a:r>
-              <a:rPr lang="en-US" sz="2200" b="1" noProof="1" smtClean="0">
+              <a:rPr lang="en-US" sz="2200" b="1" noProof="1">
                 <a:solidFill>
                   <a:srgbClr val="8CF4F2"/>
                 </a:solidFill>
@@ -9139,7 +8549,7 @@
               <a:buSzPct val="70000"/>
             </a:pPr>
             <a:r>
-              <a:rPr lang="en-US" sz="2200" b="1" noProof="1" smtClean="0">
+              <a:rPr lang="en-US" sz="2200" b="1" noProof="1">
                 <a:solidFill>
                   <a:srgbClr val="8CF4F2"/>
                 </a:solidFill>
@@ -9170,7 +8580,7 @@
               <a:buSzPct val="70000"/>
             </a:pPr>
             <a:r>
-              <a:rPr lang="en-US" sz="2200" b="1" noProof="1" smtClean="0">
+              <a:rPr lang="en-US" sz="2200" b="1" noProof="1">
                 <a:solidFill>
                   <a:srgbClr val="8CF4F2"/>
                 </a:solidFill>
@@ -9201,7 +8611,7 @@
               <a:buSzPct val="70000"/>
             </a:pPr>
             <a:r>
-              <a:rPr lang="en-US" sz="2200" b="1" noProof="1" smtClean="0">
+              <a:rPr lang="en-US" sz="2200" b="1" noProof="1">
                 <a:solidFill>
                   <a:srgbClr val="8CF4F2"/>
                 </a:solidFill>
@@ -9232,7 +8642,7 @@
               <a:buSzPct val="70000"/>
             </a:pPr>
             <a:r>
-              <a:rPr lang="en-US" sz="2200" b="1" noProof="1" smtClean="0">
+              <a:rPr lang="en-US" sz="2200" b="1" noProof="1">
                 <a:solidFill>
                   <a:srgbClr val="8CF4F2"/>
                 </a:solidFill>
@@ -9274,10 +8684,9 @@
           <a:lstStyle/>
           <a:p>
             <a:r>
-              <a:rPr lang="en-US" sz="1800" i="1" dirty="0" smtClean="0"/>
+              <a:rPr lang="en-US" sz="1800" i="1" dirty="0"/>
               <a:t>(continues on the next slide)</a:t>
             </a:r>
-            <a:endParaRPr lang="en-US" sz="1800" i="1" dirty="0"/>
           </a:p>
         </p:txBody>
       </p:sp>
@@ -9291,13 +8700,6 @@
   <p:clrMapOvr>
     <a:masterClrMapping/>
   </p:clrMapOvr>
-  <p:timing>
-    <p:tnLst>
-      <p:par>
-        <p:cTn id="1" dur="indefinite" restart="never" nodeType="tmRoot"/>
-      </p:par>
-    </p:tnLst>
-  </p:timing>
 </p:sld>
 </file>
 
@@ -9339,10 +8741,9 @@
           <a:lstStyle/>
           <a:p>
             <a:r>
-              <a:rPr lang="en-US" dirty="0" smtClean="0"/>
+              <a:rPr lang="en-US" dirty="0"/>
               <a:t>Formatting Types – Example in C# (2)</a:t>
             </a:r>
-            <a:endParaRPr lang="en-US" dirty="0"/>
           </a:p>
         </p:txBody>
       </p:sp>
@@ -9429,7 +8830,7 @@
               <a:buSzPct val="70000"/>
             </a:pPr>
             <a:r>
-              <a:rPr lang="en-US" sz="2200" b="1" noProof="1" smtClean="0">
+              <a:rPr lang="en-US" sz="2200" b="1" noProof="1">
                 <a:solidFill>
                   <a:srgbClr val="8CF4F2"/>
                 </a:solidFill>
@@ -9460,7 +8861,7 @@
               <a:buSzPct val="70000"/>
             </a:pPr>
             <a:r>
-              <a:rPr lang="en-US" sz="2200" b="1" noProof="1" smtClean="0">
+              <a:rPr lang="en-US" sz="2200" b="1" noProof="1">
                 <a:solidFill>
                   <a:srgbClr val="8CF4F2"/>
                 </a:solidFill>
@@ -9494,7 +8895,7 @@
               <a:buSzPct val="70000"/>
             </a:pPr>
             <a:r>
-              <a:rPr lang="en-US" sz="2200" b="1" noProof="1" smtClean="0">
+              <a:rPr lang="en-US" sz="2200" b="1" noProof="1">
                 <a:solidFill>
                   <a:srgbClr val="8CF4F2"/>
                 </a:solidFill>
@@ -9525,7 +8926,7 @@
               <a:buSzPct val="70000"/>
             </a:pPr>
             <a:r>
-              <a:rPr lang="en-US" sz="2200" b="1" noProof="1" smtClean="0">
+              <a:rPr lang="en-US" sz="2200" b="1" noProof="1">
                 <a:solidFill>
                   <a:srgbClr val="8CF4F2"/>
                 </a:solidFill>
@@ -9556,7 +8957,7 @@
               <a:buSzPct val="70000"/>
             </a:pPr>
             <a:r>
-              <a:rPr lang="en-US" sz="2200" b="1" noProof="1" smtClean="0">
+              <a:rPr lang="en-US" sz="2200" b="1" noProof="1">
                 <a:solidFill>
                   <a:srgbClr val="8CF4F2"/>
                 </a:solidFill>
@@ -9587,7 +8988,7 @@
               <a:buSzPct val="70000"/>
             </a:pPr>
             <a:r>
-              <a:rPr lang="en-US" sz="2200" b="1" noProof="1" smtClean="0">
+              <a:rPr lang="en-US" sz="2200" b="1" noProof="1">
                 <a:solidFill>
                   <a:srgbClr val="8CF4F2"/>
                 </a:solidFill>
@@ -9618,7 +9019,7 @@
               <a:buSzPct val="70000"/>
             </a:pPr>
             <a:r>
-              <a:rPr lang="en-US" sz="2200" b="1" noProof="1" smtClean="0">
+              <a:rPr lang="en-US" sz="2200" b="1" noProof="1">
                 <a:solidFill>
                   <a:srgbClr val="8CF4F2"/>
                 </a:solidFill>
@@ -9649,7 +9050,7 @@
               <a:buSzPct val="70000"/>
             </a:pPr>
             <a:r>
-              <a:rPr lang="en-US" sz="2200" b="1" noProof="1" smtClean="0">
+              <a:rPr lang="en-US" sz="2200" b="1" noProof="1">
                 <a:solidFill>
                   <a:srgbClr val="8CF4F2"/>
                 </a:solidFill>
@@ -9680,7 +9081,7 @@
               <a:buSzPct val="70000"/>
             </a:pPr>
             <a:r>
-              <a:rPr lang="en-US" sz="2200" b="1" noProof="1" smtClean="0">
+              <a:rPr lang="en-US" sz="2200" b="1" noProof="1">
                 <a:solidFill>
                   <a:srgbClr val="8CF4F2"/>
                 </a:solidFill>
@@ -9711,7 +9112,7 @@
               <a:buSzPct val="70000"/>
             </a:pPr>
             <a:r>
-              <a:rPr lang="en-US" sz="2200" b="1" noProof="1" smtClean="0">
+              <a:rPr lang="en-US" sz="2200" b="1" noProof="1">
                 <a:solidFill>
                   <a:srgbClr val="8CF4F2"/>
                 </a:solidFill>
@@ -9742,7 +9143,7 @@
               <a:buSzPct val="70000"/>
             </a:pPr>
             <a:r>
-              <a:rPr lang="en-US" sz="2200" b="1" noProof="1" smtClean="0">
+              <a:rPr lang="en-US" sz="2200" b="1" noProof="1">
                 <a:solidFill>
                   <a:srgbClr val="8CF4F2"/>
                 </a:solidFill>
@@ -9773,7 +9174,7 @@
               <a:buSzPct val="70000"/>
             </a:pPr>
             <a:r>
-              <a:rPr lang="en-US" sz="2200" b="1" noProof="1" smtClean="0">
+              <a:rPr lang="en-US" sz="2200" b="1" noProof="1">
                 <a:solidFill>
                   <a:srgbClr val="8CF4F2"/>
                 </a:solidFill>
@@ -9802,13 +9203,6 @@
   <p:clrMapOvr>
     <a:masterClrMapping/>
   </p:clrMapOvr>
-  <p:timing>
-    <p:tnLst>
-      <p:par>
-        <p:cTn id="1" dur="indefinite" restart="never" nodeType="tmRoot"/>
-      </p:par>
-    </p:tnLst>
-  </p:timing>
 </p:sld>
 </file>
 
@@ -9850,10 +9244,9 @@
           <a:lstStyle/>
           <a:p>
             <a:r>
-              <a:rPr lang="en-US" dirty="0" smtClean="0"/>
+              <a:rPr lang="en-US" dirty="0"/>
               <a:t>Formatting Conditional Statements and Loops</a:t>
             </a:r>
-            <a:endParaRPr lang="en-US" dirty="0"/>
           </a:p>
         </p:txBody>
       </p:sp>
@@ -9883,7 +9276,7 @@
               </a:lnSpc>
             </a:pPr>
             <a:r>
-              <a:rPr lang="en-US" dirty="0" smtClean="0"/>
+              <a:rPr lang="en-US" dirty="0"/>
               <a:t>Formatting conditional statements and loops</a:t>
             </a:r>
           </a:p>
@@ -9894,11 +9287,11 @@
               </a:lnSpc>
             </a:pPr>
             <a:r>
-              <a:rPr lang="en-US" dirty="0" smtClean="0"/>
+              <a:rPr lang="en-US" dirty="0"/>
               <a:t>Always use </a:t>
             </a:r>
             <a:r>
-              <a:rPr lang="en-US" dirty="0" smtClean="0">
+              <a:rPr lang="en-US" dirty="0">
                 <a:solidFill>
                   <a:schemeClr val="accent5">
                     <a:lumMod val="20000"/>
@@ -9911,11 +9304,11 @@
               <a:t>{ }</a:t>
             </a:r>
             <a:r>
-              <a:rPr lang="en-US" dirty="0" smtClean="0"/>
+              <a:rPr lang="en-US" dirty="0"/>
               <a:t> block after </a:t>
             </a:r>
             <a:r>
-              <a:rPr lang="en-US" dirty="0" smtClean="0">
+              <a:rPr lang="en-US" dirty="0">
                 <a:solidFill>
                   <a:schemeClr val="accent5">
                     <a:lumMod val="20000"/>
@@ -9928,11 +9321,11 @@
               <a:t>if</a:t>
             </a:r>
             <a:r>
-              <a:rPr lang="en-US" dirty="0" smtClean="0"/>
+              <a:rPr lang="en-US" dirty="0"/>
               <a:t> / </a:t>
             </a:r>
             <a:r>
-              <a:rPr lang="en-US" dirty="0" smtClean="0">
+              <a:rPr lang="en-US" dirty="0">
                 <a:solidFill>
                   <a:schemeClr val="accent5">
                     <a:lumMod val="20000"/>
@@ -9945,11 +9338,11 @@
               <a:t>for</a:t>
             </a:r>
             <a:r>
-              <a:rPr lang="en-US" dirty="0" smtClean="0"/>
+              <a:rPr lang="en-US" dirty="0"/>
               <a:t> / </a:t>
             </a:r>
             <a:r>
-              <a:rPr lang="en-US" dirty="0" smtClean="0">
+              <a:rPr lang="en-US" dirty="0">
                 <a:solidFill>
                   <a:schemeClr val="accent5">
                     <a:lumMod val="20000"/>
@@ -9962,7 +9355,7 @@
               <a:t>while</a:t>
             </a:r>
             <a:r>
-              <a:rPr lang="en-US" dirty="0" smtClean="0"/>
+              <a:rPr lang="en-US" dirty="0"/>
               <a:t>, even when a single operator follows</a:t>
             </a:r>
           </a:p>
@@ -9973,11 +9366,11 @@
               </a:lnSpc>
             </a:pPr>
             <a:r>
-              <a:rPr lang="en-US" dirty="0" smtClean="0"/>
+              <a:rPr lang="en-US" dirty="0"/>
               <a:t>Indent the block body after </a:t>
             </a:r>
             <a:r>
-              <a:rPr lang="en-US" dirty="0" smtClean="0">
+              <a:rPr lang="en-US" dirty="0">
                 <a:solidFill>
                   <a:schemeClr val="accent5">
                     <a:lumMod val="20000"/>
@@ -9990,11 +9383,11 @@
               <a:t>if</a:t>
             </a:r>
             <a:r>
-              <a:rPr lang="en-US" dirty="0" smtClean="0"/>
+              <a:rPr lang="en-US" dirty="0"/>
               <a:t> / </a:t>
             </a:r>
             <a:r>
-              <a:rPr lang="en-US" dirty="0" smtClean="0">
+              <a:rPr lang="en-US" dirty="0">
                 <a:solidFill>
                   <a:schemeClr val="accent5">
                     <a:lumMod val="20000"/>
@@ -10007,11 +9400,11 @@
               <a:t>for</a:t>
             </a:r>
             <a:r>
-              <a:rPr lang="en-US" dirty="0" smtClean="0"/>
+              <a:rPr lang="en-US" dirty="0"/>
               <a:t> / </a:t>
             </a:r>
             <a:r>
-              <a:rPr lang="en-US" dirty="0" smtClean="0">
+              <a:rPr lang="en-US" dirty="0">
                 <a:solidFill>
                   <a:schemeClr val="accent5">
                     <a:lumMod val="20000"/>
@@ -10023,7 +9416,7 @@
               </a:rPr>
               <a:t>while</a:t>
             </a:r>
-            <a:endParaRPr lang="en-US" dirty="0" smtClean="0"/>
+            <a:endParaRPr lang="en-US" dirty="0"/>
           </a:p>
           <a:p>
             <a:pPr lvl="1">
@@ -10032,11 +9425,11 @@
               </a:lnSpc>
             </a:pPr>
             <a:r>
-              <a:rPr lang="en-US" dirty="0" smtClean="0"/>
+              <a:rPr lang="en-US" dirty="0"/>
               <a:t>Always put a new line after a </a:t>
             </a:r>
             <a:r>
-              <a:rPr lang="en-US" dirty="0" smtClean="0">
+              <a:rPr lang="en-US" dirty="0">
                 <a:solidFill>
                   <a:schemeClr val="accent5">
                     <a:lumMod val="20000"/>
@@ -10049,11 +9442,11 @@
               <a:t>if</a:t>
             </a:r>
             <a:r>
-              <a:rPr lang="en-US" dirty="0" smtClean="0"/>
+              <a:rPr lang="en-US" dirty="0"/>
               <a:t> / </a:t>
             </a:r>
             <a:r>
-              <a:rPr lang="en-US" dirty="0" smtClean="0">
+              <a:rPr lang="en-US" dirty="0">
                 <a:solidFill>
                   <a:schemeClr val="accent5">
                     <a:lumMod val="20000"/>
@@ -10066,11 +9459,11 @@
               <a:t>for</a:t>
             </a:r>
             <a:r>
-              <a:rPr lang="en-US" dirty="0" smtClean="0"/>
+              <a:rPr lang="en-US" dirty="0"/>
               <a:t> / </a:t>
             </a:r>
             <a:r>
-              <a:rPr lang="en-US" dirty="0" smtClean="0">
+              <a:rPr lang="en-US" dirty="0">
                 <a:solidFill>
                   <a:schemeClr val="accent5">
                     <a:lumMod val="20000"/>
@@ -10084,11 +9477,7 @@
             </a:r>
             <a:r>
               <a:rPr lang="en-US" dirty="0"/>
-              <a:t> </a:t>
-            </a:r>
-            <a:r>
-              <a:rPr lang="en-US" dirty="0" smtClean="0"/>
-              <a:t>block!</a:t>
+              <a:t> block!</a:t>
             </a:r>
           </a:p>
           <a:p>
@@ -10098,11 +9487,11 @@
               </a:lnSpc>
             </a:pPr>
             <a:r>
-              <a:rPr lang="en-US" dirty="0" smtClean="0"/>
+              <a:rPr lang="en-US" dirty="0"/>
               <a:t>Always put the </a:t>
             </a:r>
             <a:r>
-              <a:rPr lang="en-US" dirty="0" smtClean="0">
+              <a:rPr lang="en-US" dirty="0">
                 <a:solidFill>
                   <a:schemeClr val="accent5">
                     <a:lumMod val="20000"/>
@@ -10115,7 +9504,7 @@
               <a:t>{</a:t>
             </a:r>
             <a:r>
-              <a:rPr lang="en-US" dirty="0" smtClean="0"/>
+              <a:rPr lang="en-US" dirty="0"/>
               <a:t> on the next line (in C#)</a:t>
             </a:r>
           </a:p>
@@ -10144,19 +9533,7 @@
             </a:r>
             <a:r>
               <a:rPr lang="en-US" dirty="0"/>
-              <a:t> on the </a:t>
-            </a:r>
-            <a:r>
-              <a:rPr lang="en-US" dirty="0" smtClean="0"/>
-              <a:t>same </a:t>
-            </a:r>
-            <a:r>
-              <a:rPr lang="en-US" dirty="0"/>
-              <a:t>line (in </a:t>
-            </a:r>
-            <a:r>
-              <a:rPr lang="en-US" dirty="0" smtClean="0"/>
-              <a:t>JavaScript)</a:t>
+              <a:t> on the same line (in JavaScript)</a:t>
             </a:r>
           </a:p>
           <a:p>
@@ -10166,10 +9543,9 @@
               </a:lnSpc>
             </a:pPr>
             <a:r>
-              <a:rPr lang="en-US" dirty="0" smtClean="0"/>
+              <a:rPr lang="en-US" dirty="0"/>
               <a:t>Never indent with more than one [Tab]</a:t>
             </a:r>
-            <a:endParaRPr lang="en-US" dirty="0"/>
           </a:p>
         </p:txBody>
       </p:sp>
@@ -10212,13 +9588,6 @@
   <p:clrMapOvr>
     <a:masterClrMapping/>
   </p:clrMapOvr>
-  <p:timing>
-    <p:tnLst>
-      <p:par>
-        <p:cTn id="1" dur="indefinite" restart="never" nodeType="tmRoot"/>
-      </p:par>
-    </p:tnLst>
-  </p:timing>
 </p:sld>
 </file>
 
@@ -10260,25 +9629,24 @@
           <a:lstStyle/>
           <a:p>
             <a:r>
-              <a:rPr lang="en-US" sz="3600" dirty="0" smtClean="0"/>
+              <a:rPr lang="en-US" sz="3600" dirty="0"/>
               <a:t>Conditional </a:t>
             </a:r>
             <a:r>
-              <a:rPr lang="en-US" sz="3600" smtClean="0"/>
+              <a:rPr lang="en-US" sz="3600"/>
               <a:t>Statements and</a:t>
             </a:r>
             <a:br>
-              <a:rPr lang="en-US" sz="3600" smtClean="0"/>
+              <a:rPr lang="en-US" sz="3600"/>
             </a:br>
             <a:r>
-              <a:rPr lang="en-US" sz="3600" smtClean="0"/>
+              <a:rPr lang="en-US" sz="3600"/>
               <a:t>Loops </a:t>
             </a:r>
             <a:r>
-              <a:rPr lang="en-US" sz="3600" dirty="0" smtClean="0"/>
+              <a:rPr lang="en-US" sz="3600" dirty="0"/>
               <a:t>Formatting – C# Examples</a:t>
             </a:r>
-            <a:endParaRPr lang="en-US" sz="3600" dirty="0"/>
           </a:p>
         </p:txBody>
       </p:sp>
@@ -10298,15 +9666,15 @@
           <a:lstStyle/>
           <a:p>
             <a:r>
-              <a:rPr lang="en-US" dirty="0" smtClean="0"/>
+              <a:rPr lang="en-US" dirty="0"/>
               <a:t>Example:</a:t>
             </a:r>
           </a:p>
           <a:p>
-            <a:endParaRPr lang="en-US" dirty="0" smtClean="0"/>
-          </a:p>
-          <a:p>
-            <a:endParaRPr lang="en-US" dirty="0" smtClean="0"/>
+            <a:endParaRPr lang="en-US" dirty="0"/>
+          </a:p>
+          <a:p>
+            <a:endParaRPr lang="en-US" dirty="0"/>
           </a:p>
           <a:p>
             <a:pPr>
@@ -10315,7 +9683,7 @@
               </a:spcBef>
             </a:pPr>
             <a:r>
-              <a:rPr lang="en-US" dirty="0" smtClean="0"/>
+              <a:rPr lang="en-US" dirty="0"/>
               <a:t>Incorrect examples:</a:t>
             </a:r>
           </a:p>
@@ -10404,7 +9772,7 @@
               <a:buSzPct val="70000"/>
             </a:pPr>
             <a:r>
-              <a:rPr lang="en-US" sz="2000" b="1" noProof="1" smtClean="0">
+              <a:rPr lang="en-US" sz="2000" b="1" noProof="1">
                 <a:solidFill>
                   <a:srgbClr val="8CF4F2"/>
                 </a:solidFill>
@@ -10435,7 +9803,7 @@
               <a:buSzPct val="70000"/>
             </a:pPr>
             <a:r>
-              <a:rPr lang="en-US" sz="2000" b="1" noProof="1" smtClean="0">
+              <a:rPr lang="en-US" sz="2000" b="1" noProof="1">
                 <a:solidFill>
                   <a:srgbClr val="8CF4F2"/>
                 </a:solidFill>
@@ -10466,7 +9834,7 @@
               <a:buSzPct val="70000"/>
             </a:pPr>
             <a:r>
-              <a:rPr lang="en-US" sz="2000" b="1" noProof="1" smtClean="0">
+              <a:rPr lang="en-US" sz="2000" b="1" noProof="1">
                 <a:solidFill>
                   <a:srgbClr val="8CF4F2"/>
                 </a:solidFill>
@@ -10497,7 +9865,7 @@
               <a:buSzPct val="70000"/>
             </a:pPr>
             <a:r>
-              <a:rPr lang="en-US" sz="2000" b="1" noProof="1" smtClean="0">
+              <a:rPr lang="en-US" sz="2000" b="1" noProof="1">
                 <a:solidFill>
                   <a:srgbClr val="8CF4F2"/>
                 </a:solidFill>
@@ -10891,7 +10259,7 @@
               <a:buSzPct val="70000"/>
             </a:pPr>
             <a:r>
-              <a:rPr lang="en-US" sz="2400" b="1" noProof="1" smtClean="0">
+              <a:rPr lang="en-US" sz="2400" b="1" noProof="1">
                 <a:solidFill>
                   <a:srgbClr val="F7FFE7"/>
                 </a:solidFill>
@@ -10908,7 +10276,7 @@
               <a:t>The </a:t>
             </a:r>
             <a:r>
-              <a:rPr lang="en-US" sz="2400" b="1" noProof="1" smtClean="0">
+              <a:rPr lang="en-US" sz="2400" b="1" noProof="1">
                 <a:solidFill>
                   <a:schemeClr val="accent5">
                     <a:lumMod val="20000"/>
@@ -10928,7 +10296,7 @@
               <a:t>{</a:t>
             </a:r>
             <a:r>
-              <a:rPr lang="en-US" sz="2400" b="1" noProof="1" smtClean="0">
+              <a:rPr lang="en-US" sz="2400" b="1" noProof="1">
                 <a:solidFill>
                   <a:srgbClr val="F7FFE7"/>
                 </a:solidFill>
@@ -10945,7 +10313,7 @@
               <a:t> and </a:t>
             </a:r>
             <a:r>
-              <a:rPr lang="en-US" sz="2400" b="1" noProof="1" smtClean="0">
+              <a:rPr lang="en-US" sz="2400" b="1" noProof="1">
                 <a:solidFill>
                   <a:schemeClr val="accent5">
                     <a:lumMod val="20000"/>
@@ -10965,7 +10333,7 @@
               <a:t>}</a:t>
             </a:r>
             <a:r>
-              <a:rPr lang="en-US" sz="2400" b="1" noProof="1" smtClean="0">
+              <a:rPr lang="en-US" sz="2400" b="1" noProof="1">
                 <a:solidFill>
                   <a:srgbClr val="F7FFE7"/>
                 </a:solidFill>
@@ -11038,7 +10406,7 @@
               <a:buSzPct val="70000"/>
             </a:pPr>
             <a:r>
-              <a:rPr lang="en-US" sz="2400" b="1" noProof="1" smtClean="0">
+              <a:rPr lang="en-US" sz="2400" b="1" noProof="1">
                 <a:solidFill>
                   <a:srgbClr val="F7FFE7"/>
                 </a:solidFill>
@@ -11111,7 +10479,7 @@
               <a:buSzPct val="70000"/>
             </a:pPr>
             <a:r>
-              <a:rPr lang="en-US" sz="2400" b="1" noProof="1" smtClean="0">
+              <a:rPr lang="en-US" sz="2400" b="1" noProof="1">
                 <a:solidFill>
                   <a:srgbClr val="F7FFE7"/>
                 </a:solidFill>
@@ -11128,7 +10496,7 @@
               <a:t>In C# the </a:t>
             </a:r>
             <a:r>
-              <a:rPr lang="en-US" sz="2400" b="1" noProof="1" smtClean="0">
+              <a:rPr lang="en-US" sz="2400" b="1" noProof="1">
                 <a:solidFill>
                   <a:schemeClr val="accent5">
                     <a:lumMod val="20000"/>
@@ -11148,7 +10516,7 @@
               <a:t>{</a:t>
             </a:r>
             <a:r>
-              <a:rPr lang="en-US" sz="2400" b="1" noProof="1" smtClean="0">
+              <a:rPr lang="en-US" sz="2400" b="1" noProof="1">
                 <a:solidFill>
                   <a:srgbClr val="F7FFE7"/>
                 </a:solidFill>
@@ -11383,10 +10751,9 @@
           <a:lstStyle/>
           <a:p>
             <a:r>
-              <a:rPr lang="en-US" dirty="0" smtClean="0"/>
+              <a:rPr lang="en-US" dirty="0"/>
               <a:t>Using Empty Lines</a:t>
             </a:r>
-            <a:endParaRPr lang="en-US" dirty="0"/>
           </a:p>
         </p:txBody>
       </p:sp>
@@ -11416,7 +10783,7 @@
               </a:lnSpc>
             </a:pPr>
             <a:r>
-              <a:rPr lang="en-US" sz="3000" dirty="0" smtClean="0"/>
+              <a:rPr lang="en-US" sz="3000" dirty="0"/>
               <a:t>Empty lines are used to separate logically unrelated parts of the source code</a:t>
             </a:r>
           </a:p>
@@ -11426,7 +10793,7 @@
                 <a:spcPts val="3200"/>
               </a:lnSpc>
             </a:pPr>
-            <a:endParaRPr lang="en-US" sz="3000" dirty="0" smtClean="0"/>
+            <a:endParaRPr lang="en-US" sz="3000" dirty="0"/>
           </a:p>
           <a:p>
             <a:pPr>
@@ -11434,7 +10801,7 @@
                 <a:spcPts val="3200"/>
               </a:lnSpc>
             </a:pPr>
-            <a:endParaRPr lang="en-US" sz="3000" dirty="0" smtClean="0"/>
+            <a:endParaRPr lang="en-US" sz="3000" dirty="0"/>
           </a:p>
           <a:p>
             <a:pPr>
@@ -11442,7 +10809,7 @@
                 <a:spcPts val="3200"/>
               </a:lnSpc>
             </a:pPr>
-            <a:endParaRPr lang="en-US" sz="3000" dirty="0" smtClean="0"/>
+            <a:endParaRPr lang="en-US" sz="3000" dirty="0"/>
           </a:p>
           <a:p>
             <a:pPr>
@@ -11450,7 +10817,7 @@
                 <a:spcPts val="3200"/>
               </a:lnSpc>
             </a:pPr>
-            <a:endParaRPr lang="en-US" sz="3000" dirty="0" smtClean="0"/>
+            <a:endParaRPr lang="en-US" sz="3000" dirty="0"/>
           </a:p>
           <a:p>
             <a:pPr>
@@ -11458,7 +10825,7 @@
                 <a:spcPts val="3200"/>
               </a:lnSpc>
             </a:pPr>
-            <a:endParaRPr lang="en-US" sz="3000" dirty="0" smtClean="0"/>
+            <a:endParaRPr lang="en-US" sz="3000" dirty="0"/>
           </a:p>
           <a:p>
             <a:pPr>
@@ -11466,7 +10833,7 @@
                 <a:spcPts val="3200"/>
               </a:lnSpc>
             </a:pPr>
-            <a:endParaRPr lang="en-US" sz="3000" dirty="0" smtClean="0"/>
+            <a:endParaRPr lang="en-US" sz="3000" dirty="0"/>
           </a:p>
           <a:p>
             <a:pPr>
@@ -11474,7 +10841,7 @@
                 <a:spcPts val="3200"/>
               </a:lnSpc>
             </a:pPr>
-            <a:endParaRPr lang="en-US" sz="3000" dirty="0" smtClean="0"/>
+            <a:endParaRPr lang="en-US" sz="3000" dirty="0"/>
           </a:p>
           <a:p>
             <a:pPr lvl="1">
@@ -11486,7 +10853,7 @@
               </a:spcBef>
             </a:pPr>
             <a:r>
-              <a:rPr lang="en-US" sz="2800" dirty="0" smtClean="0"/>
+              <a:rPr lang="en-US" sz="2800" dirty="0"/>
               <a:t>Don't put empty lines when not needed!</a:t>
             </a:r>
           </a:p>
@@ -11560,7 +10927,7 @@
           <a:lstStyle/>
           <a:p>
             <a:r>
-              <a:rPr lang="en-US" sz="1800" b="1" noProof="1" smtClean="0">
+              <a:rPr lang="en-US" sz="1800" b="1" noProof="1">
                 <a:solidFill>
                   <a:schemeClr val="accent5">
                     <a:lumMod val="20000"/>
@@ -11582,7 +10949,7 @@
           </a:p>
           <a:p>
             <a:r>
-              <a:rPr lang="en-US" sz="1800" b="1" noProof="1" smtClean="0">
+              <a:rPr lang="en-US" sz="1800" b="1" noProof="1">
                 <a:solidFill>
                   <a:schemeClr val="accent5">
                     <a:lumMod val="20000"/>
@@ -11604,7 +10971,7 @@
           </a:p>
           <a:p>
             <a:r>
-              <a:rPr lang="en-US" sz="1800" b="1" noProof="1" smtClean="0">
+              <a:rPr lang="en-US" sz="1800" b="1" noProof="1">
                 <a:solidFill>
                   <a:schemeClr val="accent5">
                     <a:lumMod val="20000"/>
@@ -11626,7 +10993,7 @@
           </a:p>
           <a:p>
             <a:r>
-              <a:rPr lang="en-US" sz="1800" b="1" noProof="1" smtClean="0">
+              <a:rPr lang="en-US" sz="1800" b="1" noProof="1">
                 <a:solidFill>
                   <a:schemeClr val="accent5">
                     <a:lumMod val="20000"/>
@@ -11648,7 +11015,7 @@
           </a:p>
           <a:p>
             <a:r>
-              <a:rPr lang="en-US" sz="1800" b="1" noProof="1" smtClean="0">
+              <a:rPr lang="en-US" sz="1800" b="1" noProof="1">
                 <a:solidFill>
                   <a:schemeClr val="accent5">
                     <a:lumMod val="20000"/>
@@ -11670,7 +11037,7 @@
           </a:p>
           <a:p>
             <a:r>
-              <a:rPr lang="en-US" sz="1800" b="1" noProof="1" smtClean="0">
+              <a:rPr lang="en-US" sz="1800" b="1" noProof="1">
                 <a:solidFill>
                   <a:schemeClr val="accent5">
                     <a:lumMod val="20000"/>
@@ -11692,7 +11059,7 @@
           </a:p>
           <a:p>
             <a:r>
-              <a:rPr lang="en-US" sz="1800" b="1" noProof="1" smtClean="0">
+              <a:rPr lang="en-US" sz="1800" b="1" noProof="1">
                 <a:solidFill>
                   <a:schemeClr val="accent5">
                     <a:lumMod val="20000"/>
@@ -11714,7 +11081,7 @@
           </a:p>
           <a:p>
             <a:r>
-              <a:rPr lang="en-US" sz="1800" b="1" noProof="1" smtClean="0">
+              <a:rPr lang="en-US" sz="1800" b="1" noProof="1">
                 <a:solidFill>
                   <a:schemeClr val="accent5">
                     <a:lumMod val="20000"/>
@@ -11735,7 +11102,7 @@
             </a:r>
           </a:p>
           <a:p>
-            <a:endParaRPr lang="en-US" sz="1800" b="1" noProof="1" smtClean="0">
+            <a:endParaRPr lang="en-US" sz="1800" b="1" noProof="1">
               <a:solidFill>
                 <a:schemeClr val="accent5">
                   <a:lumMod val="20000"/>
@@ -11755,7 +11122,7 @@
           </a:p>
           <a:p>
             <a:r>
-              <a:rPr lang="en-US" sz="1800" b="1" noProof="1" smtClean="0">
+              <a:rPr lang="en-US" sz="1800" b="1" noProof="1">
                 <a:solidFill>
                   <a:schemeClr val="accent5">
                     <a:lumMod val="20000"/>
@@ -11777,7 +11144,7 @@
           </a:p>
           <a:p>
             <a:r>
-              <a:rPr lang="en-US" sz="1800" b="1" noProof="1" smtClean="0">
+              <a:rPr lang="en-US" sz="1800" b="1" noProof="1">
                 <a:solidFill>
                   <a:schemeClr val="accent5">
                     <a:lumMod val="20000"/>
@@ -11798,7 +11165,7 @@
             </a:r>
           </a:p>
           <a:p>
-            <a:endParaRPr lang="en-US" sz="1800" b="1" noProof="1" smtClean="0">
+            <a:endParaRPr lang="en-US" sz="1800" b="1" noProof="1">
               <a:solidFill>
                 <a:schemeClr val="accent5">
                   <a:lumMod val="20000"/>
@@ -11818,7 +11185,7 @@
           </a:p>
           <a:p>
             <a:r>
-              <a:rPr lang="en-US" sz="1800" b="1" noProof="1" smtClean="0">
+              <a:rPr lang="en-US" sz="1800" b="1" noProof="1">
                 <a:solidFill>
                   <a:schemeClr val="accent5">
                     <a:lumMod val="20000"/>
@@ -11840,7 +11207,7 @@
           </a:p>
           <a:p>
             <a:r>
-              <a:rPr lang="en-US" sz="1800" b="1" noProof="1" smtClean="0">
+              <a:rPr lang="en-US" sz="1800" b="1" noProof="1">
                 <a:solidFill>
                   <a:schemeClr val="accent5">
                     <a:lumMod val="20000"/>
@@ -11862,7 +11229,7 @@
           </a:p>
           <a:p>
             <a:r>
-              <a:rPr lang="en-US" sz="1800" b="1" noProof="1" smtClean="0">
+              <a:rPr lang="en-US" sz="1800" b="1" noProof="1">
                 <a:solidFill>
                   <a:schemeClr val="accent5">
                     <a:lumMod val="20000"/>
@@ -11938,7 +11305,7 @@
               <a:buSzPct val="70000"/>
             </a:pPr>
             <a:r>
-              <a:rPr lang="en-US" sz="2400" b="1" noProof="1" smtClean="0">
+              <a:rPr lang="en-US" sz="2400" b="1" noProof="1">
                 <a:solidFill>
                   <a:srgbClr val="F7FFE7"/>
                 </a:solidFill>
@@ -11955,7 +11322,7 @@
               <a:t>An empty line</a:t>
             </a:r>
             <a:br>
-              <a:rPr lang="en-US" sz="2400" b="1" noProof="1" smtClean="0">
+              <a:rPr lang="en-US" sz="2400" b="1" noProof="1">
                 <a:solidFill>
                   <a:srgbClr val="F7FFE7"/>
                 </a:solidFill>
@@ -11971,7 +11338,7 @@
               </a:rPr>
             </a:br>
             <a:r>
-              <a:rPr lang="en-US" sz="2400" b="1" noProof="1" smtClean="0">
+              <a:rPr lang="en-US" sz="2400" b="1" noProof="1">
                 <a:solidFill>
                   <a:srgbClr val="F7FFE7"/>
                 </a:solidFill>
@@ -12044,7 +11411,7 @@
               <a:buSzPct val="70000"/>
             </a:pPr>
             <a:r>
-              <a:rPr lang="en-US" sz="2400" b="1" noProof="1" smtClean="0">
+              <a:rPr lang="en-US" sz="2400" b="1" noProof="1">
                 <a:solidFill>
                   <a:srgbClr val="F7FFE7"/>
                 </a:solidFill>
@@ -12061,7 +11428,7 @@
               <a:t>An empty line</a:t>
             </a:r>
             <a:br>
-              <a:rPr lang="en-US" sz="2400" b="1" noProof="1" smtClean="0">
+              <a:rPr lang="en-US" sz="2400" b="1" noProof="1">
                 <a:solidFill>
                   <a:srgbClr val="F7FFE7"/>
                 </a:solidFill>
@@ -12077,7 +11444,7 @@
               </a:rPr>
             </a:br>
             <a:r>
-              <a:rPr lang="en-US" sz="2400" b="1" noProof="1" smtClean="0">
+              <a:rPr lang="en-US" sz="2400" b="1" noProof="1">
                 <a:solidFill>
                   <a:srgbClr val="F7FFE7"/>
                 </a:solidFill>
@@ -12266,10 +11633,9 @@
           <a:lstStyle/>
           <a:p>
             <a:r>
-              <a:rPr lang="en-US" sz="3600" dirty="0" smtClean="0"/>
+              <a:rPr lang="en-US" sz="3600" dirty="0"/>
               <a:t>Misplaced Empty Lines – Example</a:t>
             </a:r>
-            <a:endParaRPr lang="en-US" sz="3600" dirty="0"/>
           </a:p>
         </p:txBody>
       </p:sp>
@@ -12341,7 +11707,7 @@
           <a:lstStyle/>
           <a:p>
             <a:r>
-              <a:rPr lang="en-US" sz="2000" b="1" noProof="1" smtClean="0">
+              <a:rPr lang="en-US" sz="2000" b="1" noProof="1">
                 <a:solidFill>
                   <a:schemeClr val="accent3">
                     <a:lumMod val="40000"/>
@@ -12363,7 +11729,7 @@
           </a:p>
           <a:p>
             <a:r>
-              <a:rPr lang="en-US" sz="2000" b="1" noProof="1" smtClean="0">
+              <a:rPr lang="en-US" sz="2000" b="1" noProof="1">
                 <a:solidFill>
                   <a:schemeClr val="accent3">
                     <a:lumMod val="40000"/>
@@ -12385,7 +11751,7 @@
           </a:p>
           <a:p>
             <a:r>
-              <a:rPr lang="en-US" sz="2000" b="1" noProof="1" smtClean="0">
+              <a:rPr lang="en-US" sz="2000" b="1" noProof="1">
                 <a:solidFill>
                   <a:schemeClr val="accent3">
                     <a:lumMod val="40000"/>
@@ -12407,7 +11773,7 @@
           </a:p>
           <a:p>
             <a:r>
-              <a:rPr lang="en-US" sz="2000" b="1" noProof="1" smtClean="0">
+              <a:rPr lang="en-US" sz="2000" b="1" noProof="1">
                 <a:solidFill>
                   <a:schemeClr val="accent3">
                     <a:lumMod val="40000"/>
@@ -12429,7 +11795,7 @@
           </a:p>
           <a:p>
             <a:r>
-              <a:rPr lang="en-US" sz="2000" b="1" noProof="1" smtClean="0">
+              <a:rPr lang="en-US" sz="2000" b="1" noProof="1">
                 <a:solidFill>
                   <a:schemeClr val="accent3">
                     <a:lumMod val="40000"/>
@@ -12451,7 +11817,7 @@
           </a:p>
           <a:p>
             <a:r>
-              <a:rPr lang="en-US" sz="2000" b="1" noProof="1" smtClean="0">
+              <a:rPr lang="en-US" sz="2000" b="1" noProof="1">
                 <a:solidFill>
                   <a:schemeClr val="accent3">
                     <a:lumMod val="40000"/>
@@ -12472,7 +11838,7 @@
             </a:r>
           </a:p>
           <a:p>
-            <a:endParaRPr lang="en-US" sz="2000" b="1" noProof="1" smtClean="0">
+            <a:endParaRPr lang="en-US" sz="2000" b="1" noProof="1">
               <a:solidFill>
                 <a:schemeClr val="accent3">
                   <a:lumMod val="40000"/>
@@ -12492,7 +11858,7 @@
           </a:p>
           <a:p>
             <a:r>
-              <a:rPr lang="en-US" sz="2000" b="1" noProof="1" smtClean="0">
+              <a:rPr lang="en-US" sz="2000" b="1" noProof="1">
                 <a:solidFill>
                   <a:schemeClr val="accent3">
                     <a:lumMod val="40000"/>
@@ -12513,7 +11879,7 @@
             </a:r>
           </a:p>
           <a:p>
-            <a:endParaRPr lang="en-US" sz="2000" b="1" noProof="1" smtClean="0">
+            <a:endParaRPr lang="en-US" sz="2000" b="1" noProof="1">
               <a:solidFill>
                 <a:schemeClr val="accent3">
                   <a:lumMod val="40000"/>
@@ -12533,7 +11899,7 @@
           </a:p>
           <a:p>
             <a:r>
-              <a:rPr lang="en-US" sz="2000" b="1" noProof="1" smtClean="0">
+              <a:rPr lang="en-US" sz="2000" b="1" noProof="1">
                 <a:solidFill>
                   <a:schemeClr val="accent3">
                     <a:lumMod val="40000"/>
@@ -12555,7 +11921,7 @@
           </a:p>
           <a:p>
             <a:r>
-              <a:rPr lang="en-US" sz="2000" b="1" noProof="1" smtClean="0">
+              <a:rPr lang="en-US" sz="2000" b="1" noProof="1">
                 <a:solidFill>
                   <a:schemeClr val="accent3">
                     <a:lumMod val="40000"/>
@@ -12577,7 +11943,7 @@
           </a:p>
           <a:p>
             <a:r>
-              <a:rPr lang="en-US" sz="2000" b="1" noProof="1" smtClean="0">
+              <a:rPr lang="en-US" sz="2000" b="1" noProof="1">
                 <a:solidFill>
                   <a:schemeClr val="accent3">
                     <a:lumMod val="40000"/>
@@ -12599,7 +11965,7 @@
           </a:p>
           <a:p>
             <a:r>
-              <a:rPr lang="en-US" sz="2000" b="1" noProof="1" smtClean="0">
+              <a:rPr lang="en-US" sz="2000" b="1" noProof="1">
                 <a:solidFill>
                   <a:schemeClr val="accent3">
                     <a:lumMod val="40000"/>
@@ -12621,7 +11987,7 @@
           </a:p>
           <a:p>
             <a:r>
-              <a:rPr lang="en-US" sz="2000" b="1" noProof="1" smtClean="0">
+              <a:rPr lang="en-US" sz="2000" b="1" noProof="1">
                 <a:solidFill>
                   <a:schemeClr val="accent3">
                     <a:lumMod val="40000"/>
@@ -12643,7 +12009,7 @@
           </a:p>
           <a:p>
             <a:r>
-              <a:rPr lang="en-US" sz="2000" b="1" noProof="1" smtClean="0">
+              <a:rPr lang="en-US" sz="2000" b="1" noProof="1">
                 <a:solidFill>
                   <a:schemeClr val="accent3">
                     <a:lumMod val="40000"/>
@@ -12665,7 +12031,7 @@
           </a:p>
           <a:p>
             <a:r>
-              <a:rPr lang="en-US" sz="2000" b="1" noProof="1" smtClean="0">
+              <a:rPr lang="en-US" sz="2000" b="1" noProof="1">
                 <a:solidFill>
                   <a:schemeClr val="accent3">
                     <a:lumMod val="40000"/>
@@ -12687,7 +12053,7 @@
           </a:p>
           <a:p>
             <a:r>
-              <a:rPr lang="en-US" sz="2000" b="1" noProof="1" smtClean="0">
+              <a:rPr lang="en-US" sz="2000" b="1" noProof="1">
                 <a:solidFill>
                   <a:schemeClr val="accent3">
                     <a:lumMod val="40000"/>
@@ -12763,7 +12129,7 @@
               <a:buSzPct val="70000"/>
             </a:pPr>
             <a:r>
-              <a:rPr lang="en-US" sz="2400" b="1" noProof="1" smtClean="0">
+              <a:rPr lang="en-US" sz="2400" b="1" noProof="1">
                 <a:solidFill>
                   <a:srgbClr val="F7FFE7"/>
                 </a:solidFill>
@@ -12906,10 +12272,9 @@
           <a:lstStyle/>
           <a:p>
             <a:r>
-              <a:rPr lang="en-US" dirty="0" smtClean="0"/>
+              <a:rPr lang="en-US" dirty="0"/>
               <a:t>Table of Contents</a:t>
             </a:r>
-            <a:endParaRPr lang="en-US" dirty="0"/>
           </a:p>
         </p:txBody>
       </p:sp>
@@ -12934,7 +12299,7 @@
               <a:tabLst/>
             </a:pPr>
             <a:r>
-              <a:rPr lang="en-US" dirty="0" smtClean="0"/>
+              <a:rPr lang="en-US" dirty="0"/>
               <a:t>Why Do We Need Code Formatting?</a:t>
             </a:r>
           </a:p>
@@ -12945,7 +12310,7 @@
               <a:tabLst/>
             </a:pPr>
             <a:r>
-              <a:rPr lang="en-US" dirty="0" smtClean="0"/>
+              <a:rPr lang="en-US" dirty="0"/>
               <a:t>Formatting Methods</a:t>
             </a:r>
           </a:p>
@@ -12956,7 +12321,7 @@
               <a:tabLst/>
             </a:pPr>
             <a:r>
-              <a:rPr lang="en-US" dirty="0" smtClean="0"/>
+              <a:rPr lang="en-US" dirty="0"/>
               <a:t>Formatting Types</a:t>
             </a:r>
           </a:p>
@@ -12967,7 +12332,7 @@
               <a:tabLst/>
             </a:pPr>
             <a:r>
-              <a:rPr lang="en-US" dirty="0" smtClean="0"/>
+              <a:rPr lang="en-US" dirty="0"/>
               <a:t>Common Mistakes</a:t>
             </a:r>
           </a:p>
@@ -12978,7 +12343,7 @@
               <a:tabLst/>
             </a:pPr>
             <a:r>
-              <a:rPr lang="en-US" dirty="0" smtClean="0"/>
+              <a:rPr lang="en-US" dirty="0"/>
               <a:t>Alignments</a:t>
             </a:r>
           </a:p>
@@ -12992,7 +12357,7 @@
               <a:rPr lang="en-US"/>
               <a:t>Automated Tools</a:t>
             </a:r>
-            <a:endParaRPr lang="en-US" dirty="0" smtClean="0"/>
+            <a:endParaRPr lang="en-US" dirty="0"/>
           </a:p>
         </p:txBody>
       </p:sp>
@@ -13072,13 +12437,6 @@
   <p:clrMapOvr>
     <a:masterClrMapping/>
   </p:clrMapOvr>
-  <p:timing>
-    <p:tnLst>
-      <p:par>
-        <p:cTn id="1" dur="indefinite" restart="never" nodeType="tmRoot"/>
-      </p:par>
-    </p:tnLst>
-  </p:timing>
 </p:sld>
 </file>
 
@@ -13115,10 +12473,9 @@
           <a:lstStyle/>
           <a:p>
             <a:r>
-              <a:rPr lang="en-US" dirty="0" smtClean="0"/>
+              <a:rPr lang="en-US" dirty="0"/>
               <a:t>Breaking Long Lines</a:t>
             </a:r>
-            <a:endParaRPr lang="en-US" dirty="0"/>
           </a:p>
         </p:txBody>
       </p:sp>
@@ -13148,7 +12505,7 @@
               </a:lnSpc>
             </a:pPr>
             <a:r>
-              <a:rPr lang="en-US" sz="3000" dirty="0" smtClean="0"/>
+              <a:rPr lang="en-US" sz="3000" dirty="0"/>
               <a:t>Break long lines after punctuation</a:t>
             </a:r>
           </a:p>
@@ -13159,7 +12516,7 @@
               </a:lnSpc>
             </a:pPr>
             <a:r>
-              <a:rPr lang="en-US" sz="3000" dirty="0" smtClean="0"/>
+              <a:rPr lang="en-US" sz="3000" dirty="0"/>
               <a:t>Indent the second line by single [Tab]</a:t>
             </a:r>
           </a:p>
@@ -13170,7 +12527,7 @@
               </a:lnSpc>
             </a:pPr>
             <a:r>
-              <a:rPr lang="en-US" sz="3000" dirty="0" smtClean="0"/>
+              <a:rPr lang="en-US" sz="3000" dirty="0"/>
               <a:t>Do not additionally indent the third line</a:t>
             </a:r>
           </a:p>
@@ -13181,10 +12538,9 @@
               </a:lnSpc>
             </a:pPr>
             <a:r>
-              <a:rPr lang="en-US" sz="3000" dirty="0" smtClean="0"/>
+              <a:rPr lang="en-US" sz="3000" dirty="0"/>
               <a:t>Examples:</a:t>
             </a:r>
-            <a:endParaRPr lang="en-US" sz="3000" dirty="0"/>
           </a:p>
         </p:txBody>
       </p:sp>
@@ -13256,7 +12612,7 @@
           <a:lstStyle/>
           <a:p>
             <a:r>
-              <a:rPr lang="en-US" sz="2200" b="1" noProof="1" smtClean="0">
+              <a:rPr lang="en-US" sz="2200" b="1" noProof="1">
                 <a:solidFill>
                   <a:schemeClr val="accent5">
                     <a:lumMod val="20000"/>
@@ -13278,7 +12634,7 @@
           </a:p>
           <a:p>
             <a:r>
-              <a:rPr lang="en-US" sz="2200" b="1" noProof="1" smtClean="0">
+              <a:rPr lang="en-US" sz="2200" b="1" noProof="1">
                 <a:solidFill>
                   <a:schemeClr val="accent5">
                     <a:lumMod val="20000"/>
@@ -13339,7 +12695,7 @@
           <a:lstStyle/>
           <a:p>
             <a:r>
-              <a:rPr lang="en-US" sz="2200" b="1" noProof="1" smtClean="0">
+              <a:rPr lang="en-US" sz="2200" b="1" noProof="1">
                 <a:solidFill>
                   <a:schemeClr val="accent5">
                     <a:lumMod val="20000"/>
@@ -13361,7 +12717,7 @@
           </a:p>
           <a:p>
             <a:r>
-              <a:rPr lang="en-US" sz="2200" b="1" noProof="1" smtClean="0">
+              <a:rPr lang="en-US" sz="2200" b="1" noProof="1">
                 <a:solidFill>
                   <a:schemeClr val="accent5">
                     <a:lumMod val="20000"/>
@@ -13383,7 +12739,7 @@
           </a:p>
           <a:p>
             <a:r>
-              <a:rPr lang="en-US" sz="2200" b="1" noProof="1" smtClean="0">
+              <a:rPr lang="en-US" sz="2200" b="1" noProof="1">
                 <a:solidFill>
                   <a:schemeClr val="accent5">
                     <a:lumMod val="20000"/>
@@ -13405,7 +12761,7 @@
           </a:p>
           <a:p>
             <a:r>
-              <a:rPr lang="en-US" sz="2200" b="1" noProof="1" smtClean="0">
+              <a:rPr lang="en-US" sz="2200" b="1" noProof="1">
                 <a:solidFill>
                   <a:schemeClr val="accent5">
                     <a:lumMod val="20000"/>
@@ -13437,13 +12793,6 @@
   <p:clrMapOvr>
     <a:masterClrMapping/>
   </p:clrMapOvr>
-  <p:timing>
-    <p:tnLst>
-      <p:par>
-        <p:cTn id="1" dur="indefinite" restart="never" nodeType="tmRoot"/>
-      </p:par>
-    </p:tnLst>
-  </p:timing>
 </p:sld>
 </file>
 
@@ -13485,17 +12834,16 @@
           <a:lstStyle/>
           <a:p>
             <a:r>
-              <a:rPr lang="en-US" dirty="0" smtClean="0"/>
+              <a:rPr lang="en-US" dirty="0"/>
               <a:t>Incorrect Ways To</a:t>
             </a:r>
             <a:br>
-              <a:rPr lang="en-US" dirty="0" smtClean="0"/>
+              <a:rPr lang="en-US" dirty="0"/>
             </a:br>
             <a:r>
-              <a:rPr lang="en-US" dirty="0" smtClean="0"/>
+              <a:rPr lang="en-US" dirty="0"/>
               <a:t>Break Long Lines (in C#)</a:t>
             </a:r>
-            <a:endParaRPr lang="en-US" dirty="0"/>
           </a:p>
         </p:txBody>
       </p:sp>
@@ -13567,7 +12915,7 @@
           <a:lstStyle/>
           <a:p>
             <a:r>
-              <a:rPr lang="en-US" sz="2200" b="1" noProof="1" smtClean="0">
+              <a:rPr lang="en-US" sz="2200" b="1" noProof="1">
                 <a:solidFill>
                   <a:schemeClr val="accent3">
                     <a:lumMod val="40000"/>
@@ -13589,7 +12937,7 @@
           </a:p>
           <a:p>
             <a:r>
-              <a:rPr lang="en-US" sz="2200" b="1" noProof="1" smtClean="0">
+              <a:rPr lang="en-US" sz="2200" b="1" noProof="1">
                 <a:solidFill>
                   <a:schemeClr val="accent3">
                     <a:lumMod val="40000"/>
@@ -13611,7 +12959,7 @@
           </a:p>
           <a:p>
             <a:r>
-              <a:rPr lang="en-US" sz="2200" b="1" noProof="1" smtClean="0">
+              <a:rPr lang="en-US" sz="2200" b="1" noProof="1">
                 <a:solidFill>
                   <a:schemeClr val="accent3">
                     <a:lumMod val="40000"/>
@@ -13633,7 +12981,7 @@
           </a:p>
           <a:p>
             <a:r>
-              <a:rPr lang="en-US" sz="2200" b="1" noProof="1" smtClean="0">
+              <a:rPr lang="en-US" sz="2200" b="1" noProof="1">
                 <a:solidFill>
                   <a:schemeClr val="accent3">
                     <a:lumMod val="40000"/>
@@ -13694,7 +13042,7 @@
           <a:lstStyle/>
           <a:p>
             <a:r>
-              <a:rPr lang="en-US" sz="2200" b="1" noProof="1" smtClean="0">
+              <a:rPr lang="en-US" sz="2200" b="1" noProof="1">
                 <a:solidFill>
                   <a:schemeClr val="accent3">
                     <a:lumMod val="40000"/>
@@ -13716,7 +13064,7 @@
           </a:p>
           <a:p>
             <a:r>
-              <a:rPr lang="en-US" sz="2200" b="1" noProof="1" smtClean="0">
+              <a:rPr lang="en-US" sz="2200" b="1" noProof="1">
                 <a:solidFill>
                   <a:schemeClr val="accent3">
                     <a:lumMod val="40000"/>
@@ -13738,7 +13086,7 @@
           </a:p>
           <a:p>
             <a:r>
-              <a:rPr lang="en-US" sz="2200" b="1" noProof="1" smtClean="0">
+              <a:rPr lang="en-US" sz="2200" b="1" noProof="1">
                 <a:solidFill>
                   <a:schemeClr val="accent3">
                     <a:lumMod val="40000"/>
@@ -13760,7 +13108,7 @@
           </a:p>
           <a:p>
             <a:r>
-              <a:rPr lang="en-US" sz="2200" b="1" noProof="1" smtClean="0">
+              <a:rPr lang="en-US" sz="2200" b="1" noProof="1">
                 <a:solidFill>
                   <a:schemeClr val="accent3">
                     <a:lumMod val="40000"/>
@@ -13821,7 +13169,7 @@
           <a:lstStyle/>
           <a:p>
             <a:r>
-              <a:rPr lang="en-US" sz="2200" b="1" noProof="1" smtClean="0">
+              <a:rPr lang="en-US" sz="2200" b="1" noProof="1">
                 <a:solidFill>
                   <a:schemeClr val="accent3">
                     <a:lumMod val="40000"/>
@@ -13843,7 +13191,7 @@
           </a:p>
           <a:p>
             <a:r>
-              <a:rPr lang="en-US" sz="2200" b="1" noProof="1" smtClean="0">
+              <a:rPr lang="en-US" sz="2200" b="1" noProof="1">
                 <a:solidFill>
                   <a:schemeClr val="accent3">
                     <a:lumMod val="40000"/>
@@ -13865,7 +13213,7 @@
           </a:p>
           <a:p>
             <a:r>
-              <a:rPr lang="en-US" sz="2200" b="1" noProof="1" smtClean="0">
+              <a:rPr lang="en-US" sz="2200" b="1" noProof="1">
                 <a:solidFill>
                   <a:schemeClr val="accent3">
                     <a:lumMod val="40000"/>
@@ -13897,13 +13245,6 @@
   <p:clrMapOvr>
     <a:masterClrMapping/>
   </p:clrMapOvr>
-  <p:timing>
-    <p:tnLst>
-      <p:par>
-        <p:cTn id="1" dur="indefinite" restart="never" nodeType="tmRoot"/>
-      </p:par>
-    </p:tnLst>
-  </p:timing>
 </p:sld>
 </file>
 
@@ -13950,7 +13291,7 @@
               </a:lnSpc>
             </a:pPr>
             <a:r>
-              <a:rPr lang="en-US" sz="3000" dirty="0" smtClean="0"/>
+              <a:rPr lang="en-US" sz="3000" dirty="0"/>
               <a:t>In C# use single [Tab] after breaking a long line:</a:t>
             </a:r>
           </a:p>
@@ -13968,7 +13309,7 @@
                 <a:spcPts val="3600"/>
               </a:lnSpc>
             </a:pPr>
-            <a:endParaRPr lang="en-US" sz="3000" dirty="0" smtClean="0"/>
+            <a:endParaRPr lang="en-US" sz="3000" dirty="0"/>
           </a:p>
           <a:p>
             <a:pPr>
@@ -13988,10 +13329,9 @@
               </a:spcBef>
             </a:pPr>
             <a:r>
-              <a:rPr lang="en-US" sz="3000" dirty="0" smtClean="0"/>
+              <a:rPr lang="en-US" sz="3000" dirty="0"/>
               <a:t>In JavaScript use double [Tab] in the carried long lines:</a:t>
             </a:r>
-            <a:endParaRPr lang="en-US" sz="3000" dirty="0"/>
           </a:p>
         </p:txBody>
       </p:sp>
@@ -14016,17 +13356,16 @@
           <a:lstStyle/>
           <a:p>
             <a:r>
-              <a:rPr lang="en-US" dirty="0" smtClean="0"/>
+              <a:rPr lang="en-US" dirty="0"/>
               <a:t>Breaking Long Lines</a:t>
             </a:r>
             <a:br>
-              <a:rPr lang="en-US" dirty="0" smtClean="0"/>
+              <a:rPr lang="en-US" dirty="0"/>
             </a:br>
             <a:r>
-              <a:rPr lang="en-US" dirty="0" smtClean="0"/>
+              <a:rPr lang="en-US" dirty="0"/>
               <a:t>in C# and JavaScript</a:t>
             </a:r>
-            <a:endParaRPr lang="en-US" dirty="0"/>
           </a:p>
         </p:txBody>
       </p:sp>
@@ -14098,7 +13437,7 @@
           <a:lstStyle/>
           <a:p>
             <a:r>
-              <a:rPr lang="en-US" sz="2000" b="1" noProof="1" smtClean="0">
+              <a:rPr lang="en-US" sz="2000" b="1" noProof="1">
                 <a:solidFill>
                   <a:schemeClr val="accent5">
                     <a:lumMod val="20000"/>
@@ -14120,7 +13459,7 @@
           </a:p>
           <a:p>
             <a:r>
-              <a:rPr lang="en-US" sz="2000" b="1" noProof="1" smtClean="0">
+              <a:rPr lang="en-US" sz="2000" b="1" noProof="1">
                 <a:solidFill>
                   <a:schemeClr val="accent5">
                     <a:lumMod val="20000"/>
@@ -14142,7 +13481,7 @@
           </a:p>
           <a:p>
             <a:r>
-              <a:rPr lang="en-US" sz="2000" b="1" noProof="1" smtClean="0">
+              <a:rPr lang="en-US" sz="2000" b="1" noProof="1">
                 <a:solidFill>
                   <a:schemeClr val="accent5">
                     <a:lumMod val="20000"/>
@@ -14164,7 +13503,7 @@
           </a:p>
           <a:p>
             <a:r>
-              <a:rPr lang="en-US" sz="2000" b="1" noProof="1" smtClean="0">
+              <a:rPr lang="en-US" sz="2000" b="1" noProof="1">
                 <a:solidFill>
                   <a:schemeClr val="accent5">
                     <a:lumMod val="20000"/>
@@ -14186,7 +13525,7 @@
           </a:p>
           <a:p>
             <a:r>
-              <a:rPr lang="en-US" sz="2000" b="1" noProof="1" smtClean="0">
+              <a:rPr lang="en-US" sz="2000" b="1" noProof="1">
                 <a:solidFill>
                   <a:schemeClr val="accent5">
                     <a:lumMod val="20000"/>
@@ -14203,8 +13542,10 @@
                 <a:latin typeface="Consolas" pitchFamily="49" charset="0"/>
                 <a:cs typeface="Consolas" pitchFamily="49" charset="0"/>
               </a:rPr>
-              <a:t>    matrix[x</a:t>
-            </a:r>
+              <a:t>    matrix[x, y] == 1;</a:t>
+            </a:r>
+          </a:p>
+          <a:p>
             <a:r>
               <a:rPr lang="en-US" sz="2000" b="1" noProof="1">
                 <a:solidFill>
@@ -14223,107 +13564,8 @@
                 <a:latin typeface="Consolas" pitchFamily="49" charset="0"/>
                 <a:cs typeface="Consolas" pitchFamily="49" charset="0"/>
               </a:rPr>
-              <a:t>, </a:t>
-            </a:r>
-            <a:r>
-              <a:rPr lang="en-US" sz="2000" b="1" noProof="1" smtClean="0">
-                <a:solidFill>
-                  <a:schemeClr val="accent5">
-                    <a:lumMod val="20000"/>
-                    <a:lumOff val="80000"/>
-                  </a:schemeClr>
-                </a:solidFill>
-                <a:effectLst>
-                  <a:outerShdw blurRad="38100" dist="38100" dir="2700000" algn="tl">
-                    <a:srgbClr val="000000">
-                      <a:alpha val="43137"/>
-                    </a:srgbClr>
-                  </a:outerShdw>
-                </a:effectLst>
-                <a:latin typeface="Consolas" pitchFamily="49" charset="0"/>
-                <a:cs typeface="Consolas" pitchFamily="49" charset="0"/>
-              </a:rPr>
-              <a:t>y] </a:t>
-            </a:r>
-            <a:r>
-              <a:rPr lang="en-US" sz="2000" b="1" noProof="1">
-                <a:solidFill>
-                  <a:schemeClr val="accent5">
-                    <a:lumMod val="20000"/>
-                    <a:lumOff val="80000"/>
-                  </a:schemeClr>
-                </a:solidFill>
-                <a:effectLst>
-                  <a:outerShdw blurRad="38100" dist="38100" dir="2700000" algn="tl">
-                    <a:srgbClr val="000000">
-                      <a:alpha val="43137"/>
-                    </a:srgbClr>
-                  </a:outerShdw>
-                </a:effectLst>
-                <a:latin typeface="Consolas" pitchFamily="49" charset="0"/>
-                <a:cs typeface="Consolas" pitchFamily="49" charset="0"/>
-              </a:rPr>
-              <a:t>== </a:t>
-            </a:r>
-            <a:r>
-              <a:rPr lang="en-US" sz="2000" b="1" noProof="1" smtClean="0">
-                <a:solidFill>
-                  <a:schemeClr val="accent5">
-                    <a:lumMod val="20000"/>
-                    <a:lumOff val="80000"/>
-                  </a:schemeClr>
-                </a:solidFill>
-                <a:effectLst>
-                  <a:outerShdw blurRad="38100" dist="38100" dir="2700000" algn="tl">
-                    <a:srgbClr val="000000">
-                      <a:alpha val="43137"/>
-                    </a:srgbClr>
-                  </a:outerShdw>
-                </a:effectLst>
-                <a:latin typeface="Consolas" pitchFamily="49" charset="0"/>
-                <a:cs typeface="Consolas" pitchFamily="49" charset="0"/>
-              </a:rPr>
-              <a:t>1;</a:t>
-            </a:r>
-          </a:p>
-          <a:p>
-            <a:r>
-              <a:rPr lang="en-US" sz="2000" b="1" noProof="1">
-                <a:solidFill>
-                  <a:schemeClr val="accent5">
-                    <a:lumMod val="20000"/>
-                    <a:lumOff val="80000"/>
-                  </a:schemeClr>
-                </a:solidFill>
-                <a:effectLst>
-                  <a:outerShdw blurRad="38100" dist="38100" dir="2700000" algn="tl">
-                    <a:srgbClr val="000000">
-                      <a:alpha val="43137"/>
-                    </a:srgbClr>
-                  </a:outerShdw>
-                </a:effectLst>
-                <a:latin typeface="Consolas" pitchFamily="49" charset="0"/>
-                <a:cs typeface="Consolas" pitchFamily="49" charset="0"/>
-              </a:rPr>
               <a:t>}</a:t>
             </a:r>
-            <a:endParaRPr lang="en-US" sz="2000" b="1" noProof="1" smtClean="0">
-              <a:solidFill>
-                <a:schemeClr val="accent5">
-                  <a:lumMod val="20000"/>
-                  <a:lumOff val="80000"/>
-                </a:schemeClr>
-              </a:solidFill>
-              <a:effectLst>
-                <a:outerShdw blurRad="38100" dist="38100" dir="2700000" algn="tl">
-                  <a:srgbClr val="000000">
-                    <a:alpha val="43137"/>
-                  </a:srgbClr>
-                </a:outerShdw>
-              </a:effectLst>
-              <a:latin typeface="Consolas" pitchFamily="49" charset="0"/>
-              <a:cs typeface="Consolas" pitchFamily="49" charset="0"/>
-            </a:endParaRPr>
           </a:p>
         </p:txBody>
       </p:sp>
@@ -14366,7 +13608,7 @@
           <a:lstStyle/>
           <a:p>
             <a:r>
-              <a:rPr lang="en-US" sz="2000" b="1" noProof="1" smtClean="0">
+              <a:rPr lang="en-US" sz="2000" b="1" noProof="1">
                 <a:solidFill>
                   <a:schemeClr val="accent5">
                     <a:lumMod val="20000"/>
@@ -14388,7 +13630,7 @@
           </a:p>
           <a:p>
             <a:r>
-              <a:rPr lang="en-US" sz="2000" b="1" noProof="1" smtClean="0">
+              <a:rPr lang="en-US" sz="2000" b="1" noProof="1">
                 <a:solidFill>
                   <a:schemeClr val="accent5">
                     <a:lumMod val="20000"/>
@@ -14410,7 +13652,7 @@
           </a:p>
           <a:p>
             <a:r>
-              <a:rPr lang="en-US" sz="2000" b="1" noProof="1" smtClean="0">
+              <a:rPr lang="en-US" sz="2000" b="1" noProof="1">
                 <a:solidFill>
                   <a:schemeClr val="accent5">
                     <a:lumMod val="20000"/>
@@ -14432,7 +13674,7 @@
           </a:p>
           <a:p>
             <a:r>
-              <a:rPr lang="en-US" sz="2000" b="1" noProof="1" smtClean="0">
+              <a:rPr lang="en-US" sz="2000" b="1" noProof="1">
                 <a:solidFill>
                   <a:schemeClr val="accent5">
                     <a:lumMod val="20000"/>
@@ -14449,8 +13691,10 @@
                 <a:latin typeface="Consolas" pitchFamily="49" charset="0"/>
                 <a:cs typeface="Consolas" pitchFamily="49" charset="0"/>
               </a:rPr>
-              <a:t>    matrix[x</a:t>
-            </a:r>
+              <a:t>    matrix[x, y] == 1;</a:t>
+            </a:r>
+          </a:p>
+          <a:p>
             <a:r>
               <a:rPr lang="en-US" sz="2000" b="1" noProof="1">
                 <a:solidFill>
@@ -14469,107 +13713,8 @@
                 <a:latin typeface="Consolas" pitchFamily="49" charset="0"/>
                 <a:cs typeface="Consolas" pitchFamily="49" charset="0"/>
               </a:rPr>
-              <a:t>, </a:t>
-            </a:r>
-            <a:r>
-              <a:rPr lang="en-US" sz="2000" b="1" noProof="1" smtClean="0">
-                <a:solidFill>
-                  <a:schemeClr val="accent5">
-                    <a:lumMod val="20000"/>
-                    <a:lumOff val="80000"/>
-                  </a:schemeClr>
-                </a:solidFill>
-                <a:effectLst>
-                  <a:outerShdw blurRad="38100" dist="38100" dir="2700000" algn="tl">
-                    <a:srgbClr val="000000">
-                      <a:alpha val="43137"/>
-                    </a:srgbClr>
-                  </a:outerShdw>
-                </a:effectLst>
-                <a:latin typeface="Consolas" pitchFamily="49" charset="0"/>
-                <a:cs typeface="Consolas" pitchFamily="49" charset="0"/>
-              </a:rPr>
-              <a:t>y] </a:t>
-            </a:r>
-            <a:r>
-              <a:rPr lang="en-US" sz="2000" b="1" noProof="1">
-                <a:solidFill>
-                  <a:schemeClr val="accent5">
-                    <a:lumMod val="20000"/>
-                    <a:lumOff val="80000"/>
-                  </a:schemeClr>
-                </a:solidFill>
-                <a:effectLst>
-                  <a:outerShdw blurRad="38100" dist="38100" dir="2700000" algn="tl">
-                    <a:srgbClr val="000000">
-                      <a:alpha val="43137"/>
-                    </a:srgbClr>
-                  </a:outerShdw>
-                </a:effectLst>
-                <a:latin typeface="Consolas" pitchFamily="49" charset="0"/>
-                <a:cs typeface="Consolas" pitchFamily="49" charset="0"/>
-              </a:rPr>
-              <a:t>== </a:t>
-            </a:r>
-            <a:r>
-              <a:rPr lang="en-US" sz="2000" b="1" noProof="1" smtClean="0">
-                <a:solidFill>
-                  <a:schemeClr val="accent5">
-                    <a:lumMod val="20000"/>
-                    <a:lumOff val="80000"/>
-                  </a:schemeClr>
-                </a:solidFill>
-                <a:effectLst>
-                  <a:outerShdw blurRad="38100" dist="38100" dir="2700000" algn="tl">
-                    <a:srgbClr val="000000">
-                      <a:alpha val="43137"/>
-                    </a:srgbClr>
-                  </a:outerShdw>
-                </a:effectLst>
-                <a:latin typeface="Consolas" pitchFamily="49" charset="0"/>
-                <a:cs typeface="Consolas" pitchFamily="49" charset="0"/>
-              </a:rPr>
-              <a:t>1;</a:t>
-            </a:r>
-          </a:p>
-          <a:p>
-            <a:r>
-              <a:rPr lang="en-US" sz="2000" b="1" noProof="1">
-                <a:solidFill>
-                  <a:schemeClr val="accent5">
-                    <a:lumMod val="20000"/>
-                    <a:lumOff val="80000"/>
-                  </a:schemeClr>
-                </a:solidFill>
-                <a:effectLst>
-                  <a:outerShdw blurRad="38100" dist="38100" dir="2700000" algn="tl">
-                    <a:srgbClr val="000000">
-                      <a:alpha val="43137"/>
-                    </a:srgbClr>
-                  </a:outerShdw>
-                </a:effectLst>
-                <a:latin typeface="Consolas" pitchFamily="49" charset="0"/>
-                <a:cs typeface="Consolas" pitchFamily="49" charset="0"/>
-              </a:rPr>
               <a:t>}</a:t>
             </a:r>
-            <a:endParaRPr lang="en-US" sz="2000" b="1" noProof="1" smtClean="0">
-              <a:solidFill>
-                <a:schemeClr val="accent5">
-                  <a:lumMod val="20000"/>
-                  <a:lumOff val="80000"/>
-                </a:schemeClr>
-              </a:solidFill>
-              <a:effectLst>
-                <a:outerShdw blurRad="38100" dist="38100" dir="2700000" algn="tl">
-                  <a:srgbClr val="000000">
-                    <a:alpha val="43137"/>
-                  </a:srgbClr>
-                </a:outerShdw>
-              </a:effectLst>
-              <a:latin typeface="Consolas" pitchFamily="49" charset="0"/>
-              <a:cs typeface="Consolas" pitchFamily="49" charset="0"/>
-            </a:endParaRPr>
           </a:p>
         </p:txBody>
       </p:sp>
@@ -14974,13 +14119,6 @@
   <p:clrMapOvr>
     <a:masterClrMapping/>
   </p:clrMapOvr>
-  <p:timing>
-    <p:tnLst>
-      <p:par>
-        <p:cTn id="1" dur="indefinite" restart="never" nodeType="tmRoot"/>
-      </p:par>
-    </p:tnLst>
-  </p:timing>
 </p:sld>
 </file>
 
@@ -15017,10 +14155,9 @@
           <a:lstStyle/>
           <a:p>
             <a:r>
-              <a:rPr lang="en-US" dirty="0" smtClean="0"/>
+              <a:rPr lang="en-US" dirty="0"/>
               <a:t>Alignments</a:t>
             </a:r>
-            <a:endParaRPr lang="en-US" dirty="0"/>
           </a:p>
         </p:txBody>
       </p:sp>
@@ -15040,23 +14177,22 @@
           <a:lstStyle/>
           <a:p>
             <a:r>
-              <a:rPr lang="en-US" dirty="0" smtClean="0"/>
+              <a:rPr lang="en-US" dirty="0"/>
               <a:t>All types of alignments are considered harmful</a:t>
             </a:r>
           </a:p>
           <a:p>
             <a:pPr lvl="1"/>
             <a:r>
-              <a:rPr lang="en-US" dirty="0" smtClean="0"/>
+              <a:rPr lang="en-US" dirty="0"/>
               <a:t>Alignments are hard-to-maintain!</a:t>
             </a:r>
           </a:p>
           <a:p>
             <a:r>
-              <a:rPr lang="en-US" dirty="0" smtClean="0"/>
+              <a:rPr lang="en-US" dirty="0"/>
               <a:t>Incorrect examples:</a:t>
             </a:r>
-            <a:endParaRPr lang="en-US" dirty="0"/>
           </a:p>
         </p:txBody>
       </p:sp>
@@ -15150,7 +14286,7 @@
           </a:p>
           <a:p>
             <a:r>
-              <a:rPr lang="en-US" sz="2200" b="1" noProof="1" smtClean="0">
+              <a:rPr lang="en-US" sz="2200" b="1" noProof="1">
                 <a:solidFill>
                   <a:schemeClr val="accent3">
                     <a:lumMod val="40000"/>
@@ -15172,7 +14308,7 @@
           </a:p>
           <a:p>
             <a:r>
-              <a:rPr lang="en-US" sz="2200" b="1" noProof="1" smtClean="0">
+              <a:rPr lang="en-US" sz="2200" b="1" noProof="1">
                 <a:solidFill>
                   <a:schemeClr val="accent3">
                     <a:lumMod val="40000"/>
@@ -15194,7 +14330,7 @@
           </a:p>
           <a:p>
             <a:r>
-              <a:rPr lang="en-US" sz="2200" b="1" noProof="1" smtClean="0">
+              <a:rPr lang="en-US" sz="2200" b="1" noProof="1">
                 <a:solidFill>
                   <a:schemeClr val="accent3">
                     <a:lumMod val="40000"/>
@@ -15255,7 +14391,7 @@
           <a:lstStyle/>
           <a:p>
             <a:r>
-              <a:rPr lang="en-US" sz="2200" b="1" noProof="1" smtClean="0">
+              <a:rPr lang="en-US" sz="2200" b="1" noProof="1">
                 <a:solidFill>
                   <a:schemeClr val="accent3">
                     <a:lumMod val="40000"/>
@@ -15277,7 +14413,7 @@
           </a:p>
           <a:p>
             <a:r>
-              <a:rPr lang="en-US" sz="2200" b="1" noProof="1" smtClean="0">
+              <a:rPr lang="en-US" sz="2200" b="1" noProof="1">
                 <a:solidFill>
                   <a:schemeClr val="accent3">
                     <a:lumMod val="40000"/>
@@ -15299,7 +14435,7 @@
           </a:p>
           <a:p>
             <a:r>
-              <a:rPr lang="en-US" sz="2200" b="1" noProof="1" smtClean="0">
+              <a:rPr lang="en-US" sz="2200" b="1" noProof="1">
                 <a:solidFill>
                   <a:schemeClr val="accent3">
                     <a:lumMod val="40000"/>
@@ -15321,7 +14457,7 @@
           </a:p>
           <a:p>
             <a:r>
-              <a:rPr lang="en-US" sz="2200" b="1" noProof="1" smtClean="0">
+              <a:rPr lang="en-US" sz="2200" b="1" noProof="1">
                 <a:solidFill>
                   <a:schemeClr val="accent3">
                     <a:lumMod val="40000"/>
@@ -15397,7 +14533,7 @@
               <a:buSzPct val="70000"/>
             </a:pPr>
             <a:r>
-              <a:rPr lang="en-US" sz="2400" b="1" noProof="1" smtClean="0">
+              <a:rPr lang="en-US" sz="2400" b="1" noProof="1">
                 <a:solidFill>
                   <a:srgbClr val="F7FFE7"/>
                 </a:solidFill>
@@ -15414,7 +14550,7 @@
               <a:t>Think about renaming </a:t>
             </a:r>
             <a:r>
-              <a:rPr lang="en-US" sz="2300" b="1" noProof="1" smtClean="0">
+              <a:rPr lang="en-US" sz="2300" b="1" noProof="1">
                 <a:solidFill>
                   <a:schemeClr val="accent5">
                     <a:lumMod val="20000"/>
@@ -15434,7 +14570,7 @@
               <a:t>Student</a:t>
             </a:r>
             <a:r>
-              <a:rPr lang="en-US" sz="2300" b="1" noProof="1" smtClean="0">
+              <a:rPr lang="en-US" sz="2300" b="1" noProof="1">
                 <a:solidFill>
                   <a:srgbClr val="F7FFE7"/>
                 </a:solidFill>
@@ -15451,7 +14587,7 @@
               <a:t> </a:t>
             </a:r>
             <a:r>
-              <a:rPr lang="en-US" sz="2400" b="1" noProof="1" smtClean="0">
+              <a:rPr lang="en-US" sz="2400" b="1" noProof="1">
                 <a:solidFill>
                   <a:srgbClr val="F7FFE7"/>
                 </a:solidFill>
@@ -15468,7 +14604,7 @@
               <a:t>to </a:t>
             </a:r>
             <a:r>
-              <a:rPr lang="en-US" sz="2300" b="1" noProof="1" smtClean="0">
+              <a:rPr lang="en-US" sz="2300" b="1" noProof="1">
                 <a:solidFill>
                   <a:schemeClr val="accent5">
                     <a:lumMod val="20000"/>
@@ -15614,10 +14750,9 @@
           <a:lstStyle/>
           <a:p>
             <a:r>
-              <a:rPr lang="en-US" dirty="0" smtClean="0"/>
+              <a:rPr lang="en-US" dirty="0"/>
               <a:t>Automated Tools</a:t>
             </a:r>
-            <a:endParaRPr lang="en-US" dirty="0"/>
           </a:p>
         </p:txBody>
       </p:sp>
@@ -15647,11 +14782,11 @@
               </a:lnSpc>
             </a:pPr>
             <a:r>
-              <a:rPr lang="en-US" dirty="0" smtClean="0"/>
+              <a:rPr lang="en-US" dirty="0"/>
               <a:t>Take advantage of your IDE to help formatting the code </a:t>
             </a:r>
             <a:r>
-              <a:rPr lang="en-US" noProof="1" smtClean="0">
+              <a:rPr lang="en-US" noProof="1">
                 <a:solidFill>
                   <a:schemeClr val="accent5">
                     <a:lumMod val="20000"/>
@@ -15669,7 +14804,7 @@
               </a:lnSpc>
             </a:pPr>
             <a:r>
-              <a:rPr lang="en-US" dirty="0" smtClean="0"/>
+              <a:rPr lang="en-US" dirty="0"/>
               <a:t>Automatic alignment</a:t>
             </a:r>
           </a:p>
@@ -15680,7 +14815,7 @@
               </a:lnSpc>
             </a:pPr>
             <a:r>
-              <a:rPr lang="en-US" dirty="0" smtClean="0"/>
+              <a:rPr lang="en-US" dirty="0"/>
               <a:t>Indentation</a:t>
             </a:r>
           </a:p>
@@ -15691,7 +14826,7 @@
               </a:lnSpc>
             </a:pPr>
             <a:r>
-              <a:rPr lang="en-US" dirty="0" smtClean="0"/>
+              <a:rPr lang="en-US" dirty="0"/>
               <a:t>Style Code analysis</a:t>
             </a:r>
           </a:p>
@@ -15702,7 +14837,7 @@
               </a:lnSpc>
             </a:pPr>
             <a:r>
-              <a:rPr lang="en-US" dirty="0" smtClean="0"/>
+              <a:rPr lang="en-US" dirty="0"/>
               <a:t>Visual Studio – StyleCop</a:t>
             </a:r>
           </a:p>
@@ -15713,7 +14848,7 @@
               </a:lnSpc>
             </a:pPr>
             <a:r>
-              <a:rPr lang="en-US" dirty="0" smtClean="0">
+              <a:rPr lang="en-US" dirty="0">
                 <a:solidFill>
                   <a:srgbClr val="0EFE58"/>
                 </a:solidFill>
@@ -15730,7 +14865,7 @@
               </a:lnSpc>
             </a:pPr>
             <a:r>
-              <a:rPr lang="en-US" dirty="0" smtClean="0"/>
+              <a:rPr lang="en-US" dirty="0"/>
               <a:t>Eclipse – CheckStyle</a:t>
             </a:r>
           </a:p>
@@ -15741,7 +14876,7 @@
               </a:lnSpc>
             </a:pPr>
             <a:r>
-              <a:rPr lang="en-US" dirty="0" smtClean="0">
+              <a:rPr lang="en-US" dirty="0">
                 <a:solidFill>
                   <a:srgbClr val="0EFE58"/>
                 </a:solidFill>
@@ -15792,13 +14927,6 @@
   <p:clrMapOvr>
     <a:masterClrMapping/>
   </p:clrMapOvr>
-  <p:timing>
-    <p:tnLst>
-      <p:par>
-        <p:cTn id="1" dur="indefinite" restart="never" nodeType="tmRoot"/>
-      </p:par>
-    </p:tnLst>
-  </p:timing>
 </p:sld>
 </file>
 
@@ -15862,7 +14990,7 @@
           <a:lstStyle/>
           <a:p>
             <a:r>
-              <a:rPr lang="en-US" dirty="0" smtClean="0">
+              <a:rPr lang="en-US" dirty="0">
                 <a:hlinkClick r:id="rId2"/>
               </a:rPr>
               <a:t>http://academy.telerik.com</a:t>
@@ -15881,13 +15009,6 @@
   <p:clrMapOvr>
     <a:masterClrMapping/>
   </p:clrMapOvr>
-  <p:timing>
-    <p:tnLst>
-      <p:par>
-        <p:cTn id="1" dur="indefinite" restart="never" nodeType="tmRoot"/>
-      </p:par>
-    </p:tnLst>
-  </p:timing>
 </p:sld>
 </file>
 
@@ -15924,10 +15045,9 @@
           <a:lstStyle/>
           <a:p>
             <a:r>
-              <a:rPr lang="en-US" dirty="0" smtClean="0"/>
+              <a:rPr lang="en-US" dirty="0"/>
               <a:t>Homework</a:t>
             </a:r>
-            <a:endParaRPr lang="en-US" dirty="0"/>
           </a:p>
         </p:txBody>
       </p:sp>
@@ -15957,27 +15077,18 @@
               <a:tabLst/>
             </a:pPr>
             <a:r>
-              <a:rPr lang="en-US" sz="2800" dirty="0" smtClean="0"/>
-              <a:t>Format correctly the following source code (given </a:t>
-            </a:r>
-            <a:r>
               <a:rPr lang="en-US" sz="2800" dirty="0"/>
-              <a:t>in Code-Formatting-Homework.zip):</a:t>
-            </a:r>
-            <a:endParaRPr lang="en-US" sz="2800" dirty="0" smtClean="0"/>
+              <a:t>Format correctly the following source code (given in Code-Formatting-Homework.zip):</a:t>
+            </a:r>
           </a:p>
           <a:p>
             <a:pPr lvl="1"/>
             <a:r>
-              <a:rPr lang="en-US" sz="2600" dirty="0" smtClean="0"/>
-              <a:t>C# </a:t>
-            </a:r>
-            <a:r>
               <a:rPr lang="en-US" sz="2600" dirty="0"/>
-              <a:t>code given in the file </a:t>
-            </a:r>
-            <a:r>
-              <a:rPr lang="en-US" sz="2600" noProof="1" smtClean="0">
+              <a:t>C# code given in the file </a:t>
+            </a:r>
+            <a:r>
+              <a:rPr lang="en-US" sz="2600" noProof="1">
                 <a:solidFill>
                   <a:schemeClr val="accent5">
                     <a:lumMod val="20000"/>
@@ -15990,19 +15101,15 @@
               <a:t>events.cs</a:t>
             </a:r>
             <a:r>
-              <a:rPr lang="en-US" sz="2600" dirty="0" smtClean="0"/>
+              <a:rPr lang="en-US" sz="2600" dirty="0"/>
               <a:t>.</a:t>
             </a:r>
           </a:p>
           <a:p>
             <a:pPr lvl="1"/>
             <a:r>
-              <a:rPr lang="en-US" sz="2600" dirty="0" smtClean="0"/>
-              <a:t>JavaScript code given in </a:t>
-            </a:r>
-            <a:r>
               <a:rPr lang="en-US" sz="2600" dirty="0"/>
-              <a:t>the file </a:t>
+              <a:t>JavaScript code given in the file </a:t>
             </a:r>
             <a:r>
               <a:rPr lang="en-US" sz="2600" dirty="0">
@@ -16031,25 +15138,25 @@
               <a:t>.js</a:t>
             </a:r>
             <a:r>
-              <a:rPr lang="en-US" sz="2600" dirty="0" smtClean="0"/>
+              <a:rPr lang="en-US" sz="2600" dirty="0"/>
               <a:t>.</a:t>
             </a:r>
           </a:p>
           <a:p>
             <a:r>
-              <a:rPr lang="en-US" sz="2800" dirty="0" smtClean="0"/>
+              <a:rPr lang="en-US" sz="2800" dirty="0"/>
               <a:t>Use the official code conventions for C# / JavaScript / Java / PHP:</a:t>
             </a:r>
           </a:p>
           <a:p>
             <a:pPr lvl="1"/>
             <a:r>
-              <a:rPr lang="en-US" sz="2600" dirty="0" smtClean="0">
+              <a:rPr lang="en-US" sz="2600" dirty="0">
                 <a:hlinkClick r:id="rId2"/>
               </a:rPr>
               <a:t>Official C# Coding Conventions (MSDN)</a:t>
             </a:r>
-            <a:endParaRPr lang="en-US" sz="2600" dirty="0" smtClean="0"/>
+            <a:endParaRPr lang="en-US" sz="2600" dirty="0"/>
           </a:p>
           <a:p>
             <a:pPr lvl="1"/>
@@ -16059,34 +15166,22 @@
               </a:rPr>
               <a:t>Google JavaScript Style Guide</a:t>
             </a:r>
-            <a:endParaRPr lang="en-US" sz="2600" dirty="0" smtClean="0"/>
+            <a:endParaRPr lang="en-US" sz="2600" dirty="0"/>
           </a:p>
           <a:p>
             <a:pPr lvl="1"/>
-            <a:r>
-              <a:rPr lang="en-US" sz="2600" dirty="0" smtClean="0">
-                <a:hlinkClick r:id="rId4"/>
-              </a:rPr>
-              <a:t>Official Java Code </a:t>
-            </a:r>
             <a:r>
               <a:rPr lang="en-US" sz="2600" dirty="0">
                 <a:hlinkClick r:id="rId4"/>
               </a:rPr>
-              <a:t>Conventions </a:t>
-            </a:r>
-            <a:r>
-              <a:rPr lang="en-US" sz="2600" dirty="0" smtClean="0">
-                <a:hlinkClick r:id="rId4"/>
-              </a:rPr>
-              <a:t>(by Oracle)</a:t>
-            </a:r>
-            <a:endParaRPr lang="en-US" sz="2600" dirty="0" smtClean="0"/>
+              <a:t>Official Java Code Conventions (by Oracle)</a:t>
+            </a:r>
+            <a:endParaRPr lang="en-US" sz="2600" dirty="0"/>
           </a:p>
           <a:p>
             <a:pPr lvl="1"/>
             <a:r>
-              <a:rPr lang="en-US" sz="2600" dirty="0" smtClean="0">
+              <a:rPr lang="en-US" sz="2600" dirty="0">
                 <a:hlinkClick r:id="rId5"/>
               </a:rPr>
               <a:t>Zend code convention for PHP</a:t>
@@ -16138,13 +15233,6 @@
   <p:clrMapOvr>
     <a:masterClrMapping/>
   </p:clrMapOvr>
-  <p:timing>
-    <p:tnLst>
-      <p:par>
-        <p:cTn id="1" dur="indefinite" restart="never" nodeType="tmRoot"/>
-      </p:par>
-    </p:tnLst>
-  </p:timing>
 </p:sld>
 </file>
 
@@ -16181,10 +15269,9 @@
           <a:lstStyle/>
           <a:p>
             <a:r>
-              <a:rPr lang="en-US" sz="3600" dirty="0" smtClean="0"/>
+              <a:rPr lang="en-US" sz="3600" dirty="0"/>
               <a:t>Free Trainings @ Telerik Academy</a:t>
             </a:r>
-            <a:endParaRPr lang="en-US" sz="3600" dirty="0"/>
           </a:p>
         </p:txBody>
       </p:sp>
@@ -16209,7 +15296,7 @@
           <a:lstStyle/>
           <a:p>
             <a:r>
-              <a:rPr lang="en-US" dirty="0" smtClean="0"/>
+              <a:rPr lang="en-US" dirty="0"/>
               <a:t>C# Programming @ Telerik Academy</a:t>
             </a:r>
           </a:p>
@@ -16255,7 +15342,7 @@
               </a:tabLst>
             </a:pPr>
             <a:r>
-              <a:rPr lang="en-US" dirty="0" smtClean="0"/>
+              <a:rPr lang="en-US" dirty="0"/>
               <a:t>Telerik Software Academy</a:t>
             </a:r>
           </a:p>
@@ -16275,12 +15362,12 @@
               </a:tabLst>
             </a:pPr>
             <a:r>
-              <a:rPr lang="en-US" noProof="1" smtClean="0">
+              <a:rPr lang="en-US" noProof="1">
                 <a:hlinkClick r:id="rId3" tooltip="Telerik Software Academy - Free Programming Courses"/>
               </a:rPr>
               <a:t>academy.telerik.com</a:t>
             </a:r>
-            <a:endParaRPr lang="en-US" noProof="1" smtClean="0"/>
+            <a:endParaRPr lang="en-US" noProof="1"/>
           </a:p>
           <a:p>
             <a:pPr marL="282575" lvl="1" indent="-282575">
@@ -16301,7 +15388,7 @@
               </a:tabLst>
             </a:pPr>
             <a:r>
-              <a:rPr lang="en-US" dirty="0" smtClean="0"/>
+              <a:rPr lang="en-US" dirty="0"/>
               <a:t>Telerik Academy @ Facebook</a:t>
             </a:r>
           </a:p>
@@ -16321,12 +15408,12 @@
               </a:tabLst>
             </a:pPr>
             <a:r>
-              <a:rPr lang="en-US" noProof="1" smtClean="0">
+              <a:rPr lang="en-US" noProof="1">
                 <a:hlinkClick r:id="rId4" tooltip="Telerik Softyware Academy @ Facebook"/>
               </a:rPr>
               <a:t>facebook.com/TelerikAcademy</a:t>
             </a:r>
-            <a:endParaRPr lang="en-US" noProof="1" smtClean="0"/>
+            <a:endParaRPr lang="en-US" noProof="1"/>
           </a:p>
           <a:p>
             <a:pPr marL="282575" lvl="1" indent="-282575">
@@ -16347,7 +15434,7 @@
               </a:tabLst>
             </a:pPr>
             <a:r>
-              <a:rPr lang="en-US" dirty="0" smtClean="0"/>
+              <a:rPr lang="en-US" dirty="0"/>
               <a:t>Telerik Software Academy Forums</a:t>
             </a:r>
           </a:p>
@@ -16367,7 +15454,7 @@
               </a:tabLst>
             </a:pPr>
             <a:r>
-              <a:rPr lang="en-US" noProof="1" smtClean="0">
+              <a:rPr lang="en-US" noProof="1">
                 <a:hlinkClick r:id="rId5" tooltip="Telerik Software Academy Forums - Community for Programmers"/>
               </a:rPr>
               <a:t>forums.academy.telerik.com</a:t>
@@ -16598,13 +15685,6 @@
   <p:clrMapOvr>
     <a:masterClrMapping/>
   </p:clrMapOvr>
-  <p:timing>
-    <p:tnLst>
-      <p:par>
-        <p:cTn id="1" dur="indefinite" restart="never" nodeType="tmRoot"/>
-      </p:par>
-    </p:tnLst>
-  </p:timing>
 </p:sld>
 </file>
 
@@ -16646,10 +15726,9 @@
           <a:lstStyle/>
           <a:p>
             <a:r>
-              <a:rPr lang="en-US" dirty="0" smtClean="0"/>
+              <a:rPr lang="en-US" dirty="0"/>
               <a:t>Code Formatting</a:t>
             </a:r>
-            <a:endParaRPr lang="en-US" dirty="0"/>
           </a:p>
         </p:txBody>
       </p:sp>
@@ -16674,10 +15753,9 @@
           <a:lstStyle/>
           <a:p>
             <a:r>
-              <a:rPr lang="en-US" dirty="0" smtClean="0"/>
+              <a:rPr lang="en-US" dirty="0"/>
               <a:t>Why Do We Need It?</a:t>
             </a:r>
-            <a:endParaRPr lang="en-US" dirty="0"/>
           </a:p>
         </p:txBody>
       </p:sp>
@@ -16848,13 +15926,6 @@
   <p:clrMapOvr>
     <a:masterClrMapping/>
   </p:clrMapOvr>
-  <p:timing>
-    <p:tnLst>
-      <p:par>
-        <p:cTn id="1" dur="indefinite" restart="never" nodeType="tmRoot"/>
-      </p:par>
-    </p:tnLst>
-  </p:timing>
 </p:sld>
 </file>
 
@@ -16885,16 +15956,20 @@
             <p:ph type="title"/>
           </p:nvPr>
         </p:nvSpPr>
-        <p:spPr/>
+        <p:spPr>
+          <a:xfrm>
+            <a:off x="1905000" y="76200"/>
+            <a:ext cx="7010400" cy="838200"/>
+          </a:xfrm>
+        </p:spPr>
         <p:txBody>
           <a:bodyPr/>
           <a:lstStyle/>
           <a:p>
             <a:r>
-              <a:rPr lang="en-US" dirty="0" smtClean="0"/>
-              <a:t>Why Code Needs Formatting?</a:t>
-            </a:r>
-            <a:endParaRPr lang="en-US" dirty="0"/>
+              <a:rPr lang="en-US" dirty="0"/>
+              <a:t>Why Format Code?</a:t>
+            </a:r>
           </a:p>
         </p:txBody>
       </p:sp>
@@ -16981,7 +16056,7 @@
               <a:buSzPct val="70000"/>
             </a:pPr>
             <a:r>
-              <a:rPr lang="en-US" sz="2000" b="1" noProof="1" smtClean="0">
+              <a:rPr lang="en-US" sz="2000" b="1" noProof="1">
                 <a:solidFill>
                   <a:schemeClr val="accent2">
                     <a:lumMod val="40000"/>
@@ -17018,7 +16093,7 @@
               <a:buSzPct val="70000"/>
             </a:pPr>
             <a:r>
-              <a:rPr lang="en-US" sz="2000" b="1" noProof="1" smtClean="0">
+              <a:rPr lang="en-US" sz="2000" b="1" noProof="1">
                 <a:solidFill>
                   <a:schemeClr val="accent2">
                     <a:lumMod val="40000"/>
@@ -17055,7 +16130,7 @@
               <a:buSzPct val="70000"/>
             </a:pPr>
             <a:r>
-              <a:rPr lang="en-US" sz="2000" b="1" noProof="1" smtClean="0">
+              <a:rPr lang="en-US" sz="2000" b="1" noProof="1">
                 <a:solidFill>
                   <a:schemeClr val="accent2">
                     <a:lumMod val="40000"/>
@@ -17092,7 +16167,7 @@
               <a:buSzPct val="70000"/>
             </a:pPr>
             <a:r>
-              <a:rPr lang="en-US" sz="2000" b="1" noProof="1" smtClean="0">
+              <a:rPr lang="en-US" sz="2000" b="1" noProof="1">
                 <a:solidFill>
                   <a:schemeClr val="accent2">
                     <a:lumMod val="40000"/>
@@ -17129,7 +16204,7 @@
               <a:buSzPct val="70000"/>
             </a:pPr>
             <a:r>
-              <a:rPr lang="en-US" sz="2000" b="1" noProof="1" smtClean="0">
+              <a:rPr lang="en-US" sz="2000" b="1" noProof="1">
                 <a:solidFill>
                   <a:schemeClr val="accent2">
                     <a:lumMod val="40000"/>
@@ -17166,7 +16241,7 @@
               <a:buSzPct val="70000"/>
             </a:pPr>
             <a:r>
-              <a:rPr lang="en-US" sz="2000" b="1" noProof="1" smtClean="0">
+              <a:rPr lang="en-US" sz="2000" b="1" noProof="1">
                 <a:solidFill>
                   <a:schemeClr val="accent2">
                     <a:lumMod val="40000"/>
@@ -17203,7 +16278,7 @@
               <a:buSzPct val="70000"/>
             </a:pPr>
             <a:r>
-              <a:rPr lang="en-US" sz="2000" b="1" noProof="1" smtClean="0">
+              <a:rPr lang="en-US" sz="2000" b="1" noProof="1">
                 <a:solidFill>
                   <a:schemeClr val="accent2">
                     <a:lumMod val="40000"/>
@@ -17240,7 +16315,7 @@
               <a:buSzPct val="70000"/>
             </a:pPr>
             <a:r>
-              <a:rPr lang="en-US" sz="2000" b="1" noProof="1" smtClean="0">
+              <a:rPr lang="en-US" sz="2000" b="1" noProof="1">
                 <a:solidFill>
                   <a:schemeClr val="accent2">
                     <a:lumMod val="40000"/>
@@ -17277,7 +16352,7 @@
               <a:buSzPct val="70000"/>
             </a:pPr>
             <a:r>
-              <a:rPr lang="en-US" sz="2000" b="1" noProof="1" smtClean="0">
+              <a:rPr lang="en-US" sz="2000" b="1" noProof="1">
                 <a:solidFill>
                   <a:schemeClr val="accent2">
                     <a:lumMod val="40000"/>
@@ -17314,7 +16389,7 @@
               <a:buSzPct val="70000"/>
             </a:pPr>
             <a:r>
-              <a:rPr lang="en-US" sz="2000" b="1" noProof="1" smtClean="0">
+              <a:rPr lang="en-US" sz="2000" b="1" noProof="1">
                 <a:solidFill>
                   <a:schemeClr val="accent2">
                     <a:lumMod val="40000"/>
@@ -17351,7 +16426,7 @@
               <a:buSzPct val="70000"/>
             </a:pPr>
             <a:r>
-              <a:rPr lang="en-US" sz="2000" b="1" noProof="1" smtClean="0">
+              <a:rPr lang="en-US" sz="2000" b="1" noProof="1">
                 <a:solidFill>
                   <a:schemeClr val="accent2">
                     <a:lumMod val="40000"/>
@@ -17388,7 +16463,7 @@
               <a:buSzPct val="70000"/>
             </a:pPr>
             <a:r>
-              <a:rPr lang="en-US" sz="2000" b="1" noProof="1" smtClean="0">
+              <a:rPr lang="en-US" sz="2000" b="1" noProof="1">
                 <a:solidFill>
                   <a:schemeClr val="accent2">
                     <a:lumMod val="40000"/>
@@ -17425,7 +16500,7 @@
               <a:buSzPct val="70000"/>
             </a:pPr>
             <a:r>
-              <a:rPr lang="en-US" sz="2000" b="1" noProof="1" smtClean="0">
+              <a:rPr lang="en-US" sz="2000" b="1" noProof="1">
                 <a:solidFill>
                   <a:schemeClr val="accent2">
                     <a:lumMod val="40000"/>
@@ -17457,13 +16532,6 @@
   <p:clrMapOvr>
     <a:masterClrMapping/>
   </p:clrMapOvr>
-  <p:timing>
-    <p:tnLst>
-      <p:par>
-        <p:cTn id="1" dur="indefinite" restart="never" nodeType="tmRoot"/>
-      </p:par>
-    </p:tnLst>
-  </p:timing>
 </p:sld>
 </file>
 
@@ -17500,10 +16568,9 @@
           <a:lstStyle/>
           <a:p>
             <a:r>
-              <a:rPr lang="en-US" sz="3800" dirty="0" smtClean="0"/>
+              <a:rPr lang="en-US" sz="3800" dirty="0"/>
               <a:t>Code Formatting Fundamentals</a:t>
             </a:r>
-            <a:endParaRPr lang="en-US" sz="3800" dirty="0"/>
           </a:p>
         </p:txBody>
       </p:sp>
@@ -17523,49 +16590,49 @@
           <a:lstStyle/>
           <a:p>
             <a:r>
-              <a:rPr lang="en-US" dirty="0" smtClean="0"/>
+              <a:rPr lang="en-US" dirty="0"/>
               <a:t>Good formatting goals</a:t>
             </a:r>
           </a:p>
           <a:p>
             <a:pPr lvl="1"/>
             <a:r>
-              <a:rPr lang="en-US" dirty="0" smtClean="0"/>
+              <a:rPr lang="en-US" dirty="0"/>
               <a:t>To improve code readability</a:t>
             </a:r>
           </a:p>
           <a:p>
             <a:pPr lvl="1"/>
             <a:r>
-              <a:rPr lang="en-US" dirty="0" smtClean="0"/>
+              <a:rPr lang="en-US" dirty="0"/>
               <a:t>To improve code maintainability</a:t>
             </a:r>
           </a:p>
           <a:p>
             <a:r>
-              <a:rPr lang="en-US" dirty="0" smtClean="0"/>
+              <a:rPr lang="en-US" dirty="0"/>
               <a:t>Fundamental principle of code formatting:</a:t>
             </a:r>
           </a:p>
           <a:p>
             <a:pPr lvl="1"/>
-            <a:endParaRPr lang="en-US" dirty="0" smtClean="0"/>
+            <a:endParaRPr lang="en-US" dirty="0"/>
           </a:p>
           <a:p>
             <a:pPr lvl="1"/>
-            <a:endParaRPr lang="en-US" dirty="0" smtClean="0"/>
+            <a:endParaRPr lang="en-US" dirty="0"/>
           </a:p>
           <a:p>
             <a:pPr lvl="1"/>
             <a:r>
-              <a:rPr lang="en-US" dirty="0" smtClean="0"/>
+              <a:rPr lang="en-US" dirty="0"/>
               <a:t>Any formatting style that follows the above principle is good</a:t>
             </a:r>
           </a:p>
           <a:p>
             <a:pPr lvl="1"/>
             <a:r>
-              <a:rPr lang="en-US" dirty="0" smtClean="0"/>
+              <a:rPr lang="en-US" dirty="0"/>
               <a:t>Any other formatting is not good</a:t>
             </a:r>
           </a:p>
@@ -17654,7 +16721,7 @@
               <a:buSzPct val="70000"/>
             </a:pPr>
             <a:r>
-              <a:rPr lang="en-US" sz="3200" b="1" noProof="1" smtClean="0">
+              <a:rPr lang="en-US" sz="3200" b="1" noProof="1">
                 <a:solidFill>
                   <a:schemeClr val="accent5">
                     <a:lumMod val="20000"/>
@@ -17686,13 +16753,6 @@
   <p:clrMapOvr>
     <a:masterClrMapping/>
   </p:clrMapOvr>
-  <p:timing>
-    <p:tnLst>
-      <p:par>
-        <p:cTn id="1" dur="indefinite" restart="never" nodeType="tmRoot"/>
-      </p:par>
-    </p:tnLst>
-  </p:timing>
 </p:sld>
 </file>
 
@@ -17729,10 +16789,9 @@
           <a:lstStyle/>
           <a:p>
             <a:r>
-              <a:rPr lang="en-US" dirty="0" smtClean="0"/>
+              <a:rPr lang="en-US" dirty="0"/>
               <a:t>Formatting Blocks in C#</a:t>
             </a:r>
-            <a:endParaRPr lang="en-US" dirty="0"/>
           </a:p>
         </p:txBody>
       </p:sp>
@@ -17762,11 +16821,11 @@
               </a:lnSpc>
             </a:pPr>
             <a:r>
-              <a:rPr lang="en-US" dirty="0" smtClean="0"/>
+              <a:rPr lang="en-US" dirty="0"/>
               <a:t>Put </a:t>
             </a:r>
             <a:r>
-              <a:rPr lang="en-US" dirty="0" smtClean="0">
+              <a:rPr lang="en-US" dirty="0">
                 <a:solidFill>
                   <a:schemeClr val="accent5">
                     <a:lumMod val="20000"/>
@@ -17779,11 +16838,11 @@
               <a:t>{</a:t>
             </a:r>
             <a:r>
-              <a:rPr lang="en-US" dirty="0" smtClean="0"/>
+              <a:rPr lang="en-US" dirty="0"/>
               <a:t> and </a:t>
             </a:r>
             <a:r>
-              <a:rPr lang="en-US" dirty="0" smtClean="0">
+              <a:rPr lang="en-US" dirty="0">
                 <a:solidFill>
                   <a:schemeClr val="accent5">
                     <a:lumMod val="20000"/>
@@ -17796,7 +16855,7 @@
               <a:t>}</a:t>
             </a:r>
             <a:r>
-              <a:rPr lang="en-US" dirty="0" smtClean="0"/>
+              <a:rPr lang="en-US" dirty="0"/>
               <a:t> alone on a line under the corresponding parent block</a:t>
             </a:r>
           </a:p>
@@ -17807,7 +16866,7 @@
               </a:lnSpc>
             </a:pPr>
             <a:r>
-              <a:rPr lang="en-US" dirty="0" smtClean="0"/>
+              <a:rPr lang="en-US" dirty="0"/>
               <a:t>Indent the block contents by a single [Tab]</a:t>
             </a:r>
           </a:p>
@@ -17818,7 +16877,7 @@
               </a:lnSpc>
             </a:pPr>
             <a:r>
-              <a:rPr lang="en-US" dirty="0" smtClean="0"/>
+              <a:rPr lang="en-US" dirty="0"/>
               <a:t>Visual Studio will replace the [Tab] with 4 spaces</a:t>
             </a:r>
           </a:p>
@@ -17829,10 +16888,9 @@
               </a:lnSpc>
             </a:pPr>
             <a:r>
-              <a:rPr lang="en-US" dirty="0" smtClean="0"/>
+              <a:rPr lang="en-US" dirty="0"/>
               <a:t>Example:</a:t>
             </a:r>
-            <a:endParaRPr lang="en-US" dirty="0"/>
           </a:p>
         </p:txBody>
       </p:sp>
@@ -17919,7 +16977,7 @@
               <a:buSzPct val="70000"/>
             </a:pPr>
             <a:r>
-              <a:rPr lang="en-US" sz="2200" b="1" noProof="1" smtClean="0">
+              <a:rPr lang="en-US" sz="2200" b="1" noProof="1">
                 <a:solidFill>
                   <a:srgbClr val="8CF4F2"/>
                 </a:solidFill>
@@ -17953,7 +17011,7 @@
               <a:buSzPct val="70000"/>
             </a:pPr>
             <a:r>
-              <a:rPr lang="en-US" sz="2200" b="1" noProof="1" smtClean="0">
+              <a:rPr lang="en-US" sz="2200" b="1" noProof="1">
                 <a:solidFill>
                   <a:srgbClr val="8CF4F2"/>
                 </a:solidFill>
@@ -17987,7 +17045,7 @@
               <a:buSzPct val="70000"/>
             </a:pPr>
             <a:r>
-              <a:rPr lang="en-US" sz="2200" b="1" noProof="1" smtClean="0">
+              <a:rPr lang="en-US" sz="2200" b="1" noProof="1">
                 <a:solidFill>
                   <a:srgbClr val="8CF4F2"/>
                 </a:solidFill>
@@ -18035,58 +17093,7 @@
                 <a:latin typeface="Consolas" pitchFamily="49" charset="0"/>
                 <a:cs typeface="Consolas" pitchFamily="49" charset="0"/>
               </a:rPr>
-              <a:t>    // </a:t>
-            </a:r>
-            <a:r>
-              <a:rPr lang="en-US" sz="2200" b="1" noProof="1" smtClean="0">
-                <a:solidFill>
-                  <a:srgbClr val="8CF4F2"/>
-                </a:solidFill>
-                <a:effectLst>
-                  <a:outerShdw blurRad="38100" dist="38100" dir="2700000" algn="tl">
-                    <a:srgbClr val="000000">
-                      <a:alpha val="43137"/>
-                    </a:srgbClr>
-                  </a:outerShdw>
-                </a:effectLst>
-                <a:latin typeface="Consolas" pitchFamily="49" charset="0"/>
-                <a:cs typeface="Consolas" pitchFamily="49" charset="0"/>
-              </a:rPr>
-              <a:t>VS will </a:t>
-            </a:r>
-            <a:r>
-              <a:rPr lang="en-US" sz="2200" b="1" noProof="1">
-                <a:solidFill>
-                  <a:srgbClr val="8CF4F2"/>
-                </a:solidFill>
-                <a:effectLst>
-                  <a:outerShdw blurRad="38100" dist="38100" dir="2700000" algn="tl">
-                    <a:srgbClr val="000000">
-                      <a:alpha val="43137"/>
-                    </a:srgbClr>
-                  </a:outerShdw>
-                </a:effectLst>
-                <a:latin typeface="Consolas" pitchFamily="49" charset="0"/>
-                <a:cs typeface="Consolas" pitchFamily="49" charset="0"/>
-              </a:rPr>
-              <a:t>replace the [Tab] with 4 </a:t>
-            </a:r>
-            <a:r>
-              <a:rPr lang="en-US" sz="2200" b="1" noProof="1" smtClean="0">
-                <a:solidFill>
-                  <a:srgbClr val="8CF4F2"/>
-                </a:solidFill>
-                <a:effectLst>
-                  <a:outerShdw blurRad="38100" dist="38100" dir="2700000" algn="tl">
-                    <a:srgbClr val="000000">
-                      <a:alpha val="43137"/>
-                    </a:srgbClr>
-                  </a:outerShdw>
-                </a:effectLst>
-                <a:latin typeface="Consolas" pitchFamily="49" charset="0"/>
-                <a:cs typeface="Consolas" pitchFamily="49" charset="0"/>
-              </a:rPr>
-              <a:t>spaces</a:t>
+              <a:t>    // VS will replace the [Tab] with 4 spaces</a:t>
             </a:r>
           </a:p>
           <a:p>
@@ -18106,7 +17113,7 @@
               <a:buSzPct val="70000"/>
             </a:pPr>
             <a:r>
-              <a:rPr lang="en-US" sz="2200" b="1" noProof="1" smtClean="0">
+              <a:rPr lang="en-US" sz="2200" b="1" noProof="1">
                 <a:solidFill>
                   <a:srgbClr val="8CF4F2"/>
                 </a:solidFill>
@@ -18135,13 +17142,6 @@
   <p:clrMapOvr>
     <a:masterClrMapping/>
   </p:clrMapOvr>
-  <p:timing>
-    <p:tnLst>
-      <p:par>
-        <p:cTn id="1" dur="indefinite" restart="never" nodeType="tmRoot"/>
-      </p:par>
-    </p:tnLst>
-  </p:timing>
 </p:sld>
 </file>
 
@@ -18183,10 +17183,9 @@
           <a:lstStyle/>
           <a:p>
             <a:r>
-              <a:rPr lang="en-US" dirty="0" smtClean="0"/>
+              <a:rPr lang="en-US" dirty="0"/>
               <a:t>Formatting Blocks in JavaScript</a:t>
             </a:r>
-            <a:endParaRPr lang="en-US" dirty="0"/>
           </a:p>
         </p:txBody>
       </p:sp>
@@ -18211,11 +17210,11 @@
               </a:lnSpc>
             </a:pPr>
             <a:r>
-              <a:rPr lang="en-US" dirty="0" smtClean="0"/>
+              <a:rPr lang="en-US" dirty="0"/>
               <a:t>Put </a:t>
             </a:r>
             <a:r>
-              <a:rPr lang="en-US" dirty="0" smtClean="0">
+              <a:rPr lang="en-US" dirty="0">
                 <a:solidFill>
                   <a:schemeClr val="accent5">
                     <a:lumMod val="20000"/>
@@ -18228,11 +17227,11 @@
               <a:t>{</a:t>
             </a:r>
             <a:r>
-              <a:rPr lang="en-US" dirty="0" smtClean="0"/>
+              <a:rPr lang="en-US" dirty="0"/>
               <a:t> at the end of the block and </a:t>
             </a:r>
             <a:r>
-              <a:rPr lang="en-US" dirty="0" smtClean="0">
+              <a:rPr lang="en-US" dirty="0">
                 <a:solidFill>
                   <a:schemeClr val="accent5">
                     <a:lumMod val="20000"/>
@@ -18245,7 +17244,7 @@
               <a:t>}</a:t>
             </a:r>
             <a:r>
-              <a:rPr lang="en-US" dirty="0" smtClean="0"/>
+              <a:rPr lang="en-US" dirty="0"/>
               <a:t> alone on a line under the corresponding parent block</a:t>
             </a:r>
           </a:p>
@@ -18256,7 +17255,7 @@
               </a:lnSpc>
             </a:pPr>
             <a:r>
-              <a:rPr lang="en-US" dirty="0" smtClean="0"/>
+              <a:rPr lang="en-US" dirty="0"/>
               <a:t>Indent the block contents by a single [Tab]</a:t>
             </a:r>
           </a:p>
@@ -18267,7 +17266,7 @@
               </a:lnSpc>
             </a:pPr>
             <a:r>
-              <a:rPr lang="en-US" dirty="0" smtClean="0"/>
+              <a:rPr lang="en-US" dirty="0"/>
               <a:t>Don't indent with spaces</a:t>
             </a:r>
           </a:p>
@@ -18278,10 +17277,9 @@
               </a:lnSpc>
             </a:pPr>
             <a:r>
-              <a:rPr lang="en-US" dirty="0" smtClean="0"/>
+              <a:rPr lang="en-US" dirty="0"/>
               <a:t>Example:</a:t>
             </a:r>
-            <a:endParaRPr lang="en-US" dirty="0"/>
           </a:p>
         </p:txBody>
       </p:sp>
@@ -18368,7 +17366,7 @@
               <a:buSzPct val="70000"/>
             </a:pPr>
             <a:r>
-              <a:rPr lang="en-US" sz="2200" b="1" noProof="1" smtClean="0">
+              <a:rPr lang="en-US" sz="2200" b="1" noProof="1">
                 <a:solidFill>
                   <a:srgbClr val="8CF4F2"/>
                 </a:solidFill>
@@ -18402,7 +17400,7 @@
               <a:buSzPct val="70000"/>
             </a:pPr>
             <a:r>
-              <a:rPr lang="en-US" sz="2200" b="1" noProof="1" smtClean="0">
+              <a:rPr lang="en-US" sz="2200" b="1" noProof="1">
                 <a:solidFill>
                   <a:srgbClr val="8CF4F2"/>
                 </a:solidFill>
@@ -18436,7 +17434,7 @@
               <a:buSzPct val="70000"/>
             </a:pPr>
             <a:r>
-              <a:rPr lang="en-US" sz="2200" b="1" noProof="1" smtClean="0">
+              <a:rPr lang="en-US" sz="2200" b="1" noProof="1">
                 <a:solidFill>
                   <a:srgbClr val="8CF4F2"/>
                 </a:solidFill>
@@ -18470,7 +17468,7 @@
               <a:buSzPct val="70000"/>
             </a:pPr>
             <a:r>
-              <a:rPr lang="en-US" sz="2200" b="1" noProof="1" smtClean="0">
+              <a:rPr lang="en-US" sz="2200" b="1" noProof="1">
                 <a:solidFill>
                   <a:srgbClr val="8CF4F2"/>
                 </a:solidFill>
@@ -18499,13 +17497,6 @@
   <p:clrMapOvr>
     <a:masterClrMapping/>
   </p:clrMapOvr>
-  <p:timing>
-    <p:tnLst>
-      <p:par>
-        <p:cTn id="1" dur="indefinite" restart="never" nodeType="tmRoot"/>
-      </p:par>
-    </p:tnLst>
-  </p:timing>
 </p:sld>
 </file>
 
@@ -18542,10 +17533,9 @@
           <a:lstStyle/>
           <a:p>
             <a:r>
-              <a:rPr lang="en-US" dirty="0" smtClean="0"/>
+              <a:rPr lang="en-US" dirty="0"/>
               <a:t>Empty Lines between Methods</a:t>
             </a:r>
-            <a:endParaRPr lang="en-US" dirty="0"/>
           </a:p>
         </p:txBody>
       </p:sp>
@@ -18570,7 +17560,7 @@
           <a:lstStyle/>
           <a:p>
             <a:r>
-              <a:rPr lang="en-US" sz="3000" dirty="0" smtClean="0"/>
+              <a:rPr lang="en-US" sz="3000" dirty="0"/>
               <a:t>Use empty line for separation between methods:</a:t>
             </a:r>
           </a:p>
@@ -18656,7 +17646,7 @@
               <a:buSzPct val="70000"/>
             </a:pPr>
             <a:r>
-              <a:rPr lang="en-US" sz="1900" b="1" noProof="1" smtClean="0">
+              <a:rPr lang="en-US" sz="1900" b="1" noProof="1">
                 <a:solidFill>
                   <a:srgbClr val="8CF4F2"/>
                 </a:solidFill>
@@ -18687,7 +17677,7 @@
               <a:buSzPct val="70000"/>
             </a:pPr>
             <a:r>
-              <a:rPr lang="en-US" sz="1900" b="1" noProof="1" smtClean="0">
+              <a:rPr lang="en-US" sz="1900" b="1" noProof="1">
                 <a:solidFill>
                   <a:srgbClr val="8CF4F2"/>
                 </a:solidFill>
@@ -18718,7 +17708,7 @@
               <a:buSzPct val="70000"/>
             </a:pPr>
             <a:r>
-              <a:rPr lang="en-US" sz="1900" b="1" noProof="1" smtClean="0">
+              <a:rPr lang="en-US" sz="1900" b="1" noProof="1">
                 <a:solidFill>
                   <a:srgbClr val="8CF4F2"/>
                 </a:solidFill>
@@ -18749,7 +17739,7 @@
               <a:buSzPct val="70000"/>
             </a:pPr>
             <a:r>
-              <a:rPr lang="en-US" sz="1900" b="1" noProof="1" smtClean="0">
+              <a:rPr lang="en-US" sz="1900" b="1" noProof="1">
                 <a:solidFill>
                   <a:srgbClr val="8CF4F2"/>
                 </a:solidFill>
@@ -18780,7 +17770,7 @@
               <a:buSzPct val="70000"/>
             </a:pPr>
             <a:r>
-              <a:rPr lang="en-US" sz="1900" b="1" noProof="1" smtClean="0">
+              <a:rPr lang="en-US" sz="1900" b="1" noProof="1">
                 <a:solidFill>
                   <a:srgbClr val="8CF4F2"/>
                 </a:solidFill>
@@ -18811,7 +17801,7 @@
               <a:buSzPct val="70000"/>
             </a:pPr>
             <a:r>
-              <a:rPr lang="en-US" sz="1900" b="1" noProof="1" smtClean="0">
+              <a:rPr lang="en-US" sz="1900" b="1" noProof="1">
                 <a:solidFill>
                   <a:srgbClr val="8CF4F2"/>
                 </a:solidFill>
@@ -18842,7 +17832,7 @@
               <a:buSzPct val="70000"/>
             </a:pPr>
             <a:r>
-              <a:rPr lang="en-US" sz="1900" b="1" noProof="1" smtClean="0">
+              <a:rPr lang="en-US" sz="1900" b="1" noProof="1">
                 <a:solidFill>
                   <a:srgbClr val="8CF4F2"/>
                 </a:solidFill>
@@ -18873,7 +17863,7 @@
               <a:buSzPct val="70000"/>
             </a:pPr>
             <a:r>
-              <a:rPr lang="en-US" sz="1900" b="1" noProof="1" smtClean="0">
+              <a:rPr lang="en-US" sz="1900" b="1" noProof="1">
                 <a:solidFill>
                   <a:srgbClr val="8CF4F2"/>
                 </a:solidFill>
@@ -18904,7 +17894,7 @@
               <a:buSzPct val="70000"/>
             </a:pPr>
             <a:r>
-              <a:rPr lang="en-US" sz="1900" b="1" noProof="1" smtClean="0">
+              <a:rPr lang="en-US" sz="1900" b="1" noProof="1">
                 <a:solidFill>
                   <a:srgbClr val="8CF4F2"/>
                 </a:solidFill>
@@ -18935,7 +17925,7 @@
               <a:buSzPct val="70000"/>
             </a:pPr>
             <a:r>
-              <a:rPr lang="en-US" sz="1900" b="1" noProof="1" smtClean="0">
+              <a:rPr lang="en-US" sz="1900" b="1" noProof="1">
                 <a:solidFill>
                   <a:srgbClr val="8CF4F2"/>
                 </a:solidFill>
@@ -18966,7 +17956,7 @@
               <a:buSzPct val="70000"/>
             </a:pPr>
             <a:r>
-              <a:rPr lang="en-US" sz="1900" b="1" noProof="1" smtClean="0">
+              <a:rPr lang="en-US" sz="1900" b="1" noProof="1">
                 <a:solidFill>
                   <a:srgbClr val="8CF4F2"/>
                 </a:solidFill>
@@ -18997,7 +17987,7 @@
               <a:buSzPct val="70000"/>
             </a:pPr>
             <a:r>
-              <a:rPr lang="en-US" sz="1900" b="1" noProof="1" smtClean="0">
+              <a:rPr lang="en-US" sz="1900" b="1" noProof="1">
                 <a:solidFill>
                   <a:srgbClr val="8CF4F2"/>
                 </a:solidFill>
@@ -19028,7 +18018,7 @@
               <a:buSzPct val="70000"/>
             </a:pPr>
             <a:r>
-              <a:rPr lang="en-US" sz="1900" b="1" noProof="1" smtClean="0">
+              <a:rPr lang="en-US" sz="1900" b="1" noProof="1">
                 <a:solidFill>
                   <a:srgbClr val="8CF4F2"/>
                 </a:solidFill>
@@ -19059,7 +18049,7 @@
               <a:buSzPct val="70000"/>
             </a:pPr>
             <a:r>
-              <a:rPr lang="en-US" sz="1900" b="1" noProof="1" smtClean="0">
+              <a:rPr lang="en-US" sz="1900" b="1" noProof="1">
                 <a:solidFill>
                   <a:srgbClr val="8CF4F2"/>
                 </a:solidFill>
@@ -19090,7 +18080,7 @@
               <a:buSzPct val="70000"/>
             </a:pPr>
             <a:r>
-              <a:rPr lang="en-US" sz="1900" b="1" noProof="1" smtClean="0">
+              <a:rPr lang="en-US" sz="1900" b="1" noProof="1">
                 <a:solidFill>
                   <a:srgbClr val="8CF4F2"/>
                 </a:solidFill>
@@ -19121,7 +18111,7 @@
               <a:buSzPct val="70000"/>
             </a:pPr>
             <a:r>
-              <a:rPr lang="en-US" sz="1900" b="1" noProof="1" smtClean="0">
+              <a:rPr lang="en-US" sz="1900" b="1" noProof="1">
                 <a:solidFill>
                   <a:srgbClr val="8CF4F2"/>
                 </a:solidFill>
@@ -19194,7 +18184,7 @@
               <a:buSzPct val="70000"/>
             </a:pPr>
             <a:r>
-              <a:rPr lang="en-US" sz="2400" b="1" noProof="1" smtClean="0">
+              <a:rPr lang="en-US" sz="2400" b="1" noProof="1">
                 <a:solidFill>
                   <a:srgbClr val="F7FFE7"/>
                 </a:solidFill>
@@ -19267,7 +18257,7 @@
               <a:buSzPct val="70000"/>
             </a:pPr>
             <a:r>
-              <a:rPr lang="en-US" sz="2400" b="1" noProof="1" smtClean="0">
+              <a:rPr lang="en-US" sz="2400" b="1" noProof="1">
                 <a:solidFill>
                   <a:srgbClr val="F7FFE7"/>
                 </a:solidFill>
@@ -19284,7 +18274,7 @@
               <a:t>Always use </a:t>
             </a:r>
             <a:r>
-              <a:rPr lang="en-US" sz="2400" b="1" noProof="1" smtClean="0">
+              <a:rPr lang="en-US" sz="2400" b="1" noProof="1">
                 <a:solidFill>
                   <a:schemeClr val="accent5">
                     <a:lumMod val="20000"/>
@@ -19304,7 +18294,7 @@
               <a:t>{</a:t>
             </a:r>
             <a:r>
-              <a:rPr lang="en-US" sz="2400" b="1" noProof="1" smtClean="0">
+              <a:rPr lang="en-US" sz="2400" b="1" noProof="1">
                 <a:solidFill>
                   <a:srgbClr val="F7FFE7"/>
                 </a:solidFill>
@@ -19321,7 +18311,7 @@
               <a:t> and </a:t>
             </a:r>
             <a:r>
-              <a:rPr lang="en-US" sz="2400" b="1" noProof="1" smtClean="0">
+              <a:rPr lang="en-US" sz="2400" b="1" noProof="1">
                 <a:solidFill>
                   <a:schemeClr val="accent5">
                     <a:lumMod val="20000"/>
@@ -19341,7 +18331,7 @@
               <a:t>}</a:t>
             </a:r>
             <a:r>
-              <a:rPr lang="en-US" sz="2400" b="1" noProof="1" smtClean="0">
+              <a:rPr lang="en-US" sz="2400" b="1" noProof="1">
                 <a:solidFill>
                   <a:srgbClr val="F7FFE7"/>
                 </a:solidFill>
@@ -19358,7 +18348,7 @@
               <a:t> after </a:t>
             </a:r>
             <a:r>
-              <a:rPr lang="en-US" sz="2400" b="1" noProof="1" smtClean="0">
+              <a:rPr lang="en-US" sz="2400" b="1" noProof="1">
                 <a:solidFill>
                   <a:schemeClr val="accent5">
                     <a:lumMod val="20000"/>
@@ -19395,7 +18385,7 @@
               <a:buSzPct val="70000"/>
             </a:pPr>
             <a:r>
-              <a:rPr lang="en-US" sz="2400" b="1" noProof="1" smtClean="0">
+              <a:rPr lang="en-US" sz="2400" b="1" noProof="1">
                 <a:solidFill>
                   <a:srgbClr val="F7FFE7"/>
                 </a:solidFill>
@@ -19584,10 +18574,9 @@
           <a:lstStyle/>
           <a:p>
             <a:r>
-              <a:rPr lang="en-US" dirty="0" smtClean="0"/>
+              <a:rPr lang="en-US" dirty="0"/>
               <a:t>Methods Indentation</a:t>
             </a:r>
-            <a:endParaRPr lang="en-US" dirty="0"/>
           </a:p>
         </p:txBody>
       </p:sp>
@@ -19612,7 +18601,7 @@
               </a:lnSpc>
             </a:pPr>
             <a:r>
-              <a:rPr lang="en-US" dirty="0" smtClean="0"/>
+              <a:rPr lang="en-US" dirty="0"/>
               <a:t>Methods should be indented with a single [Tab] from the class body</a:t>
             </a:r>
           </a:p>
@@ -19623,7 +18612,7 @@
               </a:lnSpc>
             </a:pPr>
             <a:r>
-              <a:rPr lang="en-US" dirty="0" smtClean="0"/>
+              <a:rPr lang="en-US" dirty="0"/>
               <a:t>Methods body should be indented with a single [Tab] as well</a:t>
             </a:r>
           </a:p>
@@ -19633,7 +18622,7 @@
                 <a:spcPct val="100000"/>
               </a:lnSpc>
             </a:pPr>
-            <a:endParaRPr lang="en-US" dirty="0" smtClean="0"/>
+            <a:endParaRPr lang="en-US" dirty="0"/>
           </a:p>
           <a:p>
             <a:pPr>
@@ -19641,7 +18630,7 @@
                 <a:spcPct val="100000"/>
               </a:lnSpc>
             </a:pPr>
-            <a:endParaRPr lang="en-US" dirty="0" smtClean="0"/>
+            <a:endParaRPr lang="en-US" dirty="0"/>
           </a:p>
           <a:p>
             <a:pPr>
@@ -19649,7 +18638,7 @@
                 <a:spcPct val="100000"/>
               </a:lnSpc>
             </a:pPr>
-            <a:endParaRPr lang="en-US" dirty="0" smtClean="0"/>
+            <a:endParaRPr lang="en-US" dirty="0"/>
           </a:p>
           <a:p>
             <a:pPr>
@@ -19657,7 +18646,7 @@
                 <a:spcPct val="100000"/>
               </a:lnSpc>
             </a:pPr>
-            <a:endParaRPr lang="en-US" dirty="0" smtClean="0"/>
+            <a:endParaRPr lang="en-US" dirty="0"/>
           </a:p>
         </p:txBody>
       </p:sp>
@@ -19741,7 +18730,7 @@
               <a:buSzPct val="70000"/>
             </a:pPr>
             <a:r>
-              <a:rPr lang="en-US" sz="1900" b="1" noProof="1" smtClean="0">
+              <a:rPr lang="en-US" sz="1900" b="1" noProof="1">
                 <a:solidFill>
                   <a:srgbClr val="8CF4F2"/>
                 </a:solidFill>
@@ -19772,7 +18761,7 @@
               <a:buSzPct val="70000"/>
             </a:pPr>
             <a:r>
-              <a:rPr lang="en-US" sz="1900" b="1" noProof="1" smtClean="0">
+              <a:rPr lang="en-US" sz="1900" b="1" noProof="1">
                 <a:solidFill>
                   <a:srgbClr val="8CF4F2"/>
                 </a:solidFill>
@@ -19803,7 +18792,7 @@
               <a:buSzPct val="70000"/>
             </a:pPr>
             <a:r>
-              <a:rPr lang="en-US" sz="1900" b="1" noProof="1" smtClean="0">
+              <a:rPr lang="en-US" sz="1900" b="1" noProof="1">
                 <a:solidFill>
                   <a:srgbClr val="8CF4F2"/>
                 </a:solidFill>
@@ -19834,7 +18823,7 @@
               <a:buSzPct val="70000"/>
             </a:pPr>
             <a:r>
-              <a:rPr lang="en-US" sz="1900" b="1" noProof="1" smtClean="0">
+              <a:rPr lang="en-US" sz="1900" b="1" noProof="1">
                 <a:solidFill>
                   <a:srgbClr val="8CF4F2"/>
                 </a:solidFill>
@@ -19865,7 +18854,7 @@
               <a:buSzPct val="70000"/>
             </a:pPr>
             <a:r>
-              <a:rPr lang="en-US" sz="1900" b="1" noProof="1" smtClean="0">
+              <a:rPr lang="en-US" sz="1900" b="1" noProof="1">
                 <a:solidFill>
                   <a:srgbClr val="8CF4F2"/>
                 </a:solidFill>
@@ -19896,7 +18885,7 @@
               <a:buSzPct val="70000"/>
             </a:pPr>
             <a:r>
-              <a:rPr lang="en-US" sz="1900" b="1" noProof="1" smtClean="0">
+              <a:rPr lang="en-US" sz="1900" b="1" noProof="1">
                 <a:solidFill>
                   <a:srgbClr val="8CF4F2"/>
                 </a:solidFill>
@@ -19927,7 +18916,7 @@
               <a:buSzPct val="70000"/>
             </a:pPr>
             <a:r>
-              <a:rPr lang="en-US" sz="1900" b="1" noProof="1" smtClean="0">
+              <a:rPr lang="en-US" sz="1900" b="1" noProof="1">
                 <a:solidFill>
                   <a:srgbClr val="8CF4F2"/>
                 </a:solidFill>
@@ -19990,7 +18979,7 @@
               </a:buClr>
               <a:buSzPct val="70000"/>
             </a:pPr>
-            <a:endParaRPr lang="en-US" sz="1900" b="1" noProof="1" smtClean="0">
+            <a:endParaRPr lang="en-US" sz="1900" b="1" noProof="1">
               <a:solidFill>
                 <a:srgbClr val="8CF4F2"/>
               </a:solidFill>
@@ -20061,7 +19050,7 @@
               <a:buSzPct val="70000"/>
             </a:pPr>
             <a:r>
-              <a:rPr lang="en-US" sz="2400" b="1" noProof="1" smtClean="0">
+              <a:rPr lang="en-US" sz="2400" b="1" noProof="1">
                 <a:solidFill>
                   <a:srgbClr val="F7FFE7"/>
                 </a:solidFill>
@@ -20124,7 +19113,7 @@
               </a:buClr>
               <a:buSzPct val="70000"/>
             </a:pPr>
-            <a:endParaRPr lang="en-US" sz="1900" b="1" noProof="1" smtClean="0">
+            <a:endParaRPr lang="en-US" sz="1900" b="1" noProof="1">
               <a:solidFill>
                 <a:srgbClr val="8CF4F2"/>
               </a:solidFill>
@@ -20195,7 +19184,7 @@
               <a:buSzPct val="70000"/>
             </a:pPr>
             <a:r>
-              <a:rPr lang="en-US" sz="2400" b="1" noProof="1" smtClean="0">
+              <a:rPr lang="en-US" sz="2400" b="1" noProof="1">
                 <a:solidFill>
                   <a:srgbClr val="F7FFE7"/>
                 </a:solidFill>
